--- a/Fase 2/Evidencias Proyecto/Presentacion Proyecto/Presentacion Sistema.pptx
+++ b/Fase 2/Evidencias Proyecto/Presentacion Proyecto/Presentacion Sistema.pptx
@@ -5,7 +5,7 @@
     <p:sldMasterId id="2147483672" r:id="rId1"/>
   </p:sldMasterIdLst>
   <p:notesMasterIdLst>
-    <p:notesMasterId r:id="rId11"/>
+    <p:notesMasterId r:id="rId13"/>
   </p:notesMasterIdLst>
   <p:sldIdLst>
     <p:sldId id="256" r:id="rId2"/>
@@ -13,43 +13,45 @@
     <p:sldId id="259" r:id="rId4"/>
     <p:sldId id="257" r:id="rId5"/>
     <p:sldId id="278" r:id="rId6"/>
-    <p:sldId id="269" r:id="rId7"/>
-    <p:sldId id="276" r:id="rId8"/>
-    <p:sldId id="277" r:id="rId9"/>
-    <p:sldId id="275" r:id="rId10"/>
+    <p:sldId id="276" r:id="rId7"/>
+    <p:sldId id="279" r:id="rId8"/>
+    <p:sldId id="269" r:id="rId9"/>
+    <p:sldId id="280" r:id="rId10"/>
+    <p:sldId id="277" r:id="rId11"/>
+    <p:sldId id="275" r:id="rId12"/>
   </p:sldIdLst>
   <p:sldSz cx="9144000" cy="5143500" type="screen16x9"/>
   <p:notesSz cx="6858000" cy="9144000"/>
   <p:embeddedFontLst>
     <p:embeddedFont>
       <p:font typeface="Denk One" panose="020B0604020202020204" charset="0"/>
-      <p:regular r:id="rId12"/>
+      <p:regular r:id="rId14"/>
     </p:embeddedFont>
     <p:embeddedFont>
       <p:font typeface="Fira Sans Extra Condensed" panose="020B0503050000020004" pitchFamily="34" charset="0"/>
-      <p:regular r:id="rId13"/>
-      <p:bold r:id="rId14"/>
-      <p:italic r:id="rId15"/>
-      <p:boldItalic r:id="rId16"/>
+      <p:regular r:id="rId15"/>
+      <p:bold r:id="rId16"/>
+      <p:italic r:id="rId17"/>
+      <p:boldItalic r:id="rId18"/>
     </p:embeddedFont>
     <p:embeddedFont>
       <p:font typeface="Nunito Light" pitchFamily="2" charset="0"/>
-      <p:regular r:id="rId17"/>
-      <p:italic r:id="rId18"/>
+      <p:regular r:id="rId19"/>
+      <p:italic r:id="rId20"/>
     </p:embeddedFont>
     <p:embeddedFont>
       <p:font typeface="Quantico" panose="020B0604020202020204" charset="0"/>
-      <p:regular r:id="rId19"/>
-      <p:bold r:id="rId20"/>
-      <p:italic r:id="rId21"/>
-      <p:boldItalic r:id="rId22"/>
+      <p:regular r:id="rId21"/>
+      <p:bold r:id="rId22"/>
+      <p:italic r:id="rId23"/>
+      <p:boldItalic r:id="rId24"/>
     </p:embeddedFont>
     <p:embeddedFont>
       <p:font typeface="Source Code Pro" panose="020B0509030403020204" pitchFamily="49" charset="0"/>
-      <p:regular r:id="rId23"/>
-      <p:bold r:id="rId24"/>
-      <p:italic r:id="rId25"/>
-      <p:boldItalic r:id="rId26"/>
+      <p:regular r:id="rId25"/>
+      <p:bold r:id="rId26"/>
+      <p:italic r:id="rId27"/>
+      <p:boldItalic r:id="rId28"/>
     </p:embeddedFont>
   </p:embeddedFontLst>
   <p:defaultTextStyle>
@@ -281,6 +283,11 @@
       </a:defRPr>
     </a:lvl9pPr>
   </p:defaultTextStyle>
+  <p:extLst>
+    <p:ext uri="{EFAFB233-063F-42B5-8137-9DF3F51BA10A}">
+      <p15:sldGuideLst xmlns:p15="http://schemas.microsoft.com/office/powerpoint/2012/main"/>
+    </p:ext>
+  </p:extLst>
 </p:presentation>
 </file>
 
@@ -829,6 +836,219 @@
 </p:notes>
 </file>
 
+<file path=ppt/notesSlides/notesSlide10.xml><?xml version="1.0" encoding="utf-8"?>
+<p:notes xmlns:a="http://schemas.openxmlformats.org/drawingml/2006/main" xmlns:r="http://schemas.openxmlformats.org/officeDocument/2006/relationships" xmlns:p="http://schemas.openxmlformats.org/presentationml/2006/main" showMasterSp="0" showMasterPhAnim="0">
+  <p:cSld>
+    <p:spTree>
+      <p:nvGrpSpPr>
+        <p:cNvPr id="1" name="Shape 393"/>
+        <p:cNvGrpSpPr/>
+        <p:nvPr/>
+      </p:nvGrpSpPr>
+      <p:grpSpPr>
+        <a:xfrm>
+          <a:off x="0" y="0"/>
+          <a:ext cx="0" cy="0"/>
+          <a:chOff x="0" y="0"/>
+          <a:chExt cx="0" cy="0"/>
+        </a:xfrm>
+      </p:grpSpPr>
+      <p:sp>
+        <p:nvSpPr>
+          <p:cNvPr id="394" name="Google Shape;394;g210f7c66770_0_132:notes"/>
+          <p:cNvSpPr>
+            <a:spLocks noGrp="1" noRot="1" noChangeAspect="1"/>
+          </p:cNvSpPr>
+          <p:nvPr>
+            <p:ph type="sldImg" idx="2"/>
+          </p:nvPr>
+        </p:nvSpPr>
+        <p:spPr>
+          <a:xfrm>
+            <a:off x="381000" y="685800"/>
+            <a:ext cx="6096000" cy="3429000"/>
+          </a:xfrm>
+          <a:custGeom>
+            <a:avLst/>
+            <a:gdLst/>
+            <a:ahLst/>
+            <a:cxnLst/>
+            <a:rect l="l" t="t" r="r" b="b"/>
+            <a:pathLst>
+              <a:path w="120000" h="120000" extrusionOk="0">
+                <a:moveTo>
+                  <a:pt x="0" y="0"/>
+                </a:moveTo>
+                <a:lnTo>
+                  <a:pt x="120000" y="0"/>
+                </a:lnTo>
+                <a:lnTo>
+                  <a:pt x="120000" y="120000"/>
+                </a:lnTo>
+                <a:lnTo>
+                  <a:pt x="0" y="120000"/>
+                </a:lnTo>
+                <a:close/>
+              </a:path>
+            </a:pathLst>
+          </a:custGeom>
+        </p:spPr>
+      </p:sp>
+      <p:sp>
+        <p:nvSpPr>
+          <p:cNvPr id="395" name="Google Shape;395;g210f7c66770_0_132:notes"/>
+          <p:cNvSpPr txBox="1">
+            <a:spLocks noGrp="1"/>
+          </p:cNvSpPr>
+          <p:nvPr>
+            <p:ph type="body" idx="1"/>
+          </p:nvPr>
+        </p:nvSpPr>
+        <p:spPr>
+          <a:xfrm>
+            <a:off x="685800" y="4343400"/>
+            <a:ext cx="5486400" cy="4114800"/>
+          </a:xfrm>
+          <a:prstGeom prst="rect">
+            <a:avLst/>
+          </a:prstGeom>
+        </p:spPr>
+        <p:txBody>
+          <a:bodyPr spcFirstLastPara="1" wrap="square" lIns="91425" tIns="91425" rIns="91425" bIns="91425" anchor="t" anchorCtr="0">
+            <a:noAutofit/>
+          </a:bodyPr>
+          <a:lstStyle/>
+          <a:p>
+            <a:pPr marL="0" lvl="0" indent="0" algn="l" rtl="0">
+              <a:spcBef>
+                <a:spcPts val="0"/>
+              </a:spcBef>
+              <a:spcAft>
+                <a:spcPts val="0"/>
+              </a:spcAft>
+              <a:buNone/>
+            </a:pPr>
+            <a:endParaRPr/>
+          </a:p>
+        </p:txBody>
+      </p:sp>
+    </p:spTree>
+    <p:extLst>
+      <p:ext uri="{BB962C8B-B14F-4D97-AF65-F5344CB8AC3E}">
+        <p14:creationId xmlns:p14="http://schemas.microsoft.com/office/powerpoint/2010/main" val="3900705686"/>
+      </p:ext>
+    </p:extLst>
+  </p:cSld>
+  <p:clrMapOvr>
+    <a:masterClrMapping/>
+  </p:clrMapOvr>
+</p:notes>
+</file>
+
+<file path=ppt/notesSlides/notesSlide11.xml><?xml version="1.0" encoding="utf-8"?>
+<p:notes xmlns:a="http://schemas.openxmlformats.org/drawingml/2006/main" xmlns:r="http://schemas.openxmlformats.org/officeDocument/2006/relationships" xmlns:p="http://schemas.openxmlformats.org/presentationml/2006/main" showMasterSp="0" showMasterPhAnim="0">
+  <p:cSld>
+    <p:spTree>
+      <p:nvGrpSpPr>
+        <p:cNvPr id="1" name="Shape 539"/>
+        <p:cNvGrpSpPr/>
+        <p:nvPr/>
+      </p:nvGrpSpPr>
+      <p:grpSpPr>
+        <a:xfrm>
+          <a:off x="0" y="0"/>
+          <a:ext cx="0" cy="0"/>
+          <a:chOff x="0" y="0"/>
+          <a:chExt cx="0" cy="0"/>
+        </a:xfrm>
+      </p:grpSpPr>
+      <p:sp>
+        <p:nvSpPr>
+          <p:cNvPr id="540" name="Google Shape;540;gfd8e885a12_0_226:notes"/>
+          <p:cNvSpPr>
+            <a:spLocks noGrp="1" noRot="1" noChangeAspect="1"/>
+          </p:cNvSpPr>
+          <p:nvPr>
+            <p:ph type="sldImg" idx="2"/>
+          </p:nvPr>
+        </p:nvSpPr>
+        <p:spPr>
+          <a:xfrm>
+            <a:off x="381000" y="685800"/>
+            <a:ext cx="6096000" cy="3429000"/>
+          </a:xfrm>
+          <a:custGeom>
+            <a:avLst/>
+            <a:gdLst/>
+            <a:ahLst/>
+            <a:cxnLst/>
+            <a:rect l="l" t="t" r="r" b="b"/>
+            <a:pathLst>
+              <a:path w="120000" h="120000" extrusionOk="0">
+                <a:moveTo>
+                  <a:pt x="0" y="0"/>
+                </a:moveTo>
+                <a:lnTo>
+                  <a:pt x="120000" y="0"/>
+                </a:lnTo>
+                <a:lnTo>
+                  <a:pt x="120000" y="120000"/>
+                </a:lnTo>
+                <a:lnTo>
+                  <a:pt x="0" y="120000"/>
+                </a:lnTo>
+                <a:close/>
+              </a:path>
+            </a:pathLst>
+          </a:custGeom>
+        </p:spPr>
+      </p:sp>
+      <p:sp>
+        <p:nvSpPr>
+          <p:cNvPr id="541" name="Google Shape;541;gfd8e885a12_0_226:notes"/>
+          <p:cNvSpPr txBox="1">
+            <a:spLocks noGrp="1"/>
+          </p:cNvSpPr>
+          <p:nvPr>
+            <p:ph type="body" idx="1"/>
+          </p:nvPr>
+        </p:nvSpPr>
+        <p:spPr>
+          <a:xfrm>
+            <a:off x="685800" y="4343400"/>
+            <a:ext cx="5486400" cy="4114800"/>
+          </a:xfrm>
+          <a:prstGeom prst="rect">
+            <a:avLst/>
+          </a:prstGeom>
+        </p:spPr>
+        <p:txBody>
+          <a:bodyPr spcFirstLastPara="1" wrap="square" lIns="91425" tIns="91425" rIns="91425" bIns="91425" anchor="t" anchorCtr="0">
+            <a:noAutofit/>
+          </a:bodyPr>
+          <a:lstStyle/>
+          <a:p>
+            <a:pPr marL="0" lvl="0" indent="0" algn="l" rtl="0">
+              <a:spcBef>
+                <a:spcPts val="0"/>
+              </a:spcBef>
+              <a:spcAft>
+                <a:spcPts val="0"/>
+              </a:spcAft>
+              <a:buNone/>
+            </a:pPr>
+            <a:endParaRPr/>
+          </a:p>
+        </p:txBody>
+      </p:sp>
+    </p:spTree>
+  </p:cSld>
+  <p:clrMapOvr>
+    <a:masterClrMapping/>
+  </p:clrMapOvr>
+</p:notes>
+</file>
+
 <file path=ppt/notesSlides/notesSlide2.xml><?xml version="1.0" encoding="utf-8"?>
 <p:notes xmlns:a="http://schemas.openxmlformats.org/drawingml/2006/main" xmlns:r="http://schemas.openxmlformats.org/officeDocument/2006/relationships" xmlns:p="http://schemas.openxmlformats.org/presentationml/2006/main" showMasterSp="0" showMasterPhAnim="0">
   <p:cSld>
@@ -1347,6 +1567,11 @@
         </p:txBody>
       </p:sp>
     </p:spTree>
+    <p:extLst>
+      <p:ext uri="{BB962C8B-B14F-4D97-AF65-F5344CB8AC3E}">
+        <p14:creationId xmlns:p14="http://schemas.microsoft.com/office/powerpoint/2010/main" val="3048254748"/>
+      </p:ext>
+    </p:extLst>
   </p:cSld>
   <p:clrMapOvr>
     <a:masterClrMapping/>
@@ -1453,7 +1678,7 @@
     </p:spTree>
     <p:extLst>
       <p:ext uri="{BB962C8B-B14F-4D97-AF65-F5344CB8AC3E}">
-        <p14:creationId xmlns:p14="http://schemas.microsoft.com/office/powerpoint/2010/main" val="3048254748"/>
+        <p14:creationId xmlns:p14="http://schemas.microsoft.com/office/powerpoint/2010/main" val="237719636"/>
       </p:ext>
     </p:extLst>
   </p:cSld>
@@ -1560,11 +1785,6 @@
         </p:txBody>
       </p:sp>
     </p:spTree>
-    <p:extLst>
-      <p:ext uri="{BB962C8B-B14F-4D97-AF65-F5344CB8AC3E}">
-        <p14:creationId xmlns:p14="http://schemas.microsoft.com/office/powerpoint/2010/main" val="3900705686"/>
-      </p:ext>
-    </p:extLst>
   </p:cSld>
   <p:clrMapOvr>
     <a:masterClrMapping/>
@@ -1577,7 +1797,7 @@
   <p:cSld>
     <p:spTree>
       <p:nvGrpSpPr>
-        <p:cNvPr id="1" name="Shape 539"/>
+        <p:cNvPr id="1" name="Shape 393"/>
         <p:cNvGrpSpPr/>
         <p:nvPr/>
       </p:nvGrpSpPr>
@@ -1591,7 +1811,7 @@
       </p:grpSpPr>
       <p:sp>
         <p:nvSpPr>
-          <p:cNvPr id="540" name="Google Shape;540;gfd8e885a12_0_226:notes"/>
+          <p:cNvPr id="394" name="Google Shape;394;g210f7c66770_0_132:notes"/>
           <p:cNvSpPr>
             <a:spLocks noGrp="1" noRot="1" noChangeAspect="1"/>
           </p:cNvSpPr>
@@ -1632,7 +1852,7 @@
       </p:sp>
       <p:sp>
         <p:nvSpPr>
-          <p:cNvPr id="541" name="Google Shape;541;gfd8e885a12_0_226:notes"/>
+          <p:cNvPr id="395" name="Google Shape;395;g210f7c66770_0_132:notes"/>
           <p:cNvSpPr txBox="1">
             <a:spLocks noGrp="1"/>
           </p:cNvSpPr>
@@ -1669,6 +1889,11 @@
         </p:txBody>
       </p:sp>
     </p:spTree>
+    <p:extLst>
+      <p:ext uri="{BB962C8B-B14F-4D97-AF65-F5344CB8AC3E}">
+        <p14:creationId xmlns:p14="http://schemas.microsoft.com/office/powerpoint/2010/main" val="2461382997"/>
+      </p:ext>
+    </p:extLst>
   </p:cSld>
   <p:clrMapOvr>
     <a:masterClrMapping/>
@@ -10687,6 +10912,559 @@
 </p:sld>
 </file>
 
+<file path=ppt/slides/slide10.xml><?xml version="1.0" encoding="utf-8"?>
+<p:sld xmlns:a="http://schemas.openxmlformats.org/drawingml/2006/main" xmlns:r="http://schemas.openxmlformats.org/officeDocument/2006/relationships" xmlns:p="http://schemas.openxmlformats.org/presentationml/2006/main">
+  <p:cSld>
+    <p:spTree>
+      <p:nvGrpSpPr>
+        <p:cNvPr id="1" name="Shape 396"/>
+        <p:cNvGrpSpPr/>
+        <p:nvPr/>
+      </p:nvGrpSpPr>
+      <p:grpSpPr>
+        <a:xfrm>
+          <a:off x="0" y="0"/>
+          <a:ext cx="0" cy="0"/>
+          <a:chOff x="0" y="0"/>
+          <a:chExt cx="0" cy="0"/>
+        </a:xfrm>
+      </p:grpSpPr>
+      <p:sp>
+        <p:nvSpPr>
+          <p:cNvPr id="424" name="Google Shape;424;p40"/>
+          <p:cNvSpPr txBox="1">
+            <a:spLocks noGrp="1"/>
+          </p:cNvSpPr>
+          <p:nvPr>
+            <p:ph type="title"/>
+          </p:nvPr>
+        </p:nvSpPr>
+        <p:spPr>
+          <a:xfrm>
+            <a:off x="719988" y="459128"/>
+            <a:ext cx="7704000" cy="572700"/>
+          </a:xfrm>
+          <a:prstGeom prst="rect">
+            <a:avLst/>
+          </a:prstGeom>
+        </p:spPr>
+        <p:txBody>
+          <a:bodyPr spcFirstLastPara="1" wrap="square" lIns="91425" tIns="91425" rIns="91425" bIns="91425" anchor="t" anchorCtr="0">
+            <a:noAutofit/>
+          </a:bodyPr>
+          <a:lstStyle/>
+          <a:p>
+            <a:pPr marL="0" lvl="0" indent="0" algn="l" rtl="0">
+              <a:spcBef>
+                <a:spcPts val="0"/>
+              </a:spcBef>
+              <a:spcAft>
+                <a:spcPts val="0"/>
+              </a:spcAft>
+              <a:buNone/>
+            </a:pPr>
+            <a:r>
+              <a:rPr lang="en" dirty="0">
+                <a:solidFill>
+                  <a:schemeClr val="accent2"/>
+                </a:solidFill>
+              </a:rPr>
+              <a:t>&lt;/ </a:t>
+            </a:r>
+            <a:r>
+              <a:rPr lang="en" dirty="0"/>
+              <a:t>Demo</a:t>
+            </a:r>
+            <a:endParaRPr dirty="0"/>
+          </a:p>
+        </p:txBody>
+      </p:sp>
+    </p:spTree>
+    <p:extLst>
+      <p:ext uri="{BB962C8B-B14F-4D97-AF65-F5344CB8AC3E}">
+        <p14:creationId xmlns:p14="http://schemas.microsoft.com/office/powerpoint/2010/main" val="1509751662"/>
+      </p:ext>
+    </p:extLst>
+  </p:cSld>
+  <p:clrMapOvr>
+    <a:masterClrMapping/>
+  </p:clrMapOvr>
+</p:sld>
+</file>
+
+<file path=ppt/slides/slide11.xml><?xml version="1.0" encoding="utf-8"?>
+<p:sld xmlns:a="http://schemas.openxmlformats.org/drawingml/2006/main" xmlns:r="http://schemas.openxmlformats.org/officeDocument/2006/relationships" xmlns:p="http://schemas.openxmlformats.org/presentationml/2006/main">
+  <p:cSld>
+    <p:spTree>
+      <p:nvGrpSpPr>
+        <p:cNvPr id="1" name="Shape 542"/>
+        <p:cNvGrpSpPr/>
+        <p:nvPr/>
+      </p:nvGrpSpPr>
+      <p:grpSpPr>
+        <a:xfrm>
+          <a:off x="0" y="0"/>
+          <a:ext cx="0" cy="0"/>
+          <a:chOff x="0" y="0"/>
+          <a:chExt cx="0" cy="0"/>
+        </a:xfrm>
+      </p:grpSpPr>
+      <p:grpSp>
+        <p:nvGrpSpPr>
+          <p:cNvPr id="543" name="Google Shape;543;p46"/>
+          <p:cNvGrpSpPr/>
+          <p:nvPr/>
+        </p:nvGrpSpPr>
+        <p:grpSpPr>
+          <a:xfrm>
+            <a:off x="6433193" y="1069351"/>
+            <a:ext cx="1864833" cy="1637043"/>
+            <a:chOff x="1054812" y="1029590"/>
+            <a:chExt cx="3436214" cy="3912627"/>
+          </a:xfrm>
+        </p:grpSpPr>
+        <p:sp>
+          <p:nvSpPr>
+            <p:cNvPr id="544" name="Google Shape;544;p46"/>
+            <p:cNvSpPr/>
+            <p:nvPr/>
+          </p:nvSpPr>
+          <p:spPr>
+            <a:xfrm>
+              <a:off x="1054812" y="1029617"/>
+              <a:ext cx="3436200" cy="3912600"/>
+            </a:xfrm>
+            <a:prstGeom prst="rect">
+              <a:avLst/>
+            </a:prstGeom>
+            <a:solidFill>
+              <a:schemeClr val="lt1"/>
+            </a:solidFill>
+            <a:ln w="9525" cap="flat" cmpd="sng">
+              <a:solidFill>
+                <a:schemeClr val="dk1"/>
+              </a:solidFill>
+              <a:prstDash val="solid"/>
+              <a:round/>
+              <a:headEnd type="none" w="sm" len="sm"/>
+              <a:tailEnd type="none" w="sm" len="sm"/>
+            </a:ln>
+          </p:spPr>
+          <p:txBody>
+            <a:bodyPr spcFirstLastPara="1" wrap="square" lIns="91425" tIns="91425" rIns="91425" bIns="91425" anchor="ctr" anchorCtr="0">
+              <a:noAutofit/>
+            </a:bodyPr>
+            <a:lstStyle/>
+            <a:p>
+              <a:pPr marL="0" lvl="0" indent="0" algn="l" rtl="0">
+                <a:spcBef>
+                  <a:spcPts val="0"/>
+                </a:spcBef>
+                <a:spcAft>
+                  <a:spcPts val="0"/>
+                </a:spcAft>
+                <a:buNone/>
+              </a:pPr>
+              <a:endParaRPr/>
+            </a:p>
+          </p:txBody>
+        </p:sp>
+        <p:sp>
+          <p:nvSpPr>
+            <p:cNvPr id="545" name="Google Shape;545;p46"/>
+            <p:cNvSpPr/>
+            <p:nvPr/>
+          </p:nvSpPr>
+          <p:spPr>
+            <a:xfrm>
+              <a:off x="1054825" y="1029590"/>
+              <a:ext cx="3436200" cy="610200"/>
+            </a:xfrm>
+            <a:prstGeom prst="rect">
+              <a:avLst/>
+            </a:prstGeom>
+            <a:solidFill>
+              <a:schemeClr val="lt1"/>
+            </a:solidFill>
+            <a:ln w="9525" cap="flat" cmpd="sng">
+              <a:solidFill>
+                <a:schemeClr val="dk1"/>
+              </a:solidFill>
+              <a:prstDash val="solid"/>
+              <a:round/>
+              <a:headEnd type="none" w="sm" len="sm"/>
+              <a:tailEnd type="none" w="sm" len="sm"/>
+            </a:ln>
+          </p:spPr>
+          <p:txBody>
+            <a:bodyPr spcFirstLastPara="1" wrap="square" lIns="91425" tIns="91425" rIns="91425" bIns="91425" anchor="ctr" anchorCtr="0">
+              <a:noAutofit/>
+            </a:bodyPr>
+            <a:lstStyle/>
+            <a:p>
+              <a:pPr marL="0" lvl="0" indent="0" algn="l" rtl="0">
+                <a:spcBef>
+                  <a:spcPts val="0"/>
+                </a:spcBef>
+                <a:spcAft>
+                  <a:spcPts val="0"/>
+                </a:spcAft>
+                <a:buNone/>
+              </a:pPr>
+              <a:endParaRPr/>
+            </a:p>
+          </p:txBody>
+        </p:sp>
+      </p:grpSp>
+      <p:sp>
+        <p:nvSpPr>
+          <p:cNvPr id="546" name="Google Shape;546;p46"/>
+          <p:cNvSpPr txBox="1"/>
+          <p:nvPr/>
+        </p:nvSpPr>
+        <p:spPr>
+          <a:xfrm>
+            <a:off x="6782232" y="1632975"/>
+            <a:ext cx="1216800" cy="746100"/>
+          </a:xfrm>
+          <a:prstGeom prst="rect">
+            <a:avLst/>
+          </a:prstGeom>
+          <a:noFill/>
+          <a:ln>
+            <a:noFill/>
+          </a:ln>
+        </p:spPr>
+        <p:txBody>
+          <a:bodyPr spcFirstLastPara="1" wrap="square" lIns="91425" tIns="91425" rIns="91425" bIns="91425" anchor="t" anchorCtr="0">
+            <a:noAutofit/>
+          </a:bodyPr>
+          <a:lstStyle/>
+          <a:p>
+            <a:pPr marL="0" lvl="0" indent="0" algn="ctr" rtl="0">
+              <a:lnSpc>
+                <a:spcPct val="90000"/>
+              </a:lnSpc>
+              <a:spcBef>
+                <a:spcPts val="0"/>
+              </a:spcBef>
+              <a:spcAft>
+                <a:spcPts val="0"/>
+              </a:spcAft>
+              <a:buNone/>
+            </a:pPr>
+            <a:r>
+              <a:rPr lang="en" sz="3600" dirty="0">
+                <a:solidFill>
+                  <a:schemeClr val="accent2"/>
+                </a:solidFill>
+              </a:rPr>
+              <a:t>}</a:t>
+            </a:r>
+            <a:r>
+              <a:rPr lang="en" sz="3600" dirty="0">
+                <a:solidFill>
+                  <a:schemeClr val="dk1"/>
+                </a:solidFill>
+              </a:rPr>
+              <a:t> /&gt; </a:t>
+            </a:r>
+            <a:r>
+              <a:rPr lang="en" sz="3600" dirty="0">
+                <a:solidFill>
+                  <a:schemeClr val="accent1"/>
+                </a:solidFill>
+              </a:rPr>
+              <a:t>[</a:t>
+            </a:r>
+            <a:endParaRPr sz="3600" dirty="0">
+              <a:solidFill>
+                <a:schemeClr val="accent1"/>
+              </a:solidFill>
+            </a:endParaRPr>
+          </a:p>
+        </p:txBody>
+      </p:sp>
+      <p:sp>
+        <p:nvSpPr>
+          <p:cNvPr id="547" name="Google Shape;547;p46"/>
+          <p:cNvSpPr txBox="1"/>
+          <p:nvPr/>
+        </p:nvSpPr>
+        <p:spPr>
+          <a:xfrm>
+            <a:off x="536125" y="117311"/>
+            <a:ext cx="1999500" cy="180300"/>
+          </a:xfrm>
+          <a:prstGeom prst="rect">
+            <a:avLst/>
+          </a:prstGeom>
+          <a:noFill/>
+          <a:ln>
+            <a:noFill/>
+          </a:ln>
+        </p:spPr>
+        <p:txBody>
+          <a:bodyPr spcFirstLastPara="1" wrap="square" lIns="91425" tIns="91425" rIns="91425" bIns="91425" anchor="ctr" anchorCtr="0">
+            <a:noAutofit/>
+          </a:bodyPr>
+          <a:lstStyle/>
+          <a:p>
+            <a:pPr marL="0" lvl="0" indent="0" algn="l" rtl="0">
+              <a:spcBef>
+                <a:spcPts val="0"/>
+              </a:spcBef>
+              <a:spcAft>
+                <a:spcPts val="0"/>
+              </a:spcAft>
+              <a:buNone/>
+            </a:pPr>
+            <a:r>
+              <a:rPr lang="en" sz="1000">
+                <a:solidFill>
+                  <a:schemeClr val="dk1"/>
+                </a:solidFill>
+                <a:latin typeface="Source Code Pro"/>
+                <a:ea typeface="Source Code Pro"/>
+                <a:cs typeface="Source Code Pro"/>
+                <a:sym typeface="Source Code Pro"/>
+              </a:rPr>
+              <a:t>Pitch Deck</a:t>
+            </a:r>
+            <a:endParaRPr sz="1000">
+              <a:solidFill>
+                <a:schemeClr val="dk1"/>
+              </a:solidFill>
+              <a:latin typeface="Source Code Pro"/>
+              <a:ea typeface="Source Code Pro"/>
+              <a:cs typeface="Source Code Pro"/>
+              <a:sym typeface="Source Code Pro"/>
+            </a:endParaRPr>
+          </a:p>
+        </p:txBody>
+      </p:sp>
+      <p:sp>
+        <p:nvSpPr>
+          <p:cNvPr id="548" name="Google Shape;548;p46"/>
+          <p:cNvSpPr txBox="1"/>
+          <p:nvPr/>
+        </p:nvSpPr>
+        <p:spPr>
+          <a:xfrm>
+            <a:off x="3730325" y="117311"/>
+            <a:ext cx="1999500" cy="180300"/>
+          </a:xfrm>
+          <a:prstGeom prst="rect">
+            <a:avLst/>
+          </a:prstGeom>
+          <a:noFill/>
+          <a:ln>
+            <a:noFill/>
+          </a:ln>
+        </p:spPr>
+        <p:txBody>
+          <a:bodyPr spcFirstLastPara="1" wrap="square" lIns="91425" tIns="91425" rIns="91425" bIns="91425" anchor="ctr" anchorCtr="0">
+            <a:noAutofit/>
+          </a:bodyPr>
+          <a:lstStyle/>
+          <a:p>
+            <a:pPr marL="0" lvl="0" indent="0" algn="l" rtl="0">
+              <a:spcBef>
+                <a:spcPts val="0"/>
+              </a:spcBef>
+              <a:spcAft>
+                <a:spcPts val="0"/>
+              </a:spcAft>
+              <a:buNone/>
+            </a:pPr>
+            <a:r>
+              <a:rPr lang="en" sz="1000">
+                <a:solidFill>
+                  <a:schemeClr val="dk1"/>
+                </a:solidFill>
+                <a:latin typeface="Source Code Pro"/>
+                <a:ea typeface="Source Code Pro"/>
+                <a:cs typeface="Source Code Pro"/>
+                <a:sym typeface="Source Code Pro"/>
+              </a:rPr>
+              <a:t>20xx</a:t>
+            </a:r>
+            <a:endParaRPr sz="1000">
+              <a:solidFill>
+                <a:schemeClr val="dk1"/>
+              </a:solidFill>
+              <a:latin typeface="Source Code Pro"/>
+              <a:ea typeface="Source Code Pro"/>
+              <a:cs typeface="Source Code Pro"/>
+              <a:sym typeface="Source Code Pro"/>
+            </a:endParaRPr>
+          </a:p>
+        </p:txBody>
+      </p:sp>
+      <p:sp>
+        <p:nvSpPr>
+          <p:cNvPr id="549" name="Google Shape;549;p46"/>
+          <p:cNvSpPr txBox="1">
+            <a:spLocks noGrp="1"/>
+          </p:cNvSpPr>
+          <p:nvPr>
+            <p:ph type="ctrTitle"/>
+          </p:nvPr>
+        </p:nvSpPr>
+        <p:spPr>
+          <a:xfrm>
+            <a:off x="1697375" y="1229575"/>
+            <a:ext cx="3294600" cy="997800"/>
+          </a:xfrm>
+          <a:prstGeom prst="rect">
+            <a:avLst/>
+          </a:prstGeom>
+        </p:spPr>
+        <p:txBody>
+          <a:bodyPr spcFirstLastPara="1" wrap="square" lIns="0" tIns="91425" rIns="0" bIns="91425" anchor="t" anchorCtr="0">
+            <a:noAutofit/>
+          </a:bodyPr>
+          <a:lstStyle/>
+          <a:p>
+            <a:pPr marL="0" lvl="0" indent="0" algn="l" rtl="0">
+              <a:spcBef>
+                <a:spcPts val="0"/>
+              </a:spcBef>
+              <a:spcAft>
+                <a:spcPts val="0"/>
+              </a:spcAft>
+              <a:buNone/>
+            </a:pPr>
+            <a:r>
+              <a:rPr lang="en" dirty="0"/>
+              <a:t>Gracias!</a:t>
+            </a:r>
+            <a:endParaRPr dirty="0"/>
+          </a:p>
+        </p:txBody>
+      </p:sp>
+      <p:sp>
+        <p:nvSpPr>
+          <p:cNvPr id="552" name="Google Shape;552;p46"/>
+          <p:cNvSpPr txBox="1"/>
+          <p:nvPr/>
+        </p:nvSpPr>
+        <p:spPr>
+          <a:xfrm>
+            <a:off x="1008000" y="1384025"/>
+            <a:ext cx="702900" cy="606900"/>
+          </a:xfrm>
+          <a:prstGeom prst="rect">
+            <a:avLst/>
+          </a:prstGeom>
+          <a:noFill/>
+          <a:ln>
+            <a:noFill/>
+          </a:ln>
+        </p:spPr>
+        <p:txBody>
+          <a:bodyPr spcFirstLastPara="1" wrap="square" lIns="91425" tIns="91425" rIns="91425" bIns="91425" anchor="ctr" anchorCtr="0">
+            <a:noAutofit/>
+          </a:bodyPr>
+          <a:lstStyle/>
+          <a:p>
+            <a:pPr marL="0" lvl="0" indent="0" algn="l" rtl="0">
+              <a:lnSpc>
+                <a:spcPct val="90000"/>
+              </a:lnSpc>
+              <a:spcBef>
+                <a:spcPts val="0"/>
+              </a:spcBef>
+              <a:spcAft>
+                <a:spcPts val="0"/>
+              </a:spcAft>
+              <a:buNone/>
+            </a:pPr>
+            <a:r>
+              <a:rPr lang="en" sz="3600">
+                <a:solidFill>
+                  <a:schemeClr val="lt2"/>
+                </a:solidFill>
+                <a:latin typeface="Quantico"/>
+                <a:ea typeface="Quantico"/>
+                <a:cs typeface="Quantico"/>
+                <a:sym typeface="Quantico"/>
+              </a:rPr>
+              <a:t>&lt;/</a:t>
+            </a:r>
+            <a:endParaRPr sz="3600">
+              <a:solidFill>
+                <a:schemeClr val="lt2"/>
+              </a:solidFill>
+            </a:endParaRPr>
+          </a:p>
+        </p:txBody>
+      </p:sp>
+      <p:sp>
+        <p:nvSpPr>
+          <p:cNvPr id="562" name="Google Shape;562;p46"/>
+          <p:cNvSpPr txBox="1"/>
+          <p:nvPr/>
+        </p:nvSpPr>
+        <p:spPr>
+          <a:xfrm>
+            <a:off x="5329650" y="2268300"/>
+            <a:ext cx="702900" cy="606900"/>
+          </a:xfrm>
+          <a:prstGeom prst="rect">
+            <a:avLst/>
+          </a:prstGeom>
+          <a:noFill/>
+          <a:ln>
+            <a:noFill/>
+          </a:ln>
+        </p:spPr>
+        <p:txBody>
+          <a:bodyPr spcFirstLastPara="1" wrap="square" lIns="91425" tIns="91425" rIns="91425" bIns="91425" anchor="ctr" anchorCtr="0">
+            <a:noAutofit/>
+          </a:bodyPr>
+          <a:lstStyle/>
+          <a:p>
+            <a:pPr marL="0" lvl="0" indent="0" algn="l" rtl="0">
+              <a:lnSpc>
+                <a:spcPct val="90000"/>
+              </a:lnSpc>
+              <a:spcBef>
+                <a:spcPts val="0"/>
+              </a:spcBef>
+              <a:spcAft>
+                <a:spcPts val="0"/>
+              </a:spcAft>
+              <a:buNone/>
+            </a:pPr>
+            <a:r>
+              <a:rPr lang="en" sz="3600">
+                <a:solidFill>
+                  <a:schemeClr val="dk1"/>
+                </a:solidFill>
+                <a:latin typeface="Quantico"/>
+                <a:ea typeface="Quantico"/>
+                <a:cs typeface="Quantico"/>
+                <a:sym typeface="Quantico"/>
+              </a:rPr>
+              <a:t>/&gt;</a:t>
+            </a:r>
+            <a:endParaRPr sz="3600">
+              <a:solidFill>
+                <a:schemeClr val="dk1"/>
+              </a:solidFill>
+            </a:endParaRPr>
+          </a:p>
+        </p:txBody>
+      </p:sp>
+    </p:spTree>
+  </p:cSld>
+  <p:clrMapOvr>
+    <a:masterClrMapping/>
+  </p:clrMapOvr>
+</p:sld>
+</file>
+
 <file path=ppt/slides/slide2.xml><?xml version="1.0" encoding="utf-8"?>
 <p:sld xmlns:a="http://schemas.openxmlformats.org/drawingml/2006/main" xmlns:r="http://schemas.openxmlformats.org/officeDocument/2006/relationships" xmlns:p="http://schemas.openxmlformats.org/presentationml/2006/main">
   <p:cSld>
@@ -13021,14 +13799,14 @@
           <p:nvPr>
             <p:extLst>
               <p:ext uri="{D42A27DB-BD31-4B8C-83A1-F6EECF244321}">
-                <p14:modId xmlns:p14="http://schemas.microsoft.com/office/powerpoint/2010/main" val="566540798"/>
+                <p14:modId xmlns:p14="http://schemas.microsoft.com/office/powerpoint/2010/main" val="3364334203"/>
               </p:ext>
             </p:extLst>
           </p:nvPr>
         </p:nvGraphicFramePr>
         <p:xfrm>
           <a:off x="720000" y="1691025"/>
-          <a:ext cx="7704000" cy="2103000"/>
+          <a:ext cx="7704000" cy="2682180"/>
         </p:xfrm>
         <a:graphic>
           <a:graphicData uri="http://schemas.openxmlformats.org/drawingml/2006/table">
@@ -13058,6 +13836,46 @@
                   <a:txBody>
                     <a:bodyPr/>
                     <a:lstStyle/>
+                    <a:p>
+                      <a:pPr marL="0" lvl="0" indent="0" algn="ctr" rtl="0">
+                        <a:spcBef>
+                          <a:spcPts val="0"/>
+                        </a:spcBef>
+                        <a:spcAft>
+                          <a:spcPts val="0"/>
+                        </a:spcAft>
+                        <a:buNone/>
+                      </a:pPr>
+                      <a:endParaRPr lang="en" sz="1000" b="1" u="sng" dirty="0">
+                        <a:solidFill>
+                          <a:schemeClr val="dk1"/>
+                        </a:solidFill>
+                        <a:latin typeface="Quantico"/>
+                        <a:ea typeface="Quantico"/>
+                        <a:cs typeface="Quantico"/>
+                        <a:sym typeface="Quantico"/>
+                      </a:endParaRPr>
+                    </a:p>
+                    <a:p>
+                      <a:pPr marL="0" lvl="0" indent="0" algn="ctr" rtl="0">
+                        <a:spcBef>
+                          <a:spcPts val="0"/>
+                        </a:spcBef>
+                        <a:spcAft>
+                          <a:spcPts val="0"/>
+                        </a:spcAft>
+                        <a:buNone/>
+                      </a:pPr>
+                      <a:endParaRPr lang="en" sz="1000" b="1" u="sng" dirty="0">
+                        <a:solidFill>
+                          <a:schemeClr val="dk1"/>
+                        </a:solidFill>
+                        <a:latin typeface="Quantico"/>
+                        <a:ea typeface="Quantico"/>
+                        <a:cs typeface="Quantico"/>
+                        <a:sym typeface="Quantico"/>
+                      </a:endParaRPr>
+                    </a:p>
                     <a:p>
                       <a:pPr marL="0" lvl="0" indent="0" algn="ctr" rtl="0">
                         <a:spcBef>
@@ -13134,6 +13952,110 @@
                   <a:txBody>
                     <a:bodyPr/>
                     <a:lstStyle/>
+                    <a:p>
+                      <a:r>
+                        <a:rPr lang="es-MX" sz="800" dirty="0">
+                          <a:solidFill>
+                            <a:schemeClr val="tx1"/>
+                          </a:solidFill>
+                        </a:rPr>
+                        <a:t>El </a:t>
+                      </a:r>
+                      <a:r>
+                        <a:rPr lang="es-MX" sz="800" b="1" dirty="0">
+                          <a:solidFill>
+                            <a:schemeClr val="tx1"/>
+                          </a:solidFill>
+                        </a:rPr>
+                        <a:t>administrador</a:t>
+                      </a:r>
+                      <a:r>
+                        <a:rPr lang="es-MX" sz="800" dirty="0">
+                          <a:solidFill>
+                            <a:schemeClr val="tx1"/>
+                          </a:solidFill>
+                        </a:rPr>
+                        <a:t> es responsable de gestionar y mantener la plataforma. </a:t>
+                      </a:r>
+                    </a:p>
+                    <a:p>
+                      <a:endParaRPr lang="es-MX" sz="800" dirty="0">
+                        <a:solidFill>
+                          <a:schemeClr val="tx1"/>
+                        </a:solidFill>
+                      </a:endParaRPr>
+                    </a:p>
+                    <a:p>
+                      <a:r>
+                        <a:rPr lang="es-MX" sz="800" dirty="0">
+                          <a:solidFill>
+                            <a:schemeClr val="tx1"/>
+                          </a:solidFill>
+                        </a:rPr>
+                        <a:t>Sus principales funciones incluyen:</a:t>
+                      </a:r>
+                    </a:p>
+                    <a:p>
+                      <a:endParaRPr lang="es-MX" sz="800" dirty="0">
+                        <a:solidFill>
+                          <a:schemeClr val="tx1"/>
+                        </a:solidFill>
+                      </a:endParaRPr>
+                    </a:p>
+                    <a:p>
+                      <a:r>
+                        <a:rPr lang="es-MX" sz="800" b="1" dirty="0">
+                          <a:solidFill>
+                            <a:schemeClr val="tx1"/>
+                          </a:solidFill>
+                        </a:rPr>
+                        <a:t>Gestión de productos</a:t>
+                      </a:r>
+                      <a:r>
+                        <a:rPr lang="es-MX" sz="800" dirty="0">
+                          <a:solidFill>
+                            <a:schemeClr val="tx1"/>
+                          </a:solidFill>
+                        </a:rPr>
+                        <a:t>: Agregar, modificar y eliminar productos en el catálogo.</a:t>
+                      </a:r>
+                    </a:p>
+                    <a:p>
+                      <a:r>
+                        <a:rPr lang="es-MX" sz="800" b="1" dirty="0">
+                          <a:solidFill>
+                            <a:schemeClr val="tx1"/>
+                          </a:solidFill>
+                        </a:rPr>
+                        <a:t>Administración de usuarios</a:t>
+                      </a:r>
+                      <a:r>
+                        <a:rPr lang="es-MX" sz="800" dirty="0">
+                          <a:solidFill>
+                            <a:schemeClr val="tx1"/>
+                          </a:solidFill>
+                        </a:rPr>
+                        <a:t>: Gestionar los roles de los usuarios, ver sus actividades y moderar sus opiniones y reseñas.</a:t>
+                      </a:r>
+                    </a:p>
+                    <a:p>
+                      <a:r>
+                        <a:rPr lang="es-MX" sz="800" b="1" dirty="0">
+                          <a:solidFill>
+                            <a:schemeClr val="tx1"/>
+                          </a:solidFill>
+                        </a:rPr>
+                        <a:t>Mantenimiento del sistema</a:t>
+                      </a:r>
+                      <a:r>
+                        <a:rPr lang="es-MX" sz="800" dirty="0">
+                          <a:solidFill>
+                            <a:schemeClr val="tx1"/>
+                          </a:solidFill>
+                        </a:rPr>
+                        <a:t>: Supervisar y ajustar configuraciones como métodos de pago, costos de envío y seguridad.</a:t>
+                      </a:r>
+                    </a:p>
                     <a:p>
                       <a:pPr marL="0" lvl="0" indent="0" algn="l" rtl="0">
                         <a:spcBef>
@@ -13214,6 +14136,78 @@
                         </a:spcAft>
                         <a:buNone/>
                       </a:pPr>
+                      <a:endParaRPr lang="es-MX" sz="1000" b="1" u="sng" dirty="0">
+                        <a:solidFill>
+                          <a:schemeClr val="dk1"/>
+                        </a:solidFill>
+                        <a:latin typeface="Quantico"/>
+                        <a:sym typeface="Quantico"/>
+                      </a:endParaRPr>
+                    </a:p>
+                    <a:p>
+                      <a:pPr marL="0" lvl="0" indent="0" algn="ctr" rtl="0">
+                        <a:spcBef>
+                          <a:spcPts val="0"/>
+                        </a:spcBef>
+                        <a:spcAft>
+                          <a:spcPts val="0"/>
+                        </a:spcAft>
+                        <a:buNone/>
+                      </a:pPr>
+                      <a:endParaRPr lang="es-MX" sz="1000" b="1" u="sng" dirty="0">
+                        <a:solidFill>
+                          <a:schemeClr val="dk1"/>
+                        </a:solidFill>
+                        <a:latin typeface="Quantico"/>
+                        <a:sym typeface="Quantico"/>
+                      </a:endParaRPr>
+                    </a:p>
+                    <a:p>
+                      <a:pPr marL="0" lvl="0" indent="0" algn="ctr" rtl="0">
+                        <a:spcBef>
+                          <a:spcPts val="0"/>
+                        </a:spcBef>
+                        <a:spcAft>
+                          <a:spcPts val="0"/>
+                        </a:spcAft>
+                        <a:buNone/>
+                      </a:pPr>
+                      <a:endParaRPr lang="es-MX" sz="1000" b="1" u="sng" dirty="0">
+                        <a:solidFill>
+                          <a:schemeClr val="dk1"/>
+                        </a:solidFill>
+                        <a:latin typeface="Quantico"/>
+                        <a:sym typeface="Quantico"/>
+                      </a:endParaRPr>
+                    </a:p>
+                    <a:p>
+                      <a:pPr marL="0" lvl="0" indent="0" algn="ctr" rtl="0">
+                        <a:spcBef>
+                          <a:spcPts val="0"/>
+                        </a:spcBef>
+                        <a:spcAft>
+                          <a:spcPts val="0"/>
+                        </a:spcAft>
+                        <a:buNone/>
+                      </a:pPr>
+                      <a:endParaRPr lang="es-MX" sz="1000" b="1" u="sng" dirty="0">
+                        <a:solidFill>
+                          <a:schemeClr val="dk1"/>
+                        </a:solidFill>
+                        <a:latin typeface="Quantico"/>
+                        <a:sym typeface="Quantico"/>
+                      </a:endParaRPr>
+                    </a:p>
+                    <a:p>
+                      <a:pPr marL="0" lvl="0" indent="0" algn="ctr" rtl="0">
+                        <a:spcBef>
+                          <a:spcPts val="0"/>
+                        </a:spcBef>
+                        <a:spcAft>
+                          <a:spcPts val="0"/>
+                        </a:spcAft>
+                        <a:buNone/>
+                      </a:pPr>
                       <a:r>
                         <a:rPr lang="es-MX" sz="1000" b="1" u="sng" dirty="0">
                           <a:solidFill>
@@ -13269,6 +14263,172 @@
                   <a:txBody>
                     <a:bodyPr/>
                     <a:lstStyle/>
+                    <a:p>
+                      <a:r>
+                        <a:rPr lang="es-MX" sz="800" dirty="0">
+                          <a:solidFill>
+                            <a:schemeClr val="tx1"/>
+                          </a:solidFill>
+                        </a:rPr>
+                        <a:t>El </a:t>
+                      </a:r>
+                      <a:r>
+                        <a:rPr lang="es-MX" sz="800" b="1" dirty="0">
+                          <a:solidFill>
+                            <a:schemeClr val="tx1"/>
+                          </a:solidFill>
+                        </a:rPr>
+                        <a:t>usuario</a:t>
+                      </a:r>
+                      <a:r>
+                        <a:rPr lang="es-MX" sz="800" dirty="0">
+                          <a:solidFill>
+                            <a:schemeClr val="tx1"/>
+                          </a:solidFill>
+                        </a:rPr>
+                        <a:t> es el cliente que interactúa con la tienda en línea. </a:t>
+                      </a:r>
+                    </a:p>
+                    <a:p>
+                      <a:endParaRPr lang="es-MX" sz="800" dirty="0">
+                        <a:solidFill>
+                          <a:schemeClr val="tx1"/>
+                        </a:solidFill>
+                      </a:endParaRPr>
+                    </a:p>
+                    <a:p>
+                      <a:r>
+                        <a:rPr lang="es-MX" sz="800" dirty="0">
+                          <a:solidFill>
+                            <a:schemeClr val="tx1"/>
+                          </a:solidFill>
+                        </a:rPr>
+                        <a:t>Sus principales actividades incluyen:</a:t>
+                      </a:r>
+                    </a:p>
+                    <a:p>
+                      <a:endParaRPr lang="es-MX" sz="800" dirty="0">
+                        <a:solidFill>
+                          <a:schemeClr val="tx1"/>
+                        </a:solidFill>
+                      </a:endParaRPr>
+                    </a:p>
+                    <a:p>
+                      <a:r>
+                        <a:rPr lang="es-MX" sz="800" b="1" dirty="0">
+                          <a:solidFill>
+                            <a:schemeClr val="tx1"/>
+                          </a:solidFill>
+                        </a:rPr>
+                        <a:t>Registro e inicio de sesión</a:t>
+                      </a:r>
+                      <a:r>
+                        <a:rPr lang="es-MX" sz="800" dirty="0">
+                          <a:solidFill>
+                            <a:schemeClr val="tx1"/>
+                          </a:solidFill>
+                        </a:rPr>
+                        <a:t>: Crear una cuenta para realizar compras y gestionar su perfil.</a:t>
+                      </a:r>
+                    </a:p>
+                    <a:p>
+                      <a:r>
+                        <a:rPr lang="es-MX" sz="800" b="1" dirty="0">
+                          <a:solidFill>
+                            <a:schemeClr val="tx1"/>
+                          </a:solidFill>
+                        </a:rPr>
+                        <a:t>Navegación por el catálogo</a:t>
+                      </a:r>
+                      <a:r>
+                        <a:rPr lang="es-MX" sz="800" dirty="0">
+                          <a:solidFill>
+                            <a:schemeClr val="tx1"/>
+                          </a:solidFill>
+                        </a:rPr>
+                        <a:t>: Buscar y filtrar productos para encontrar lo que necesita.</a:t>
+                      </a:r>
+                    </a:p>
+                    <a:p>
+                      <a:r>
+                        <a:rPr lang="es-MX" sz="800" b="1" dirty="0">
+                          <a:solidFill>
+                            <a:schemeClr val="tx1"/>
+                          </a:solidFill>
+                        </a:rPr>
+                        <a:t>Agregar productos al carrito</a:t>
+                      </a:r>
+                      <a:r>
+                        <a:rPr lang="es-MX" sz="800" dirty="0">
+                          <a:solidFill>
+                            <a:schemeClr val="tx1"/>
+                          </a:solidFill>
+                        </a:rPr>
+                        <a:t>: Seleccionar productos y añadirlos al carrito para proceder con la compra.</a:t>
+                      </a:r>
+                    </a:p>
+                    <a:p>
+                      <a:r>
+                        <a:rPr lang="es-MX" sz="800" b="1" dirty="0">
+                          <a:solidFill>
+                            <a:schemeClr val="tx1"/>
+                          </a:solidFill>
+                        </a:rPr>
+                        <a:t>Compra y pago</a:t>
+                      </a:r>
+                      <a:r>
+                        <a:rPr lang="es-MX" sz="800" dirty="0">
+                          <a:solidFill>
+                            <a:schemeClr val="tx1"/>
+                          </a:solidFill>
+                        </a:rPr>
+                        <a:t>: Realizar pagos seguros a través de diversas pasarelas de pago.</a:t>
+                      </a:r>
+                    </a:p>
+                    <a:p>
+                      <a:r>
+                        <a:rPr lang="es-MX" sz="800" b="1" dirty="0">
+                          <a:solidFill>
+                            <a:schemeClr val="tx1"/>
+                          </a:solidFill>
+                        </a:rPr>
+                        <a:t>Opiniones y reseñas</a:t>
+                      </a:r>
+                      <a:r>
+                        <a:rPr lang="es-MX" sz="800" dirty="0">
+                          <a:solidFill>
+                            <a:schemeClr val="tx1"/>
+                          </a:solidFill>
+                        </a:rPr>
+                        <a:t>: Dejar valoraciones y comentarios sobre los productos que ha comprado.</a:t>
+                      </a:r>
+                    </a:p>
+                    <a:p>
+                      <a:r>
+                        <a:rPr lang="es-MX" sz="800" b="1" dirty="0">
+                          <a:solidFill>
+                            <a:schemeClr val="tx1"/>
+                          </a:solidFill>
+                        </a:rPr>
+                        <a:t>Interacción con el </a:t>
+                      </a:r>
+                      <a:r>
+                        <a:rPr lang="es-MX" sz="800" b="1" dirty="0" err="1">
+                          <a:solidFill>
+                            <a:schemeClr val="tx1"/>
+                          </a:solidFill>
+                        </a:rPr>
+                        <a:t>chatbot</a:t>
+                      </a:r>
+                      <a:r>
+                        <a:rPr lang="es-MX" sz="800" dirty="0">
+                          <a:solidFill>
+                            <a:schemeClr val="tx1"/>
+                          </a:solidFill>
+                        </a:rPr>
+                        <a:t>: Obtener asistencia sobre productos, dudas generales y ayuda para realizar compras.</a:t>
+                      </a:r>
+                    </a:p>
                     <a:p>
                       <a:pPr marL="0" lvl="0" indent="0" algn="l" rtl="0">
                         <a:spcBef>
@@ -13352,6 +14512,166 @@
 </file>
 
 <file path=ppt/slides/slide6.xml><?xml version="1.0" encoding="utf-8"?>
+<p:sld xmlns:a="http://schemas.openxmlformats.org/drawingml/2006/main" xmlns:r="http://schemas.openxmlformats.org/officeDocument/2006/relationships" xmlns:p="http://schemas.openxmlformats.org/presentationml/2006/main">
+  <p:cSld>
+    <p:spTree>
+      <p:nvGrpSpPr>
+        <p:cNvPr id="1" name="Shape 396"/>
+        <p:cNvGrpSpPr/>
+        <p:nvPr/>
+      </p:nvGrpSpPr>
+      <p:grpSpPr>
+        <a:xfrm>
+          <a:off x="0" y="0"/>
+          <a:ext cx="0" cy="0"/>
+          <a:chOff x="0" y="0"/>
+          <a:chExt cx="0" cy="0"/>
+        </a:xfrm>
+      </p:grpSpPr>
+      <p:sp>
+        <p:nvSpPr>
+          <p:cNvPr id="424" name="Google Shape;424;p40"/>
+          <p:cNvSpPr txBox="1">
+            <a:spLocks noGrp="1"/>
+          </p:cNvSpPr>
+          <p:nvPr>
+            <p:ph type="title"/>
+          </p:nvPr>
+        </p:nvSpPr>
+        <p:spPr>
+          <a:xfrm>
+            <a:off x="719988" y="459128"/>
+            <a:ext cx="7704000" cy="572700"/>
+          </a:xfrm>
+          <a:prstGeom prst="rect">
+            <a:avLst/>
+          </a:prstGeom>
+        </p:spPr>
+        <p:txBody>
+          <a:bodyPr spcFirstLastPara="1" wrap="square" lIns="91425" tIns="91425" rIns="91425" bIns="91425" anchor="t" anchorCtr="0">
+            <a:noAutofit/>
+          </a:bodyPr>
+          <a:lstStyle/>
+          <a:p>
+            <a:pPr marL="0" lvl="0" indent="0" algn="l" rtl="0">
+              <a:spcBef>
+                <a:spcPts val="0"/>
+              </a:spcBef>
+              <a:spcAft>
+                <a:spcPts val="0"/>
+              </a:spcAft>
+              <a:buNone/>
+            </a:pPr>
+            <a:r>
+              <a:rPr lang="en" dirty="0">
+                <a:solidFill>
+                  <a:schemeClr val="accent2"/>
+                </a:solidFill>
+              </a:rPr>
+              <a:t>&lt;/ Demo </a:t>
+            </a:r>
+            <a:r>
+              <a:rPr lang="en" dirty="0"/>
+              <a:t>Home </a:t>
+            </a:r>
+            <a:endParaRPr dirty="0"/>
+          </a:p>
+        </p:txBody>
+      </p:sp>
+    </p:spTree>
+    <p:extLst>
+      <p:ext uri="{BB962C8B-B14F-4D97-AF65-F5344CB8AC3E}">
+        <p14:creationId xmlns:p14="http://schemas.microsoft.com/office/powerpoint/2010/main" val="2862254654"/>
+      </p:ext>
+    </p:extLst>
+  </p:cSld>
+  <p:clrMapOvr>
+    <a:masterClrMapping/>
+  </p:clrMapOvr>
+</p:sld>
+</file>
+
+<file path=ppt/slides/slide7.xml><?xml version="1.0" encoding="utf-8"?>
+<p:sld xmlns:a="http://schemas.openxmlformats.org/drawingml/2006/main" xmlns:r="http://schemas.openxmlformats.org/officeDocument/2006/relationships" xmlns:p="http://schemas.openxmlformats.org/presentationml/2006/main">
+  <p:cSld>
+    <p:spTree>
+      <p:nvGrpSpPr>
+        <p:cNvPr id="1" name="Shape 396"/>
+        <p:cNvGrpSpPr/>
+        <p:nvPr/>
+      </p:nvGrpSpPr>
+      <p:grpSpPr>
+        <a:xfrm>
+          <a:off x="0" y="0"/>
+          <a:ext cx="0" cy="0"/>
+          <a:chOff x="0" y="0"/>
+          <a:chExt cx="0" cy="0"/>
+        </a:xfrm>
+      </p:grpSpPr>
+      <p:sp>
+        <p:nvSpPr>
+          <p:cNvPr id="424" name="Google Shape;424;p40"/>
+          <p:cNvSpPr txBox="1">
+            <a:spLocks noGrp="1"/>
+          </p:cNvSpPr>
+          <p:nvPr>
+            <p:ph type="title"/>
+          </p:nvPr>
+        </p:nvSpPr>
+        <p:spPr>
+          <a:xfrm>
+            <a:off x="719988" y="459128"/>
+            <a:ext cx="7704000" cy="572700"/>
+          </a:xfrm>
+          <a:prstGeom prst="rect">
+            <a:avLst/>
+          </a:prstGeom>
+        </p:spPr>
+        <p:txBody>
+          <a:bodyPr spcFirstLastPara="1" wrap="square" lIns="91425" tIns="91425" rIns="91425" bIns="91425" anchor="t" anchorCtr="0">
+            <a:noAutofit/>
+          </a:bodyPr>
+          <a:lstStyle/>
+          <a:p>
+            <a:pPr marL="0" lvl="0" indent="0" algn="l" rtl="0">
+              <a:spcBef>
+                <a:spcPts val="0"/>
+              </a:spcBef>
+              <a:spcAft>
+                <a:spcPts val="0"/>
+              </a:spcAft>
+              <a:buNone/>
+            </a:pPr>
+            <a:r>
+              <a:rPr lang="en" dirty="0">
+                <a:solidFill>
+                  <a:schemeClr val="accent2"/>
+                </a:solidFill>
+              </a:rPr>
+              <a:t>&lt;/ Demo </a:t>
+            </a:r>
+            <a:r>
+              <a:rPr lang="en" dirty="0"/>
+              <a:t>Formulario </a:t>
+            </a:r>
+            <a:endParaRPr dirty="0"/>
+          </a:p>
+        </p:txBody>
+      </p:sp>
+    </p:spTree>
+    <p:extLst>
+      <p:ext uri="{BB962C8B-B14F-4D97-AF65-F5344CB8AC3E}">
+        <p14:creationId xmlns:p14="http://schemas.microsoft.com/office/powerpoint/2010/main" val="161283328"/>
+      </p:ext>
+    </p:extLst>
+  </p:cSld>
+  <p:clrMapOvr>
+    <a:masterClrMapping/>
+  </p:clrMapOvr>
+</p:sld>
+</file>
+
+<file path=ppt/slides/slide8.xml><?xml version="1.0" encoding="utf-8"?>
 <p:sld xmlns:a="http://schemas.openxmlformats.org/drawingml/2006/main" xmlns:r="http://schemas.openxmlformats.org/officeDocument/2006/relationships" xmlns:p="http://schemas.openxmlformats.org/presentationml/2006/main">
   <p:cSld>
     <p:spTree>
@@ -14879,881 +16199,13 @@
       </p:grpSp>
       <p:grpSp>
         <p:nvGrpSpPr>
-          <p:cNvPr id="406" name="Google Shape;406;p40"/>
-          <p:cNvGrpSpPr/>
-          <p:nvPr/>
-        </p:nvGrpSpPr>
-        <p:grpSpPr>
-          <a:xfrm>
-            <a:off x="3150339" y="3631039"/>
-            <a:ext cx="356196" cy="265631"/>
-            <a:chOff x="5216456" y="3725484"/>
-            <a:chExt cx="356196" cy="265631"/>
-          </a:xfrm>
-        </p:grpSpPr>
-        <p:sp>
-          <p:nvSpPr>
-            <p:cNvPr id="407" name="Google Shape;407;p40"/>
-            <p:cNvSpPr/>
-            <p:nvPr/>
-          </p:nvSpPr>
-          <p:spPr>
-            <a:xfrm>
-              <a:off x="5216456" y="3814335"/>
-              <a:ext cx="296465" cy="176780"/>
-            </a:xfrm>
-            <a:custGeom>
-              <a:avLst/>
-              <a:gdLst/>
-              <a:ahLst/>
-              <a:cxnLst/>
-              <a:rect l="l" t="t" r="r" b="b"/>
-              <a:pathLst>
-                <a:path w="9336" h="5567" extrusionOk="0">
-                  <a:moveTo>
-                    <a:pt x="1876" y="0"/>
-                  </a:moveTo>
-                  <a:cubicBezTo>
-                    <a:pt x="1831" y="0"/>
-                    <a:pt x="1787" y="18"/>
-                    <a:pt x="1751" y="54"/>
-                  </a:cubicBezTo>
-                  <a:lnTo>
-                    <a:pt x="84" y="1721"/>
-                  </a:lnTo>
-                  <a:cubicBezTo>
-                    <a:pt x="1" y="1804"/>
-                    <a:pt x="1" y="1899"/>
-                    <a:pt x="84" y="1983"/>
-                  </a:cubicBezTo>
-                  <a:lnTo>
-                    <a:pt x="3263" y="5162"/>
-                  </a:lnTo>
-                  <a:cubicBezTo>
-                    <a:pt x="3513" y="5412"/>
-                    <a:pt x="3858" y="5566"/>
-                    <a:pt x="4215" y="5566"/>
-                  </a:cubicBezTo>
-                  <a:cubicBezTo>
-                    <a:pt x="4573" y="5566"/>
-                    <a:pt x="4918" y="5435"/>
-                    <a:pt x="5168" y="5162"/>
-                  </a:cubicBezTo>
-                  <a:lnTo>
-                    <a:pt x="9252" y="1090"/>
-                  </a:lnTo>
-                  <a:cubicBezTo>
-                    <a:pt x="9335" y="1006"/>
-                    <a:pt x="9335" y="887"/>
-                    <a:pt x="9276" y="828"/>
-                  </a:cubicBezTo>
-                  <a:cubicBezTo>
-                    <a:pt x="9240" y="792"/>
-                    <a:pt x="9195" y="774"/>
-                    <a:pt x="9151" y="774"/>
-                  </a:cubicBezTo>
-                  <a:cubicBezTo>
-                    <a:pt x="9106" y="774"/>
-                    <a:pt x="9061" y="792"/>
-                    <a:pt x="9026" y="828"/>
-                  </a:cubicBezTo>
-                  <a:lnTo>
-                    <a:pt x="4942" y="4912"/>
-                  </a:lnTo>
-                  <a:cubicBezTo>
-                    <a:pt x="4751" y="5102"/>
-                    <a:pt x="4501" y="5209"/>
-                    <a:pt x="4227" y="5209"/>
-                  </a:cubicBezTo>
-                  <a:cubicBezTo>
-                    <a:pt x="3965" y="5209"/>
-                    <a:pt x="3715" y="5102"/>
-                    <a:pt x="3513" y="4912"/>
-                  </a:cubicBezTo>
-                  <a:lnTo>
-                    <a:pt x="453" y="1840"/>
-                  </a:lnTo>
-                  <a:lnTo>
-                    <a:pt x="1870" y="435"/>
-                  </a:lnTo>
-                  <a:lnTo>
-                    <a:pt x="2370" y="935"/>
-                  </a:lnTo>
-                  <a:cubicBezTo>
-                    <a:pt x="2406" y="971"/>
-                    <a:pt x="2450" y="988"/>
-                    <a:pt x="2495" y="988"/>
-                  </a:cubicBezTo>
-                  <a:cubicBezTo>
-                    <a:pt x="2540" y="988"/>
-                    <a:pt x="2584" y="971"/>
-                    <a:pt x="2620" y="935"/>
-                  </a:cubicBezTo>
-                  <a:cubicBezTo>
-                    <a:pt x="2703" y="863"/>
-                    <a:pt x="2703" y="756"/>
-                    <a:pt x="2620" y="685"/>
-                  </a:cubicBezTo>
-                  <a:lnTo>
-                    <a:pt x="2001" y="54"/>
-                  </a:lnTo>
-                  <a:cubicBezTo>
-                    <a:pt x="1965" y="18"/>
-                    <a:pt x="1920" y="0"/>
-                    <a:pt x="1876" y="0"/>
-                  </a:cubicBezTo>
-                  <a:close/>
-                </a:path>
-              </a:pathLst>
-            </a:custGeom>
-            <a:solidFill>
-              <a:schemeClr val="dk1"/>
-            </a:solidFill>
-            <a:ln>
-              <a:noFill/>
-            </a:ln>
-          </p:spPr>
-          <p:txBody>
-            <a:bodyPr spcFirstLastPara="1" wrap="square" lIns="91425" tIns="91425" rIns="91425" bIns="91425" anchor="ctr" anchorCtr="0">
-              <a:noAutofit/>
-            </a:bodyPr>
-            <a:lstStyle/>
-            <a:p>
-              <a:pPr marL="0" lvl="0" indent="0" algn="l" rtl="0">
-                <a:spcBef>
-                  <a:spcPts val="0"/>
-                </a:spcBef>
-                <a:spcAft>
-                  <a:spcPts val="0"/>
-                </a:spcAft>
-                <a:buNone/>
-              </a:pPr>
-              <a:endParaRPr/>
-            </a:p>
-          </p:txBody>
-        </p:sp>
-        <p:sp>
-          <p:nvSpPr>
-            <p:cNvPr id="408" name="Google Shape;408;p40"/>
-            <p:cNvSpPr/>
-            <p:nvPr/>
-          </p:nvSpPr>
-          <p:spPr>
-            <a:xfrm>
-              <a:off x="5304925" y="3725484"/>
-              <a:ext cx="267726" cy="170715"/>
-            </a:xfrm>
-            <a:custGeom>
-              <a:avLst/>
-              <a:gdLst/>
-              <a:ahLst/>
-              <a:cxnLst/>
-              <a:rect l="l" t="t" r="r" b="b"/>
-              <a:pathLst>
-                <a:path w="8431" h="5376" extrusionOk="0">
-                  <a:moveTo>
-                    <a:pt x="6585" y="0"/>
-                  </a:moveTo>
-                  <a:cubicBezTo>
-                    <a:pt x="6540" y="0"/>
-                    <a:pt x="6495" y="18"/>
-                    <a:pt x="6454" y="54"/>
-                  </a:cubicBezTo>
-                  <a:lnTo>
-                    <a:pt x="1548" y="4971"/>
-                  </a:lnTo>
-                  <a:cubicBezTo>
-                    <a:pt x="1513" y="4995"/>
-                    <a:pt x="1477" y="5007"/>
-                    <a:pt x="1429" y="5007"/>
-                  </a:cubicBezTo>
-                  <a:cubicBezTo>
-                    <a:pt x="1382" y="5007"/>
-                    <a:pt x="1346" y="4995"/>
-                    <a:pt x="1310" y="4971"/>
-                  </a:cubicBezTo>
-                  <a:lnTo>
-                    <a:pt x="334" y="3983"/>
-                  </a:lnTo>
-                  <a:cubicBezTo>
-                    <a:pt x="292" y="3947"/>
-                    <a:pt x="248" y="3929"/>
-                    <a:pt x="203" y="3929"/>
-                  </a:cubicBezTo>
-                  <a:cubicBezTo>
-                    <a:pt x="158" y="3929"/>
-                    <a:pt x="114" y="3947"/>
-                    <a:pt x="72" y="3983"/>
-                  </a:cubicBezTo>
-                  <a:cubicBezTo>
-                    <a:pt x="1" y="4054"/>
-                    <a:pt x="1" y="4161"/>
-                    <a:pt x="72" y="4245"/>
-                  </a:cubicBezTo>
-                  <a:lnTo>
-                    <a:pt x="1060" y="5221"/>
-                  </a:lnTo>
-                  <a:cubicBezTo>
-                    <a:pt x="1156" y="5328"/>
-                    <a:pt x="1275" y="5376"/>
-                    <a:pt x="1417" y="5376"/>
-                  </a:cubicBezTo>
-                  <a:cubicBezTo>
-                    <a:pt x="1548" y="5376"/>
-                    <a:pt x="1679" y="5316"/>
-                    <a:pt x="1775" y="5221"/>
-                  </a:cubicBezTo>
-                  <a:lnTo>
-                    <a:pt x="6549" y="447"/>
-                  </a:lnTo>
-                  <a:lnTo>
-                    <a:pt x="7966" y="1852"/>
-                  </a:lnTo>
-                  <a:lnTo>
-                    <a:pt x="6704" y="3126"/>
-                  </a:lnTo>
-                  <a:cubicBezTo>
-                    <a:pt x="6621" y="3197"/>
-                    <a:pt x="6621" y="3304"/>
-                    <a:pt x="6704" y="3376"/>
-                  </a:cubicBezTo>
-                  <a:cubicBezTo>
-                    <a:pt x="6740" y="3411"/>
-                    <a:pt x="6784" y="3429"/>
-                    <a:pt x="6829" y="3429"/>
-                  </a:cubicBezTo>
-                  <a:cubicBezTo>
-                    <a:pt x="6874" y="3429"/>
-                    <a:pt x="6918" y="3411"/>
-                    <a:pt x="6954" y="3376"/>
-                  </a:cubicBezTo>
-                  <a:lnTo>
-                    <a:pt x="8347" y="1983"/>
-                  </a:lnTo>
-                  <a:cubicBezTo>
-                    <a:pt x="8383" y="1947"/>
-                    <a:pt x="8395" y="1899"/>
-                    <a:pt x="8395" y="1864"/>
-                  </a:cubicBezTo>
-                  <a:cubicBezTo>
-                    <a:pt x="8430" y="1816"/>
-                    <a:pt x="8406" y="1768"/>
-                    <a:pt x="8383" y="1721"/>
-                  </a:cubicBezTo>
-                  <a:lnTo>
-                    <a:pt x="6716" y="54"/>
-                  </a:lnTo>
-                  <a:cubicBezTo>
-                    <a:pt x="6674" y="18"/>
-                    <a:pt x="6629" y="0"/>
-                    <a:pt x="6585" y="0"/>
-                  </a:cubicBezTo>
-                  <a:close/>
-                </a:path>
-              </a:pathLst>
-            </a:custGeom>
-            <a:solidFill>
-              <a:schemeClr val="dk1"/>
-            </a:solidFill>
-            <a:ln>
-              <a:noFill/>
-            </a:ln>
-          </p:spPr>
-          <p:txBody>
-            <a:bodyPr spcFirstLastPara="1" wrap="square" lIns="91425" tIns="91425" rIns="91425" bIns="91425" anchor="ctr" anchorCtr="0">
-              <a:noAutofit/>
-            </a:bodyPr>
-            <a:lstStyle/>
-            <a:p>
-              <a:pPr marL="0" lvl="0" indent="0" algn="l" rtl="0">
-                <a:spcBef>
-                  <a:spcPts val="0"/>
-                </a:spcBef>
-                <a:spcAft>
-                  <a:spcPts val="0"/>
-                </a:spcAft>
-                <a:buNone/>
-              </a:pPr>
-              <a:endParaRPr/>
-            </a:p>
-          </p:txBody>
-        </p:sp>
-      </p:grpSp>
-      <p:grpSp>
-        <p:nvGrpSpPr>
-          <p:cNvPr id="409" name="Google Shape;409;p40"/>
-          <p:cNvGrpSpPr/>
-          <p:nvPr/>
-        </p:nvGrpSpPr>
-        <p:grpSpPr>
-          <a:xfrm>
-            <a:off x="5739563" y="2450493"/>
-            <a:ext cx="159950" cy="364516"/>
-            <a:chOff x="6410063" y="4135124"/>
-            <a:chExt cx="159950" cy="364516"/>
-          </a:xfrm>
-        </p:grpSpPr>
-        <p:sp>
-          <p:nvSpPr>
-            <p:cNvPr id="410" name="Google Shape;410;p40"/>
-            <p:cNvSpPr/>
-            <p:nvPr/>
-          </p:nvSpPr>
-          <p:spPr>
-            <a:xfrm>
-              <a:off x="6493991" y="4299202"/>
-              <a:ext cx="36328" cy="200438"/>
-            </a:xfrm>
-            <a:custGeom>
-              <a:avLst/>
-              <a:gdLst/>
-              <a:ahLst/>
-              <a:cxnLst/>
-              <a:rect l="l" t="t" r="r" b="b"/>
-              <a:pathLst>
-                <a:path w="1144" h="6312" extrusionOk="0">
-                  <a:moveTo>
-                    <a:pt x="965" y="1"/>
-                  </a:moveTo>
-                  <a:cubicBezTo>
-                    <a:pt x="882" y="1"/>
-                    <a:pt x="810" y="72"/>
-                    <a:pt x="810" y="168"/>
-                  </a:cubicBezTo>
-                  <a:lnTo>
-                    <a:pt x="810" y="5716"/>
-                  </a:lnTo>
-                  <a:cubicBezTo>
-                    <a:pt x="810" y="5847"/>
-                    <a:pt x="703" y="5954"/>
-                    <a:pt x="584" y="5966"/>
-                  </a:cubicBezTo>
-                  <a:cubicBezTo>
-                    <a:pt x="453" y="5966"/>
-                    <a:pt x="334" y="5859"/>
-                    <a:pt x="334" y="5728"/>
-                  </a:cubicBezTo>
-                  <a:lnTo>
-                    <a:pt x="334" y="4656"/>
-                  </a:lnTo>
-                  <a:cubicBezTo>
-                    <a:pt x="334" y="4573"/>
-                    <a:pt x="251" y="4490"/>
-                    <a:pt x="167" y="4490"/>
-                  </a:cubicBezTo>
-                  <a:cubicBezTo>
-                    <a:pt x="72" y="4490"/>
-                    <a:pt x="1" y="4573"/>
-                    <a:pt x="1" y="4656"/>
-                  </a:cubicBezTo>
-                  <a:lnTo>
-                    <a:pt x="1" y="5728"/>
-                  </a:lnTo>
-                  <a:cubicBezTo>
-                    <a:pt x="1" y="5966"/>
-                    <a:pt x="167" y="6192"/>
-                    <a:pt x="394" y="6276"/>
-                  </a:cubicBezTo>
-                  <a:cubicBezTo>
-                    <a:pt x="453" y="6299"/>
-                    <a:pt x="525" y="6311"/>
-                    <a:pt x="596" y="6311"/>
-                  </a:cubicBezTo>
-                  <a:cubicBezTo>
-                    <a:pt x="906" y="6299"/>
-                    <a:pt x="1144" y="6037"/>
-                    <a:pt x="1144" y="5728"/>
-                  </a:cubicBezTo>
-                  <a:lnTo>
-                    <a:pt x="1144" y="180"/>
-                  </a:lnTo>
-                  <a:cubicBezTo>
-                    <a:pt x="1144" y="72"/>
-                    <a:pt x="1072" y="1"/>
-                    <a:pt x="965" y="1"/>
-                  </a:cubicBezTo>
-                  <a:close/>
-                </a:path>
-              </a:pathLst>
-            </a:custGeom>
-            <a:solidFill>
-              <a:schemeClr val="dk1"/>
-            </a:solidFill>
-            <a:ln>
-              <a:noFill/>
-            </a:ln>
-          </p:spPr>
-          <p:txBody>
-            <a:bodyPr spcFirstLastPara="1" wrap="square" lIns="91425" tIns="91425" rIns="91425" bIns="91425" anchor="ctr" anchorCtr="0">
-              <a:noAutofit/>
-            </a:bodyPr>
-            <a:lstStyle/>
-            <a:p>
-              <a:pPr marL="0" lvl="0" indent="0" algn="l" rtl="0">
-                <a:spcBef>
-                  <a:spcPts val="0"/>
-                </a:spcBef>
-                <a:spcAft>
-                  <a:spcPts val="0"/>
-                </a:spcAft>
-                <a:buNone/>
-              </a:pPr>
-              <a:endParaRPr/>
-            </a:p>
-          </p:txBody>
-        </p:sp>
-        <p:sp>
-          <p:nvSpPr>
-            <p:cNvPr id="411" name="Google Shape;411;p40"/>
-            <p:cNvSpPr/>
-            <p:nvPr/>
-          </p:nvSpPr>
-          <p:spPr>
-            <a:xfrm>
-              <a:off x="6454297" y="4135124"/>
-              <a:ext cx="71099" cy="71131"/>
-            </a:xfrm>
-            <a:custGeom>
-              <a:avLst/>
-              <a:gdLst/>
-              <a:ahLst/>
-              <a:cxnLst/>
-              <a:rect l="l" t="t" r="r" b="b"/>
-              <a:pathLst>
-                <a:path w="2239" h="2240" extrusionOk="0">
-                  <a:moveTo>
-                    <a:pt x="1120" y="346"/>
-                  </a:moveTo>
-                  <a:cubicBezTo>
-                    <a:pt x="1548" y="346"/>
-                    <a:pt x="1894" y="679"/>
-                    <a:pt x="1894" y="1120"/>
-                  </a:cubicBezTo>
-                  <a:cubicBezTo>
-                    <a:pt x="1894" y="1548"/>
-                    <a:pt x="1548" y="1894"/>
-                    <a:pt x="1120" y="1894"/>
-                  </a:cubicBezTo>
-                  <a:cubicBezTo>
-                    <a:pt x="691" y="1894"/>
-                    <a:pt x="346" y="1548"/>
-                    <a:pt x="346" y="1120"/>
-                  </a:cubicBezTo>
-                  <a:cubicBezTo>
-                    <a:pt x="346" y="679"/>
-                    <a:pt x="691" y="346"/>
-                    <a:pt x="1120" y="346"/>
-                  </a:cubicBezTo>
-                  <a:close/>
-                  <a:moveTo>
-                    <a:pt x="1120" y="1"/>
-                  </a:moveTo>
-                  <a:cubicBezTo>
-                    <a:pt x="513" y="1"/>
-                    <a:pt x="1" y="513"/>
-                    <a:pt x="1" y="1120"/>
-                  </a:cubicBezTo>
-                  <a:cubicBezTo>
-                    <a:pt x="1" y="1727"/>
-                    <a:pt x="513" y="2239"/>
-                    <a:pt x="1120" y="2239"/>
-                  </a:cubicBezTo>
-                  <a:cubicBezTo>
-                    <a:pt x="1727" y="2239"/>
-                    <a:pt x="2239" y="1727"/>
-                    <a:pt x="2239" y="1120"/>
-                  </a:cubicBezTo>
-                  <a:cubicBezTo>
-                    <a:pt x="2239" y="513"/>
-                    <a:pt x="1727" y="1"/>
-                    <a:pt x="1120" y="1"/>
-                  </a:cubicBezTo>
-                  <a:close/>
-                </a:path>
-              </a:pathLst>
-            </a:custGeom>
-            <a:solidFill>
-              <a:schemeClr val="dk1"/>
-            </a:solidFill>
-            <a:ln>
-              <a:noFill/>
-            </a:ln>
-          </p:spPr>
-          <p:txBody>
-            <a:bodyPr spcFirstLastPara="1" wrap="square" lIns="91425" tIns="91425" rIns="91425" bIns="91425" anchor="ctr" anchorCtr="0">
-              <a:noAutofit/>
-            </a:bodyPr>
-            <a:lstStyle/>
-            <a:p>
-              <a:pPr marL="0" lvl="0" indent="0" algn="l" rtl="0">
-                <a:spcBef>
-                  <a:spcPts val="0"/>
-                </a:spcBef>
-                <a:spcAft>
-                  <a:spcPts val="0"/>
-                </a:spcAft>
-                <a:buNone/>
-              </a:pPr>
-              <a:endParaRPr/>
-            </a:p>
-          </p:txBody>
-        </p:sp>
-        <p:sp>
-          <p:nvSpPr>
-            <p:cNvPr id="412" name="Google Shape;412;p40"/>
-            <p:cNvSpPr/>
-            <p:nvPr/>
-          </p:nvSpPr>
-          <p:spPr>
-            <a:xfrm>
-              <a:off x="6410063" y="4252712"/>
-              <a:ext cx="94566" cy="246927"/>
-            </a:xfrm>
-            <a:custGeom>
-              <a:avLst/>
-              <a:gdLst/>
-              <a:ahLst/>
-              <a:cxnLst/>
-              <a:rect l="l" t="t" r="r" b="b"/>
-              <a:pathLst>
-                <a:path w="2978" h="7776" extrusionOk="0">
-                  <a:moveTo>
-                    <a:pt x="1191" y="0"/>
-                  </a:moveTo>
-                  <a:cubicBezTo>
-                    <a:pt x="977" y="0"/>
-                    <a:pt x="798" y="179"/>
-                    <a:pt x="798" y="393"/>
-                  </a:cubicBezTo>
-                  <a:lnTo>
-                    <a:pt x="798" y="2894"/>
-                  </a:lnTo>
-                  <a:cubicBezTo>
-                    <a:pt x="798" y="3025"/>
-                    <a:pt x="691" y="3132"/>
-                    <a:pt x="560" y="3132"/>
-                  </a:cubicBezTo>
-                  <a:cubicBezTo>
-                    <a:pt x="429" y="3132"/>
-                    <a:pt x="322" y="3025"/>
-                    <a:pt x="322" y="2894"/>
-                  </a:cubicBezTo>
-                  <a:lnTo>
-                    <a:pt x="322" y="2275"/>
-                  </a:lnTo>
-                  <a:cubicBezTo>
-                    <a:pt x="322" y="2191"/>
-                    <a:pt x="251" y="2120"/>
-                    <a:pt x="155" y="2120"/>
-                  </a:cubicBezTo>
-                  <a:cubicBezTo>
-                    <a:pt x="72" y="2120"/>
-                    <a:pt x="1" y="2191"/>
-                    <a:pt x="1" y="2275"/>
-                  </a:cubicBezTo>
-                  <a:lnTo>
-                    <a:pt x="1" y="2894"/>
-                  </a:lnTo>
-                  <a:cubicBezTo>
-                    <a:pt x="1" y="3203"/>
-                    <a:pt x="251" y="3465"/>
-                    <a:pt x="572" y="3465"/>
-                  </a:cubicBezTo>
-                  <a:cubicBezTo>
-                    <a:pt x="894" y="3465"/>
-                    <a:pt x="1156" y="3215"/>
-                    <a:pt x="1156" y="2894"/>
-                  </a:cubicBezTo>
-                  <a:lnTo>
-                    <a:pt x="1156" y="393"/>
-                  </a:lnTo>
-                  <a:cubicBezTo>
-                    <a:pt x="1156" y="358"/>
-                    <a:pt x="1191" y="334"/>
-                    <a:pt x="1215" y="334"/>
-                  </a:cubicBezTo>
-                  <a:cubicBezTo>
-                    <a:pt x="1251" y="334"/>
-                    <a:pt x="1275" y="358"/>
-                    <a:pt x="1275" y="393"/>
-                  </a:cubicBezTo>
-                  <a:lnTo>
-                    <a:pt x="1275" y="7192"/>
-                  </a:lnTo>
-                  <a:cubicBezTo>
-                    <a:pt x="1275" y="7501"/>
-                    <a:pt x="1525" y="7775"/>
-                    <a:pt x="1858" y="7775"/>
-                  </a:cubicBezTo>
-                  <a:cubicBezTo>
-                    <a:pt x="2168" y="7775"/>
-                    <a:pt x="2441" y="7513"/>
-                    <a:pt x="2441" y="7192"/>
-                  </a:cubicBezTo>
-                  <a:lnTo>
-                    <a:pt x="2441" y="4251"/>
-                  </a:lnTo>
-                  <a:cubicBezTo>
-                    <a:pt x="2441" y="4168"/>
-                    <a:pt x="2501" y="4132"/>
-                    <a:pt x="2560" y="4132"/>
-                  </a:cubicBezTo>
-                  <a:cubicBezTo>
-                    <a:pt x="2632" y="4132"/>
-                    <a:pt x="2680" y="4191"/>
-                    <a:pt x="2680" y="4251"/>
-                  </a:cubicBezTo>
-                  <a:lnTo>
-                    <a:pt x="2644" y="5442"/>
-                  </a:lnTo>
-                  <a:cubicBezTo>
-                    <a:pt x="2644" y="5525"/>
-                    <a:pt x="2715" y="5596"/>
-                    <a:pt x="2810" y="5596"/>
-                  </a:cubicBezTo>
-                  <a:cubicBezTo>
-                    <a:pt x="2894" y="5596"/>
-                    <a:pt x="2977" y="5525"/>
-                    <a:pt x="2977" y="5442"/>
-                  </a:cubicBezTo>
-                  <a:lnTo>
-                    <a:pt x="2977" y="4251"/>
-                  </a:lnTo>
-                  <a:cubicBezTo>
-                    <a:pt x="2977" y="3989"/>
-                    <a:pt x="2763" y="3787"/>
-                    <a:pt x="2513" y="3787"/>
-                  </a:cubicBezTo>
-                  <a:cubicBezTo>
-                    <a:pt x="2263" y="3787"/>
-                    <a:pt x="2048" y="3989"/>
-                    <a:pt x="2048" y="4251"/>
-                  </a:cubicBezTo>
-                  <a:lnTo>
-                    <a:pt x="2048" y="7192"/>
-                  </a:lnTo>
-                  <a:cubicBezTo>
-                    <a:pt x="2048" y="7323"/>
-                    <a:pt x="1941" y="7430"/>
-                    <a:pt x="1810" y="7430"/>
-                  </a:cubicBezTo>
-                  <a:cubicBezTo>
-                    <a:pt x="1679" y="7430"/>
-                    <a:pt x="1572" y="7323"/>
-                    <a:pt x="1572" y="7192"/>
-                  </a:cubicBezTo>
-                  <a:lnTo>
-                    <a:pt x="1572" y="393"/>
-                  </a:lnTo>
-                  <a:cubicBezTo>
-                    <a:pt x="1572" y="179"/>
-                    <a:pt x="1394" y="0"/>
-                    <a:pt x="1191" y="0"/>
-                  </a:cubicBezTo>
-                  <a:close/>
-                </a:path>
-              </a:pathLst>
-            </a:custGeom>
-            <a:solidFill>
-              <a:schemeClr val="dk1"/>
-            </a:solidFill>
-            <a:ln>
-              <a:noFill/>
-            </a:ln>
-          </p:spPr>
-          <p:txBody>
-            <a:bodyPr spcFirstLastPara="1" wrap="square" lIns="91425" tIns="91425" rIns="91425" bIns="91425" anchor="ctr" anchorCtr="0">
-              <a:noAutofit/>
-            </a:bodyPr>
-            <a:lstStyle/>
-            <a:p>
-              <a:pPr marL="0" lvl="0" indent="0" algn="l" rtl="0">
-                <a:spcBef>
-                  <a:spcPts val="0"/>
-                </a:spcBef>
-                <a:spcAft>
-                  <a:spcPts val="0"/>
-                </a:spcAft>
-                <a:buNone/>
-              </a:pPr>
-              <a:endParaRPr/>
-            </a:p>
-          </p:txBody>
-        </p:sp>
-        <p:sp>
-          <p:nvSpPr>
-            <p:cNvPr id="413" name="Google Shape;413;p40"/>
-            <p:cNvSpPr/>
-            <p:nvPr/>
-          </p:nvSpPr>
-          <p:spPr>
-            <a:xfrm>
-              <a:off x="6410063" y="4212638"/>
-              <a:ext cx="159950" cy="150519"/>
-            </a:xfrm>
-            <a:custGeom>
-              <a:avLst/>
-              <a:gdLst/>
-              <a:ahLst/>
-              <a:cxnLst/>
-              <a:rect l="l" t="t" r="r" b="b"/>
-              <a:pathLst>
-                <a:path w="5037" h="4740" extrusionOk="0">
-                  <a:moveTo>
-                    <a:pt x="1429" y="0"/>
-                  </a:moveTo>
-                  <a:cubicBezTo>
-                    <a:pt x="632" y="0"/>
-                    <a:pt x="1" y="643"/>
-                    <a:pt x="1" y="1429"/>
-                  </a:cubicBezTo>
-                  <a:lnTo>
-                    <a:pt x="1" y="2858"/>
-                  </a:lnTo>
-                  <a:cubicBezTo>
-                    <a:pt x="1" y="2953"/>
-                    <a:pt x="72" y="3025"/>
-                    <a:pt x="155" y="3025"/>
-                  </a:cubicBezTo>
-                  <a:cubicBezTo>
-                    <a:pt x="251" y="3025"/>
-                    <a:pt x="322" y="2953"/>
-                    <a:pt x="322" y="2858"/>
-                  </a:cubicBezTo>
-                  <a:lnTo>
-                    <a:pt x="322" y="1429"/>
-                  </a:lnTo>
-                  <a:cubicBezTo>
-                    <a:pt x="322" y="822"/>
-                    <a:pt x="810" y="334"/>
-                    <a:pt x="1429" y="334"/>
-                  </a:cubicBezTo>
-                  <a:lnTo>
-                    <a:pt x="3608" y="334"/>
-                  </a:lnTo>
-                  <a:cubicBezTo>
-                    <a:pt x="4227" y="334"/>
-                    <a:pt x="4715" y="822"/>
-                    <a:pt x="4715" y="1429"/>
-                  </a:cubicBezTo>
-                  <a:lnTo>
-                    <a:pt x="4715" y="4144"/>
-                  </a:lnTo>
-                  <a:cubicBezTo>
-                    <a:pt x="4715" y="4275"/>
-                    <a:pt x="4608" y="4382"/>
-                    <a:pt x="4489" y="4394"/>
-                  </a:cubicBezTo>
-                  <a:cubicBezTo>
-                    <a:pt x="4358" y="4394"/>
-                    <a:pt x="4239" y="4287"/>
-                    <a:pt x="4239" y="4156"/>
-                  </a:cubicBezTo>
-                  <a:lnTo>
-                    <a:pt x="4239" y="1655"/>
-                  </a:lnTo>
-                  <a:cubicBezTo>
-                    <a:pt x="4239" y="1441"/>
-                    <a:pt x="4061" y="1262"/>
-                    <a:pt x="3846" y="1262"/>
-                  </a:cubicBezTo>
-                  <a:cubicBezTo>
-                    <a:pt x="3644" y="1262"/>
-                    <a:pt x="3465" y="1441"/>
-                    <a:pt x="3465" y="1655"/>
-                  </a:cubicBezTo>
-                  <a:lnTo>
-                    <a:pt x="3465" y="2239"/>
-                  </a:lnTo>
-                  <a:cubicBezTo>
-                    <a:pt x="3465" y="2322"/>
-                    <a:pt x="3537" y="2394"/>
-                    <a:pt x="3632" y="2394"/>
-                  </a:cubicBezTo>
-                  <a:cubicBezTo>
-                    <a:pt x="3715" y="2394"/>
-                    <a:pt x="3787" y="2322"/>
-                    <a:pt x="3787" y="2239"/>
-                  </a:cubicBezTo>
-                  <a:lnTo>
-                    <a:pt x="3787" y="1655"/>
-                  </a:lnTo>
-                  <a:cubicBezTo>
-                    <a:pt x="3787" y="1620"/>
-                    <a:pt x="3814" y="1602"/>
-                    <a:pt x="3840" y="1602"/>
-                  </a:cubicBezTo>
-                  <a:cubicBezTo>
-                    <a:pt x="3867" y="1602"/>
-                    <a:pt x="3894" y="1620"/>
-                    <a:pt x="3894" y="1655"/>
-                  </a:cubicBezTo>
-                  <a:lnTo>
-                    <a:pt x="3894" y="4156"/>
-                  </a:lnTo>
-                  <a:cubicBezTo>
-                    <a:pt x="3894" y="4382"/>
-                    <a:pt x="4049" y="4596"/>
-                    <a:pt x="4251" y="4691"/>
-                  </a:cubicBezTo>
-                  <a:cubicBezTo>
-                    <a:pt x="4323" y="4715"/>
-                    <a:pt x="4406" y="4739"/>
-                    <a:pt x="4489" y="4739"/>
-                  </a:cubicBezTo>
-                  <a:cubicBezTo>
-                    <a:pt x="4799" y="4715"/>
-                    <a:pt x="5037" y="4465"/>
-                    <a:pt x="5037" y="4156"/>
-                  </a:cubicBezTo>
-                  <a:lnTo>
-                    <a:pt x="5037" y="1429"/>
-                  </a:lnTo>
-                  <a:cubicBezTo>
-                    <a:pt x="5037" y="643"/>
-                    <a:pt x="4406" y="0"/>
-                    <a:pt x="3608" y="0"/>
-                  </a:cubicBezTo>
-                  <a:close/>
-                </a:path>
-              </a:pathLst>
-            </a:custGeom>
-            <a:solidFill>
-              <a:schemeClr val="dk1"/>
-            </a:solidFill>
-            <a:ln>
-              <a:noFill/>
-            </a:ln>
-          </p:spPr>
-          <p:txBody>
-            <a:bodyPr spcFirstLastPara="1" wrap="square" lIns="91425" tIns="91425" rIns="91425" bIns="91425" anchor="ctr" anchorCtr="0">
-              <a:noAutofit/>
-            </a:bodyPr>
-            <a:lstStyle/>
-            <a:p>
-              <a:pPr marL="0" lvl="0" indent="0" algn="l" rtl="0">
-                <a:spcBef>
-                  <a:spcPts val="0"/>
-                </a:spcBef>
-                <a:spcAft>
-                  <a:spcPts val="0"/>
-                </a:spcAft>
-                <a:buNone/>
-              </a:pPr>
-              <a:endParaRPr/>
-            </a:p>
-          </p:txBody>
-        </p:sp>
-      </p:grpSp>
-      <p:grpSp>
-        <p:nvGrpSpPr>
           <p:cNvPr id="417" name="Google Shape;417;p40"/>
           <p:cNvGrpSpPr/>
           <p:nvPr/>
         </p:nvGrpSpPr>
         <p:grpSpPr>
           <a:xfrm>
-            <a:off x="5654471" y="1309532"/>
+            <a:off x="3141082" y="3604572"/>
             <a:ext cx="367990" cy="351312"/>
             <a:chOff x="1299146" y="3806507"/>
             <a:chExt cx="367990" cy="351312"/>
@@ -16276,317 +16728,6 @@
           </p:txBody>
         </p:sp>
       </p:grpSp>
-      <p:grpSp>
-        <p:nvGrpSpPr>
-          <p:cNvPr id="420" name="Google Shape;420;p40"/>
-          <p:cNvGrpSpPr/>
-          <p:nvPr/>
-        </p:nvGrpSpPr>
-        <p:grpSpPr>
-          <a:xfrm>
-            <a:off x="3827825" y="1326120"/>
-            <a:ext cx="1500123" cy="2991330"/>
-            <a:chOff x="5733722" y="716816"/>
-            <a:chExt cx="1851775" cy="3692544"/>
-          </a:xfrm>
-        </p:grpSpPr>
-        <p:sp>
-          <p:nvSpPr>
-            <p:cNvPr id="421" name="Google Shape;421;p40"/>
-            <p:cNvSpPr/>
-            <p:nvPr/>
-          </p:nvSpPr>
-          <p:spPr>
-            <a:xfrm>
-              <a:off x="5733722" y="716816"/>
-              <a:ext cx="1851775" cy="3692544"/>
-            </a:xfrm>
-            <a:custGeom>
-              <a:avLst/>
-              <a:gdLst/>
-              <a:ahLst/>
-              <a:cxnLst/>
-              <a:rect l="l" t="t" r="r" b="b"/>
-              <a:pathLst>
-                <a:path w="103480" h="206345" extrusionOk="0">
-                  <a:moveTo>
-                    <a:pt x="61741" y="8558"/>
-                  </a:moveTo>
-                  <a:cubicBezTo>
-                    <a:pt x="62649" y="8558"/>
-                    <a:pt x="62637" y="9975"/>
-                    <a:pt x="61704" y="9975"/>
-                  </a:cubicBezTo>
-                  <a:cubicBezTo>
-                    <a:pt x="61677" y="9975"/>
-                    <a:pt x="61650" y="9973"/>
-                    <a:pt x="61623" y="9971"/>
-                  </a:cubicBezTo>
-                  <a:lnTo>
-                    <a:pt x="40979" y="9971"/>
-                  </a:lnTo>
-                  <a:cubicBezTo>
-                    <a:pt x="40952" y="9973"/>
-                    <a:pt x="40925" y="9975"/>
-                    <a:pt x="40898" y="9975"/>
-                  </a:cubicBezTo>
-                  <a:cubicBezTo>
-                    <a:pt x="39965" y="9975"/>
-                    <a:pt x="39952" y="8558"/>
-                    <a:pt x="40861" y="8558"/>
-                  </a:cubicBezTo>
-                  <a:cubicBezTo>
-                    <a:pt x="40899" y="8558"/>
-                    <a:pt x="40938" y="8561"/>
-                    <a:pt x="40979" y="8566"/>
-                  </a:cubicBezTo>
-                  <a:lnTo>
-                    <a:pt x="61623" y="8566"/>
-                  </a:lnTo>
-                  <a:cubicBezTo>
-                    <a:pt x="61664" y="8561"/>
-                    <a:pt x="61703" y="8558"/>
-                    <a:pt x="61741" y="8558"/>
-                  </a:cubicBezTo>
-                  <a:close/>
-                  <a:moveTo>
-                    <a:pt x="100713" y="16164"/>
-                  </a:moveTo>
-                  <a:lnTo>
-                    <a:pt x="100713" y="189567"/>
-                  </a:lnTo>
-                  <a:lnTo>
-                    <a:pt x="2987" y="189567"/>
-                  </a:lnTo>
-                  <a:lnTo>
-                    <a:pt x="2987" y="16164"/>
-                  </a:lnTo>
-                  <a:close/>
-                  <a:moveTo>
-                    <a:pt x="22357" y="196638"/>
-                  </a:moveTo>
-                  <a:lnTo>
-                    <a:pt x="22313" y="197165"/>
-                  </a:lnTo>
-                  <a:lnTo>
-                    <a:pt x="18448" y="197165"/>
-                  </a:lnTo>
-                  <a:lnTo>
-                    <a:pt x="18448" y="196638"/>
-                  </a:lnTo>
-                  <a:close/>
-                  <a:moveTo>
-                    <a:pt x="53277" y="196726"/>
-                  </a:moveTo>
-                  <a:cubicBezTo>
-                    <a:pt x="53365" y="196726"/>
-                    <a:pt x="53453" y="196814"/>
-                    <a:pt x="53453" y="196945"/>
-                  </a:cubicBezTo>
-                  <a:lnTo>
-                    <a:pt x="53453" y="199976"/>
-                  </a:lnTo>
-                  <a:cubicBezTo>
-                    <a:pt x="53453" y="200064"/>
-                    <a:pt x="53365" y="200152"/>
-                    <a:pt x="53234" y="200152"/>
-                  </a:cubicBezTo>
-                  <a:lnTo>
-                    <a:pt x="50203" y="200152"/>
-                  </a:lnTo>
-                  <a:cubicBezTo>
-                    <a:pt x="50071" y="200152"/>
-                    <a:pt x="49983" y="200064"/>
-                    <a:pt x="49983" y="199976"/>
-                  </a:cubicBezTo>
-                  <a:lnTo>
-                    <a:pt x="49983" y="196945"/>
-                  </a:lnTo>
-                  <a:cubicBezTo>
-                    <a:pt x="49983" y="196814"/>
-                    <a:pt x="50071" y="196726"/>
-                    <a:pt x="50203" y="196726"/>
-                  </a:cubicBezTo>
-                  <a:close/>
-                  <a:moveTo>
-                    <a:pt x="80706" y="196517"/>
-                  </a:moveTo>
-                  <a:cubicBezTo>
-                    <a:pt x="80761" y="196517"/>
-                    <a:pt x="80816" y="196528"/>
-                    <a:pt x="80860" y="196550"/>
-                  </a:cubicBezTo>
-                  <a:cubicBezTo>
-                    <a:pt x="80948" y="196638"/>
-                    <a:pt x="80948" y="196770"/>
-                    <a:pt x="80860" y="196858"/>
-                  </a:cubicBezTo>
-                  <a:lnTo>
-                    <a:pt x="79455" y="198263"/>
-                  </a:lnTo>
-                  <a:cubicBezTo>
-                    <a:pt x="79367" y="198351"/>
-                    <a:pt x="79323" y="198439"/>
-                    <a:pt x="79323" y="198527"/>
-                  </a:cubicBezTo>
-                  <a:cubicBezTo>
-                    <a:pt x="79323" y="198614"/>
-                    <a:pt x="79367" y="198702"/>
-                    <a:pt x="79455" y="198790"/>
-                  </a:cubicBezTo>
-                  <a:lnTo>
-                    <a:pt x="80860" y="200196"/>
-                  </a:lnTo>
-                  <a:cubicBezTo>
-                    <a:pt x="80948" y="200284"/>
-                    <a:pt x="80948" y="200415"/>
-                    <a:pt x="80860" y="200503"/>
-                  </a:cubicBezTo>
-                  <a:cubicBezTo>
-                    <a:pt x="80816" y="200547"/>
-                    <a:pt x="80761" y="200569"/>
-                    <a:pt x="80706" y="200569"/>
-                  </a:cubicBezTo>
-                  <a:cubicBezTo>
-                    <a:pt x="80652" y="200569"/>
-                    <a:pt x="80597" y="200547"/>
-                    <a:pt x="80553" y="200503"/>
-                  </a:cubicBezTo>
-                  <a:lnTo>
-                    <a:pt x="79147" y="199098"/>
-                  </a:lnTo>
-                  <a:cubicBezTo>
-                    <a:pt x="79015" y="198922"/>
-                    <a:pt x="78928" y="198746"/>
-                    <a:pt x="78928" y="198527"/>
-                  </a:cubicBezTo>
-                  <a:cubicBezTo>
-                    <a:pt x="78928" y="198307"/>
-                    <a:pt x="79015" y="198131"/>
-                    <a:pt x="79147" y="198000"/>
-                  </a:cubicBezTo>
-                  <a:lnTo>
-                    <a:pt x="80553" y="196550"/>
-                  </a:lnTo>
-                  <a:cubicBezTo>
-                    <a:pt x="80597" y="196528"/>
-                    <a:pt x="80652" y="196517"/>
-                    <a:pt x="80706" y="196517"/>
-                  </a:cubicBezTo>
-                  <a:close/>
-                  <a:moveTo>
-                    <a:pt x="15461" y="1"/>
-                  </a:moveTo>
-                  <a:cubicBezTo>
-                    <a:pt x="6940" y="1"/>
-                    <a:pt x="1" y="6941"/>
-                    <a:pt x="1" y="15461"/>
-                  </a:cubicBezTo>
-                  <a:lnTo>
-                    <a:pt x="1" y="190884"/>
-                  </a:lnTo>
-                  <a:cubicBezTo>
-                    <a:pt x="1" y="199405"/>
-                    <a:pt x="6940" y="206345"/>
-                    <a:pt x="15461" y="206345"/>
-                  </a:cubicBezTo>
-                  <a:lnTo>
-                    <a:pt x="88019" y="206345"/>
-                  </a:lnTo>
-                  <a:cubicBezTo>
-                    <a:pt x="96540" y="206345"/>
-                    <a:pt x="103480" y="199405"/>
-                    <a:pt x="103480" y="190884"/>
-                  </a:cubicBezTo>
-                  <a:lnTo>
-                    <a:pt x="103480" y="15461"/>
-                  </a:lnTo>
-                  <a:cubicBezTo>
-                    <a:pt x="103480" y="6941"/>
-                    <a:pt x="96540" y="1"/>
-                    <a:pt x="88019" y="1"/>
-                  </a:cubicBezTo>
-                  <a:close/>
-                </a:path>
-              </a:pathLst>
-            </a:custGeom>
-            <a:noFill/>
-            <a:ln w="9525" cap="flat" cmpd="sng">
-              <a:solidFill>
-                <a:schemeClr val="dk1"/>
-              </a:solidFill>
-              <a:prstDash val="solid"/>
-              <a:round/>
-              <a:headEnd type="none" w="sm" len="sm"/>
-              <a:tailEnd type="none" w="sm" len="sm"/>
-            </a:ln>
-          </p:spPr>
-          <p:txBody>
-            <a:bodyPr spcFirstLastPara="1" wrap="square" lIns="91425" tIns="91425" rIns="91425" bIns="91425" anchor="ctr" anchorCtr="0">
-              <a:noAutofit/>
-            </a:bodyPr>
-            <a:lstStyle/>
-            <a:p>
-              <a:pPr marL="0" lvl="0" indent="0" algn="l" rtl="0">
-                <a:spcBef>
-                  <a:spcPts val="0"/>
-                </a:spcBef>
-                <a:spcAft>
-                  <a:spcPts val="0"/>
-                </a:spcAft>
-                <a:buNone/>
-              </a:pPr>
-              <a:endParaRPr sz="1400"/>
-            </a:p>
-          </p:txBody>
-        </p:sp>
-        <p:sp>
-          <p:nvSpPr>
-            <p:cNvPr id="422" name="Google Shape;422;p40"/>
-            <p:cNvSpPr/>
-            <p:nvPr/>
-          </p:nvSpPr>
-          <p:spPr>
-            <a:xfrm>
-              <a:off x="6568421" y="4212572"/>
-              <a:ext cx="182400" cy="108000"/>
-            </a:xfrm>
-            <a:prstGeom prst="roundRect">
-              <a:avLst>
-                <a:gd name="adj" fmla="val 50000"/>
-              </a:avLst>
-            </a:prstGeom>
-            <a:noFill/>
-            <a:ln w="9525" cap="flat" cmpd="sng">
-              <a:solidFill>
-                <a:schemeClr val="dk1"/>
-              </a:solidFill>
-              <a:prstDash val="solid"/>
-              <a:round/>
-              <a:headEnd type="none" w="sm" len="sm"/>
-              <a:tailEnd type="none" w="sm" len="sm"/>
-            </a:ln>
-          </p:spPr>
-          <p:txBody>
-            <a:bodyPr spcFirstLastPara="1" wrap="square" lIns="91425" tIns="91425" rIns="91425" bIns="91425" anchor="ctr" anchorCtr="0">
-              <a:noAutofit/>
-            </a:bodyPr>
-            <a:lstStyle/>
-            <a:p>
-              <a:pPr marL="0" lvl="0" indent="0" algn="l" rtl="0">
-                <a:spcBef>
-                  <a:spcPts val="0"/>
-                </a:spcBef>
-                <a:spcAft>
-                  <a:spcPts val="0"/>
-                </a:spcAft>
-                <a:buNone/>
-              </a:pPr>
-              <a:endParaRPr/>
-            </a:p>
-          </p:txBody>
-        </p:sp>
-      </p:grpSp>
       <p:sp>
         <p:nvSpPr>
           <p:cNvPr id="424" name="Google Shape;424;p40"/>
@@ -16627,11 +16768,11 @@
                   <a:schemeClr val="accent2"/>
                 </a:solidFill>
               </a:rPr>
-              <a:t>&lt;/ </a:t>
+              <a:t>&lt;/ Demo </a:t>
             </a:r>
             <a:r>
               <a:rPr lang="en" dirty="0"/>
-              <a:t>Productos</a:t>
+              <a:t>Catalogo</a:t>
             </a:r>
             <a:endParaRPr dirty="0"/>
           </a:p>
@@ -16755,72 +16896,14 @@
       </p:sp>
       <p:sp>
         <p:nvSpPr>
-          <p:cNvPr id="427" name="Google Shape;427;p40"/>
-          <p:cNvSpPr txBox="1"/>
-          <p:nvPr/>
-        </p:nvSpPr>
-        <p:spPr>
-          <a:xfrm>
-            <a:off x="723900" y="3538627"/>
-            <a:ext cx="2193000" cy="419700"/>
-          </a:xfrm>
-          <a:prstGeom prst="rect">
-            <a:avLst/>
-          </a:prstGeom>
-          <a:noFill/>
-          <a:ln>
-            <a:noFill/>
-          </a:ln>
-        </p:spPr>
-        <p:txBody>
-          <a:bodyPr spcFirstLastPara="1" wrap="square" lIns="91425" tIns="91425" rIns="91425" bIns="91425" anchor="b" anchorCtr="0">
-            <a:noAutofit/>
-          </a:bodyPr>
-          <a:lstStyle/>
-          <a:p>
-            <a:pPr marL="0" lvl="0" indent="0" algn="l" rtl="0">
-              <a:spcBef>
-                <a:spcPts val="0"/>
-              </a:spcBef>
-              <a:spcAft>
-                <a:spcPts val="0"/>
-              </a:spcAft>
-              <a:buNone/>
-            </a:pPr>
-            <a:r>
-              <a:rPr lang="en" sz="1800" dirty="0">
-                <a:solidFill>
-                  <a:schemeClr val="dk1"/>
-                </a:solidFill>
-                <a:latin typeface="Quantico"/>
-                <a:ea typeface="Quantico"/>
-                <a:cs typeface="Quantico"/>
-                <a:sym typeface="Quantico"/>
-              </a:rPr>
-              <a:t>Disponibilidad</a:t>
-            </a:r>
-            <a:endParaRPr sz="1800" dirty="0">
-              <a:solidFill>
-                <a:schemeClr val="dk1"/>
-              </a:solidFill>
-              <a:latin typeface="Quantico"/>
-              <a:ea typeface="Quantico"/>
-              <a:cs typeface="Quantico"/>
-              <a:sym typeface="Quantico"/>
-            </a:endParaRPr>
-          </a:p>
-        </p:txBody>
-      </p:sp>
-      <p:sp>
-        <p:nvSpPr>
           <p:cNvPr id="428" name="Google Shape;428;p40"/>
           <p:cNvSpPr txBox="1"/>
           <p:nvPr/>
         </p:nvSpPr>
         <p:spPr>
           <a:xfrm>
-            <a:off x="6226877" y="1255650"/>
-            <a:ext cx="2193000" cy="419700"/>
+            <a:off x="609980" y="3536184"/>
+            <a:ext cx="1383760" cy="419700"/>
           </a:xfrm>
           <a:prstGeom prst="rect">
             <a:avLst/>
@@ -16877,7 +16960,7 @@
         </p:nvSpPr>
         <p:spPr>
           <a:xfrm>
-            <a:off x="6226877" y="2397102"/>
+            <a:off x="719988" y="1648714"/>
             <a:ext cx="2193000" cy="419700"/>
           </a:xfrm>
           <a:prstGeom prst="rect">
@@ -16894,7 +16977,7 @@
           </a:bodyPr>
           <a:lstStyle/>
           <a:p>
-            <a:pPr marL="0" lvl="0" indent="0" algn="r" rtl="0">
+            <a:pPr marL="0" lvl="0" indent="0" rtl="0">
               <a:spcBef>
                 <a:spcPts val="0"/>
               </a:spcBef>
@@ -16927,296 +17010,6 @@
           </a:p>
         </p:txBody>
       </p:sp>
-      <p:sp>
-        <p:nvSpPr>
-          <p:cNvPr id="431" name="Google Shape;431;p40"/>
-          <p:cNvSpPr txBox="1"/>
-          <p:nvPr/>
-        </p:nvSpPr>
-        <p:spPr>
-          <a:xfrm>
-            <a:off x="723900" y="1585223"/>
-            <a:ext cx="2193000" cy="419700"/>
-          </a:xfrm>
-          <a:prstGeom prst="rect">
-            <a:avLst/>
-          </a:prstGeom>
-          <a:noFill/>
-          <a:ln>
-            <a:noFill/>
-          </a:ln>
-        </p:spPr>
-        <p:txBody>
-          <a:bodyPr spcFirstLastPara="1" wrap="square" lIns="91425" tIns="91425" rIns="91425" bIns="91425" anchor="t" anchorCtr="0">
-            <a:noAutofit/>
-          </a:bodyPr>
-          <a:lstStyle/>
-          <a:p>
-            <a:pPr marL="0" lvl="0" indent="0" algn="l" rtl="0">
-              <a:spcBef>
-                <a:spcPts val="0"/>
-              </a:spcBef>
-              <a:spcAft>
-                <a:spcPts val="0"/>
-              </a:spcAft>
-              <a:buNone/>
-            </a:pPr>
-            <a:r>
-              <a:rPr lang="es-MX" sz="1200" dirty="0" err="1">
-                <a:solidFill>
-                  <a:schemeClr val="dk1"/>
-                </a:solidFill>
-                <a:latin typeface="Source Code Pro"/>
-                <a:ea typeface="Source Code Pro"/>
-                <a:cs typeface="Source Code Pro"/>
-                <a:sym typeface="Source Code Pro"/>
-              </a:rPr>
-              <a:t>asd</a:t>
-            </a:r>
-            <a:endParaRPr sz="1200" dirty="0">
-              <a:solidFill>
-                <a:schemeClr val="dk1"/>
-              </a:solidFill>
-              <a:latin typeface="Source Code Pro"/>
-              <a:ea typeface="Source Code Pro"/>
-              <a:cs typeface="Source Code Pro"/>
-              <a:sym typeface="Source Code Pro"/>
-            </a:endParaRPr>
-          </a:p>
-        </p:txBody>
-      </p:sp>
-      <p:sp>
-        <p:nvSpPr>
-          <p:cNvPr id="432" name="Google Shape;432;p40"/>
-          <p:cNvSpPr txBox="1"/>
-          <p:nvPr/>
-        </p:nvSpPr>
-        <p:spPr>
-          <a:xfrm>
-            <a:off x="723900" y="2726746"/>
-            <a:ext cx="2193000" cy="419700"/>
-          </a:xfrm>
-          <a:prstGeom prst="rect">
-            <a:avLst/>
-          </a:prstGeom>
-          <a:noFill/>
-          <a:ln>
-            <a:noFill/>
-          </a:ln>
-        </p:spPr>
-        <p:txBody>
-          <a:bodyPr spcFirstLastPara="1" wrap="square" lIns="91425" tIns="91425" rIns="91425" bIns="91425" anchor="t" anchorCtr="0">
-            <a:noAutofit/>
-          </a:bodyPr>
-          <a:lstStyle/>
-          <a:p>
-            <a:pPr marL="0" lvl="0" indent="0" algn="l" rtl="0">
-              <a:spcBef>
-                <a:spcPts val="0"/>
-              </a:spcBef>
-              <a:spcAft>
-                <a:spcPts val="0"/>
-              </a:spcAft>
-              <a:buNone/>
-            </a:pPr>
-            <a:r>
-              <a:rPr lang="es-MX" sz="1200" dirty="0" err="1">
-                <a:solidFill>
-                  <a:schemeClr val="dk1"/>
-                </a:solidFill>
-                <a:latin typeface="Source Code Pro"/>
-                <a:ea typeface="Source Code Pro"/>
-                <a:cs typeface="Source Code Pro"/>
-                <a:sym typeface="Source Code Pro"/>
-              </a:rPr>
-              <a:t>asd</a:t>
-            </a:r>
-            <a:endParaRPr sz="1200" dirty="0">
-              <a:solidFill>
-                <a:schemeClr val="dk1"/>
-              </a:solidFill>
-              <a:latin typeface="Source Code Pro"/>
-              <a:ea typeface="Source Code Pro"/>
-              <a:cs typeface="Source Code Pro"/>
-              <a:sym typeface="Source Code Pro"/>
-            </a:endParaRPr>
-          </a:p>
-        </p:txBody>
-      </p:sp>
-      <p:sp>
-        <p:nvSpPr>
-          <p:cNvPr id="433" name="Google Shape;433;p40"/>
-          <p:cNvSpPr txBox="1"/>
-          <p:nvPr/>
-        </p:nvSpPr>
-        <p:spPr>
-          <a:xfrm>
-            <a:off x="723900" y="3868272"/>
-            <a:ext cx="2193000" cy="419700"/>
-          </a:xfrm>
-          <a:prstGeom prst="rect">
-            <a:avLst/>
-          </a:prstGeom>
-          <a:noFill/>
-          <a:ln>
-            <a:noFill/>
-          </a:ln>
-        </p:spPr>
-        <p:txBody>
-          <a:bodyPr spcFirstLastPara="1" wrap="square" lIns="91425" tIns="91425" rIns="91425" bIns="91425" anchor="t" anchorCtr="0">
-            <a:noAutofit/>
-          </a:bodyPr>
-          <a:lstStyle/>
-          <a:p>
-            <a:pPr marL="0" lvl="0" indent="0" algn="l" rtl="0">
-              <a:spcBef>
-                <a:spcPts val="0"/>
-              </a:spcBef>
-              <a:spcAft>
-                <a:spcPts val="0"/>
-              </a:spcAft>
-              <a:buNone/>
-            </a:pPr>
-            <a:r>
-              <a:rPr lang="en" sz="1200" dirty="0">
-                <a:solidFill>
-                  <a:schemeClr val="dk1"/>
-                </a:solidFill>
-                <a:latin typeface="Source Code Pro"/>
-                <a:ea typeface="Source Code Pro"/>
-                <a:cs typeface="Source Code Pro"/>
-                <a:sym typeface="Source Code Pro"/>
-              </a:rPr>
-              <a:t>asd</a:t>
-            </a:r>
-            <a:endParaRPr sz="1200" dirty="0">
-              <a:solidFill>
-                <a:schemeClr val="dk1"/>
-              </a:solidFill>
-              <a:latin typeface="Source Code Pro"/>
-              <a:ea typeface="Source Code Pro"/>
-              <a:cs typeface="Source Code Pro"/>
-              <a:sym typeface="Source Code Pro"/>
-            </a:endParaRPr>
-          </a:p>
-        </p:txBody>
-      </p:sp>
-      <p:sp>
-        <p:nvSpPr>
-          <p:cNvPr id="434" name="Google Shape;434;p40"/>
-          <p:cNvSpPr txBox="1"/>
-          <p:nvPr/>
-        </p:nvSpPr>
-        <p:spPr>
-          <a:xfrm>
-            <a:off x="6226877" y="1585223"/>
-            <a:ext cx="2193000" cy="419700"/>
-          </a:xfrm>
-          <a:prstGeom prst="rect">
-            <a:avLst/>
-          </a:prstGeom>
-          <a:noFill/>
-          <a:ln>
-            <a:noFill/>
-          </a:ln>
-        </p:spPr>
-        <p:txBody>
-          <a:bodyPr spcFirstLastPara="1" wrap="square" lIns="91425" tIns="91425" rIns="91425" bIns="91425" anchor="t" anchorCtr="0">
-            <a:noAutofit/>
-          </a:bodyPr>
-          <a:lstStyle/>
-          <a:p>
-            <a:pPr marL="0" lvl="0" indent="0" algn="r" rtl="0">
-              <a:spcBef>
-                <a:spcPts val="0"/>
-              </a:spcBef>
-              <a:spcAft>
-                <a:spcPts val="0"/>
-              </a:spcAft>
-              <a:buNone/>
-            </a:pPr>
-            <a:r>
-              <a:rPr lang="en" sz="1200" dirty="0">
-                <a:solidFill>
-                  <a:schemeClr val="dk1"/>
-                </a:solidFill>
-                <a:latin typeface="Source Code Pro"/>
-                <a:ea typeface="Source Code Pro"/>
-                <a:cs typeface="Source Code Pro"/>
-                <a:sym typeface="Source Code Pro"/>
-              </a:rPr>
-              <a:t>asd</a:t>
-            </a:r>
-            <a:endParaRPr sz="1200" dirty="0">
-              <a:solidFill>
-                <a:schemeClr val="dk1"/>
-              </a:solidFill>
-              <a:latin typeface="Source Code Pro"/>
-              <a:ea typeface="Source Code Pro"/>
-              <a:cs typeface="Source Code Pro"/>
-              <a:sym typeface="Source Code Pro"/>
-            </a:endParaRPr>
-          </a:p>
-        </p:txBody>
-      </p:sp>
-      <p:sp>
-        <p:nvSpPr>
-          <p:cNvPr id="435" name="Google Shape;435;p40"/>
-          <p:cNvSpPr txBox="1"/>
-          <p:nvPr/>
-        </p:nvSpPr>
-        <p:spPr>
-          <a:xfrm>
-            <a:off x="6226877" y="2726746"/>
-            <a:ext cx="2193000" cy="419700"/>
-          </a:xfrm>
-          <a:prstGeom prst="rect">
-            <a:avLst/>
-          </a:prstGeom>
-          <a:noFill/>
-          <a:ln>
-            <a:noFill/>
-          </a:ln>
-        </p:spPr>
-        <p:txBody>
-          <a:bodyPr spcFirstLastPara="1" wrap="square" lIns="91425" tIns="91425" rIns="91425" bIns="91425" anchor="t" anchorCtr="0">
-            <a:noAutofit/>
-          </a:bodyPr>
-          <a:lstStyle/>
-          <a:p>
-            <a:pPr marL="0" lvl="0" indent="0" algn="r" rtl="0">
-              <a:spcBef>
-                <a:spcPts val="0"/>
-              </a:spcBef>
-              <a:spcAft>
-                <a:spcPts val="0"/>
-              </a:spcAft>
-              <a:buNone/>
-            </a:pPr>
-            <a:r>
-              <a:rPr lang="en" sz="1200" dirty="0">
-                <a:solidFill>
-                  <a:schemeClr val="dk1"/>
-                </a:solidFill>
-                <a:latin typeface="Source Code Pro"/>
-                <a:ea typeface="Source Code Pro"/>
-                <a:cs typeface="Source Code Pro"/>
-                <a:sym typeface="Source Code Pro"/>
-              </a:rPr>
-              <a:t>asd</a:t>
-            </a:r>
-            <a:endParaRPr sz="1200" dirty="0">
-              <a:solidFill>
-                <a:schemeClr val="dk1"/>
-              </a:solidFill>
-              <a:latin typeface="Source Code Pro"/>
-              <a:ea typeface="Source Code Pro"/>
-              <a:cs typeface="Source Code Pro"/>
-              <a:sym typeface="Source Code Pro"/>
-            </a:endParaRPr>
-          </a:p>
-        </p:txBody>
-      </p:sp>
     </p:spTree>
   </p:cSld>
   <p:clrMapOvr>
@@ -17225,7 +17018,7 @@
 </p:sld>
 </file>
 
-<file path=ppt/slides/slide7.xml><?xml version="1.0" encoding="utf-8"?>
+<file path=ppt/slides/slide9.xml><?xml version="1.0" encoding="utf-8"?>
 <p:sld xmlns:a="http://schemas.openxmlformats.org/drawingml/2006/main" xmlns:r="http://schemas.openxmlformats.org/officeDocument/2006/relationships" xmlns:p="http://schemas.openxmlformats.org/presentationml/2006/main">
   <p:cSld>
     <p:spTree>
@@ -17282,11 +17075,11 @@
                   <a:schemeClr val="accent2"/>
                 </a:solidFill>
               </a:rPr>
-              <a:t>&lt;/ </a:t>
+              <a:t>&lt;/ Demo </a:t>
             </a:r>
             <a:r>
               <a:rPr lang="en" dirty="0"/>
-              <a:t>Demo</a:t>
+              <a:t>Carrito </a:t>
             </a:r>
             <a:endParaRPr dirty="0"/>
           </a:p>
@@ -17295,562 +17088,9 @@
     </p:spTree>
     <p:extLst>
       <p:ext uri="{BB962C8B-B14F-4D97-AF65-F5344CB8AC3E}">
-        <p14:creationId xmlns:p14="http://schemas.microsoft.com/office/powerpoint/2010/main" val="2862254654"/>
+        <p14:creationId xmlns:p14="http://schemas.microsoft.com/office/powerpoint/2010/main" val="804380435"/>
       </p:ext>
     </p:extLst>
-  </p:cSld>
-  <p:clrMapOvr>
-    <a:masterClrMapping/>
-  </p:clrMapOvr>
-</p:sld>
-</file>
-
-<file path=ppt/slides/slide8.xml><?xml version="1.0" encoding="utf-8"?>
-<p:sld xmlns:a="http://schemas.openxmlformats.org/drawingml/2006/main" xmlns:r="http://schemas.openxmlformats.org/officeDocument/2006/relationships" xmlns:p="http://schemas.openxmlformats.org/presentationml/2006/main">
-  <p:cSld>
-    <p:spTree>
-      <p:nvGrpSpPr>
-        <p:cNvPr id="1" name="Shape 396"/>
-        <p:cNvGrpSpPr/>
-        <p:nvPr/>
-      </p:nvGrpSpPr>
-      <p:grpSpPr>
-        <a:xfrm>
-          <a:off x="0" y="0"/>
-          <a:ext cx="0" cy="0"/>
-          <a:chOff x="0" y="0"/>
-          <a:chExt cx="0" cy="0"/>
-        </a:xfrm>
-      </p:grpSpPr>
-      <p:sp>
-        <p:nvSpPr>
-          <p:cNvPr id="424" name="Google Shape;424;p40"/>
-          <p:cNvSpPr txBox="1">
-            <a:spLocks noGrp="1"/>
-          </p:cNvSpPr>
-          <p:nvPr>
-            <p:ph type="title"/>
-          </p:nvPr>
-        </p:nvSpPr>
-        <p:spPr>
-          <a:xfrm>
-            <a:off x="719988" y="459128"/>
-            <a:ext cx="7704000" cy="572700"/>
-          </a:xfrm>
-          <a:prstGeom prst="rect">
-            <a:avLst/>
-          </a:prstGeom>
-        </p:spPr>
-        <p:txBody>
-          <a:bodyPr spcFirstLastPara="1" wrap="square" lIns="91425" tIns="91425" rIns="91425" bIns="91425" anchor="t" anchorCtr="0">
-            <a:noAutofit/>
-          </a:bodyPr>
-          <a:lstStyle/>
-          <a:p>
-            <a:pPr marL="0" lvl="0" indent="0" algn="l" rtl="0">
-              <a:spcBef>
-                <a:spcPts val="0"/>
-              </a:spcBef>
-              <a:spcAft>
-                <a:spcPts val="0"/>
-              </a:spcAft>
-              <a:buNone/>
-            </a:pPr>
-            <a:r>
-              <a:rPr lang="en" dirty="0">
-                <a:solidFill>
-                  <a:schemeClr val="accent2"/>
-                </a:solidFill>
-              </a:rPr>
-              <a:t>&lt;/ </a:t>
-            </a:r>
-            <a:r>
-              <a:rPr lang="en" dirty="0"/>
-              <a:t>Demo</a:t>
-            </a:r>
-            <a:endParaRPr dirty="0"/>
-          </a:p>
-        </p:txBody>
-      </p:sp>
-    </p:spTree>
-    <p:extLst>
-      <p:ext uri="{BB962C8B-B14F-4D97-AF65-F5344CB8AC3E}">
-        <p14:creationId xmlns:p14="http://schemas.microsoft.com/office/powerpoint/2010/main" val="1509751662"/>
-      </p:ext>
-    </p:extLst>
-  </p:cSld>
-  <p:clrMapOvr>
-    <a:masterClrMapping/>
-  </p:clrMapOvr>
-</p:sld>
-</file>
-
-<file path=ppt/slides/slide9.xml><?xml version="1.0" encoding="utf-8"?>
-<p:sld xmlns:a="http://schemas.openxmlformats.org/drawingml/2006/main" xmlns:r="http://schemas.openxmlformats.org/officeDocument/2006/relationships" xmlns:p="http://schemas.openxmlformats.org/presentationml/2006/main">
-  <p:cSld>
-    <p:spTree>
-      <p:nvGrpSpPr>
-        <p:cNvPr id="1" name="Shape 542"/>
-        <p:cNvGrpSpPr/>
-        <p:nvPr/>
-      </p:nvGrpSpPr>
-      <p:grpSpPr>
-        <a:xfrm>
-          <a:off x="0" y="0"/>
-          <a:ext cx="0" cy="0"/>
-          <a:chOff x="0" y="0"/>
-          <a:chExt cx="0" cy="0"/>
-        </a:xfrm>
-      </p:grpSpPr>
-      <p:grpSp>
-        <p:nvGrpSpPr>
-          <p:cNvPr id="543" name="Google Shape;543;p46"/>
-          <p:cNvGrpSpPr/>
-          <p:nvPr/>
-        </p:nvGrpSpPr>
-        <p:grpSpPr>
-          <a:xfrm>
-            <a:off x="6433193" y="1069351"/>
-            <a:ext cx="1864833" cy="1637043"/>
-            <a:chOff x="1054812" y="1029590"/>
-            <a:chExt cx="3436214" cy="3912627"/>
-          </a:xfrm>
-        </p:grpSpPr>
-        <p:sp>
-          <p:nvSpPr>
-            <p:cNvPr id="544" name="Google Shape;544;p46"/>
-            <p:cNvSpPr/>
-            <p:nvPr/>
-          </p:nvSpPr>
-          <p:spPr>
-            <a:xfrm>
-              <a:off x="1054812" y="1029617"/>
-              <a:ext cx="3436200" cy="3912600"/>
-            </a:xfrm>
-            <a:prstGeom prst="rect">
-              <a:avLst/>
-            </a:prstGeom>
-            <a:solidFill>
-              <a:schemeClr val="lt1"/>
-            </a:solidFill>
-            <a:ln w="9525" cap="flat" cmpd="sng">
-              <a:solidFill>
-                <a:schemeClr val="dk1"/>
-              </a:solidFill>
-              <a:prstDash val="solid"/>
-              <a:round/>
-              <a:headEnd type="none" w="sm" len="sm"/>
-              <a:tailEnd type="none" w="sm" len="sm"/>
-            </a:ln>
-          </p:spPr>
-          <p:txBody>
-            <a:bodyPr spcFirstLastPara="1" wrap="square" lIns="91425" tIns="91425" rIns="91425" bIns="91425" anchor="ctr" anchorCtr="0">
-              <a:noAutofit/>
-            </a:bodyPr>
-            <a:lstStyle/>
-            <a:p>
-              <a:pPr marL="0" lvl="0" indent="0" algn="l" rtl="0">
-                <a:spcBef>
-                  <a:spcPts val="0"/>
-                </a:spcBef>
-                <a:spcAft>
-                  <a:spcPts val="0"/>
-                </a:spcAft>
-                <a:buNone/>
-              </a:pPr>
-              <a:endParaRPr/>
-            </a:p>
-          </p:txBody>
-        </p:sp>
-        <p:sp>
-          <p:nvSpPr>
-            <p:cNvPr id="545" name="Google Shape;545;p46"/>
-            <p:cNvSpPr/>
-            <p:nvPr/>
-          </p:nvSpPr>
-          <p:spPr>
-            <a:xfrm>
-              <a:off x="1054825" y="1029590"/>
-              <a:ext cx="3436200" cy="610200"/>
-            </a:xfrm>
-            <a:prstGeom prst="rect">
-              <a:avLst/>
-            </a:prstGeom>
-            <a:solidFill>
-              <a:schemeClr val="lt1"/>
-            </a:solidFill>
-            <a:ln w="9525" cap="flat" cmpd="sng">
-              <a:solidFill>
-                <a:schemeClr val="dk1"/>
-              </a:solidFill>
-              <a:prstDash val="solid"/>
-              <a:round/>
-              <a:headEnd type="none" w="sm" len="sm"/>
-              <a:tailEnd type="none" w="sm" len="sm"/>
-            </a:ln>
-          </p:spPr>
-          <p:txBody>
-            <a:bodyPr spcFirstLastPara="1" wrap="square" lIns="91425" tIns="91425" rIns="91425" bIns="91425" anchor="ctr" anchorCtr="0">
-              <a:noAutofit/>
-            </a:bodyPr>
-            <a:lstStyle/>
-            <a:p>
-              <a:pPr marL="0" lvl="0" indent="0" algn="l" rtl="0">
-                <a:spcBef>
-                  <a:spcPts val="0"/>
-                </a:spcBef>
-                <a:spcAft>
-                  <a:spcPts val="0"/>
-                </a:spcAft>
-                <a:buNone/>
-              </a:pPr>
-              <a:endParaRPr/>
-            </a:p>
-          </p:txBody>
-        </p:sp>
-      </p:grpSp>
-      <p:sp>
-        <p:nvSpPr>
-          <p:cNvPr id="546" name="Google Shape;546;p46"/>
-          <p:cNvSpPr txBox="1"/>
-          <p:nvPr/>
-        </p:nvSpPr>
-        <p:spPr>
-          <a:xfrm>
-            <a:off x="6782232" y="1632975"/>
-            <a:ext cx="1216800" cy="746100"/>
-          </a:xfrm>
-          <a:prstGeom prst="rect">
-            <a:avLst/>
-          </a:prstGeom>
-          <a:noFill/>
-          <a:ln>
-            <a:noFill/>
-          </a:ln>
-        </p:spPr>
-        <p:txBody>
-          <a:bodyPr spcFirstLastPara="1" wrap="square" lIns="91425" tIns="91425" rIns="91425" bIns="91425" anchor="t" anchorCtr="0">
-            <a:noAutofit/>
-          </a:bodyPr>
-          <a:lstStyle/>
-          <a:p>
-            <a:pPr marL="0" lvl="0" indent="0" algn="ctr" rtl="0">
-              <a:lnSpc>
-                <a:spcPct val="90000"/>
-              </a:lnSpc>
-              <a:spcBef>
-                <a:spcPts val="0"/>
-              </a:spcBef>
-              <a:spcAft>
-                <a:spcPts val="0"/>
-              </a:spcAft>
-              <a:buNone/>
-            </a:pPr>
-            <a:r>
-              <a:rPr lang="en" sz="3600" dirty="0">
-                <a:solidFill>
-                  <a:schemeClr val="accent2"/>
-                </a:solidFill>
-              </a:rPr>
-              <a:t>}</a:t>
-            </a:r>
-            <a:r>
-              <a:rPr lang="en" sz="3600" dirty="0">
-                <a:solidFill>
-                  <a:schemeClr val="dk1"/>
-                </a:solidFill>
-              </a:rPr>
-              <a:t> /&gt; </a:t>
-            </a:r>
-            <a:r>
-              <a:rPr lang="en" sz="3600" dirty="0">
-                <a:solidFill>
-                  <a:schemeClr val="accent1"/>
-                </a:solidFill>
-              </a:rPr>
-              <a:t>[</a:t>
-            </a:r>
-            <a:endParaRPr sz="3600" dirty="0">
-              <a:solidFill>
-                <a:schemeClr val="accent1"/>
-              </a:solidFill>
-            </a:endParaRPr>
-          </a:p>
-        </p:txBody>
-      </p:sp>
-      <p:sp>
-        <p:nvSpPr>
-          <p:cNvPr id="547" name="Google Shape;547;p46"/>
-          <p:cNvSpPr txBox="1"/>
-          <p:nvPr/>
-        </p:nvSpPr>
-        <p:spPr>
-          <a:xfrm>
-            <a:off x="536125" y="117311"/>
-            <a:ext cx="1999500" cy="180300"/>
-          </a:xfrm>
-          <a:prstGeom prst="rect">
-            <a:avLst/>
-          </a:prstGeom>
-          <a:noFill/>
-          <a:ln>
-            <a:noFill/>
-          </a:ln>
-        </p:spPr>
-        <p:txBody>
-          <a:bodyPr spcFirstLastPara="1" wrap="square" lIns="91425" tIns="91425" rIns="91425" bIns="91425" anchor="ctr" anchorCtr="0">
-            <a:noAutofit/>
-          </a:bodyPr>
-          <a:lstStyle/>
-          <a:p>
-            <a:pPr marL="0" lvl="0" indent="0" algn="l" rtl="0">
-              <a:spcBef>
-                <a:spcPts val="0"/>
-              </a:spcBef>
-              <a:spcAft>
-                <a:spcPts val="0"/>
-              </a:spcAft>
-              <a:buNone/>
-            </a:pPr>
-            <a:r>
-              <a:rPr lang="en" sz="1000">
-                <a:solidFill>
-                  <a:schemeClr val="dk1"/>
-                </a:solidFill>
-                <a:latin typeface="Source Code Pro"/>
-                <a:ea typeface="Source Code Pro"/>
-                <a:cs typeface="Source Code Pro"/>
-                <a:sym typeface="Source Code Pro"/>
-              </a:rPr>
-              <a:t>Pitch Deck</a:t>
-            </a:r>
-            <a:endParaRPr sz="1000">
-              <a:solidFill>
-                <a:schemeClr val="dk1"/>
-              </a:solidFill>
-              <a:latin typeface="Source Code Pro"/>
-              <a:ea typeface="Source Code Pro"/>
-              <a:cs typeface="Source Code Pro"/>
-              <a:sym typeface="Source Code Pro"/>
-            </a:endParaRPr>
-          </a:p>
-        </p:txBody>
-      </p:sp>
-      <p:sp>
-        <p:nvSpPr>
-          <p:cNvPr id="548" name="Google Shape;548;p46"/>
-          <p:cNvSpPr txBox="1"/>
-          <p:nvPr/>
-        </p:nvSpPr>
-        <p:spPr>
-          <a:xfrm>
-            <a:off x="3730325" y="117311"/>
-            <a:ext cx="1999500" cy="180300"/>
-          </a:xfrm>
-          <a:prstGeom prst="rect">
-            <a:avLst/>
-          </a:prstGeom>
-          <a:noFill/>
-          <a:ln>
-            <a:noFill/>
-          </a:ln>
-        </p:spPr>
-        <p:txBody>
-          <a:bodyPr spcFirstLastPara="1" wrap="square" lIns="91425" tIns="91425" rIns="91425" bIns="91425" anchor="ctr" anchorCtr="0">
-            <a:noAutofit/>
-          </a:bodyPr>
-          <a:lstStyle/>
-          <a:p>
-            <a:pPr marL="0" lvl="0" indent="0" algn="l" rtl="0">
-              <a:spcBef>
-                <a:spcPts val="0"/>
-              </a:spcBef>
-              <a:spcAft>
-                <a:spcPts val="0"/>
-              </a:spcAft>
-              <a:buNone/>
-            </a:pPr>
-            <a:r>
-              <a:rPr lang="en" sz="1000">
-                <a:solidFill>
-                  <a:schemeClr val="dk1"/>
-                </a:solidFill>
-                <a:latin typeface="Source Code Pro"/>
-                <a:ea typeface="Source Code Pro"/>
-                <a:cs typeface="Source Code Pro"/>
-                <a:sym typeface="Source Code Pro"/>
-              </a:rPr>
-              <a:t>20xx</a:t>
-            </a:r>
-            <a:endParaRPr sz="1000">
-              <a:solidFill>
-                <a:schemeClr val="dk1"/>
-              </a:solidFill>
-              <a:latin typeface="Source Code Pro"/>
-              <a:ea typeface="Source Code Pro"/>
-              <a:cs typeface="Source Code Pro"/>
-              <a:sym typeface="Source Code Pro"/>
-            </a:endParaRPr>
-          </a:p>
-        </p:txBody>
-      </p:sp>
-      <p:sp>
-        <p:nvSpPr>
-          <p:cNvPr id="549" name="Google Shape;549;p46"/>
-          <p:cNvSpPr txBox="1">
-            <a:spLocks noGrp="1"/>
-          </p:cNvSpPr>
-          <p:nvPr>
-            <p:ph type="ctrTitle"/>
-          </p:nvPr>
-        </p:nvSpPr>
-        <p:spPr>
-          <a:xfrm>
-            <a:off x="1697375" y="1229575"/>
-            <a:ext cx="3294600" cy="997800"/>
-          </a:xfrm>
-          <a:prstGeom prst="rect">
-            <a:avLst/>
-          </a:prstGeom>
-        </p:spPr>
-        <p:txBody>
-          <a:bodyPr spcFirstLastPara="1" wrap="square" lIns="0" tIns="91425" rIns="0" bIns="91425" anchor="t" anchorCtr="0">
-            <a:noAutofit/>
-          </a:bodyPr>
-          <a:lstStyle/>
-          <a:p>
-            <a:pPr marL="0" lvl="0" indent="0" algn="l" rtl="0">
-              <a:spcBef>
-                <a:spcPts val="0"/>
-              </a:spcBef>
-              <a:spcAft>
-                <a:spcPts val="0"/>
-              </a:spcAft>
-              <a:buNone/>
-            </a:pPr>
-            <a:r>
-              <a:rPr lang="en" dirty="0"/>
-              <a:t>Gracias!</a:t>
-            </a:r>
-            <a:endParaRPr dirty="0"/>
-          </a:p>
-        </p:txBody>
-      </p:sp>
-      <p:sp>
-        <p:nvSpPr>
-          <p:cNvPr id="552" name="Google Shape;552;p46"/>
-          <p:cNvSpPr txBox="1"/>
-          <p:nvPr/>
-        </p:nvSpPr>
-        <p:spPr>
-          <a:xfrm>
-            <a:off x="1008000" y="1384025"/>
-            <a:ext cx="702900" cy="606900"/>
-          </a:xfrm>
-          <a:prstGeom prst="rect">
-            <a:avLst/>
-          </a:prstGeom>
-          <a:noFill/>
-          <a:ln>
-            <a:noFill/>
-          </a:ln>
-        </p:spPr>
-        <p:txBody>
-          <a:bodyPr spcFirstLastPara="1" wrap="square" lIns="91425" tIns="91425" rIns="91425" bIns="91425" anchor="ctr" anchorCtr="0">
-            <a:noAutofit/>
-          </a:bodyPr>
-          <a:lstStyle/>
-          <a:p>
-            <a:pPr marL="0" lvl="0" indent="0" algn="l" rtl="0">
-              <a:lnSpc>
-                <a:spcPct val="90000"/>
-              </a:lnSpc>
-              <a:spcBef>
-                <a:spcPts val="0"/>
-              </a:spcBef>
-              <a:spcAft>
-                <a:spcPts val="0"/>
-              </a:spcAft>
-              <a:buNone/>
-            </a:pPr>
-            <a:r>
-              <a:rPr lang="en" sz="3600">
-                <a:solidFill>
-                  <a:schemeClr val="lt2"/>
-                </a:solidFill>
-                <a:latin typeface="Quantico"/>
-                <a:ea typeface="Quantico"/>
-                <a:cs typeface="Quantico"/>
-                <a:sym typeface="Quantico"/>
-              </a:rPr>
-              <a:t>&lt;/</a:t>
-            </a:r>
-            <a:endParaRPr sz="3600">
-              <a:solidFill>
-                <a:schemeClr val="lt2"/>
-              </a:solidFill>
-            </a:endParaRPr>
-          </a:p>
-        </p:txBody>
-      </p:sp>
-      <p:sp>
-        <p:nvSpPr>
-          <p:cNvPr id="562" name="Google Shape;562;p46"/>
-          <p:cNvSpPr txBox="1"/>
-          <p:nvPr/>
-        </p:nvSpPr>
-        <p:spPr>
-          <a:xfrm>
-            <a:off x="5329650" y="2268300"/>
-            <a:ext cx="702900" cy="606900"/>
-          </a:xfrm>
-          <a:prstGeom prst="rect">
-            <a:avLst/>
-          </a:prstGeom>
-          <a:noFill/>
-          <a:ln>
-            <a:noFill/>
-          </a:ln>
-        </p:spPr>
-        <p:txBody>
-          <a:bodyPr spcFirstLastPara="1" wrap="square" lIns="91425" tIns="91425" rIns="91425" bIns="91425" anchor="ctr" anchorCtr="0">
-            <a:noAutofit/>
-          </a:bodyPr>
-          <a:lstStyle/>
-          <a:p>
-            <a:pPr marL="0" lvl="0" indent="0" algn="l" rtl="0">
-              <a:lnSpc>
-                <a:spcPct val="90000"/>
-              </a:lnSpc>
-              <a:spcBef>
-                <a:spcPts val="0"/>
-              </a:spcBef>
-              <a:spcAft>
-                <a:spcPts val="0"/>
-              </a:spcAft>
-              <a:buNone/>
-            </a:pPr>
-            <a:r>
-              <a:rPr lang="en" sz="3600">
-                <a:solidFill>
-                  <a:schemeClr val="dk1"/>
-                </a:solidFill>
-                <a:latin typeface="Quantico"/>
-                <a:ea typeface="Quantico"/>
-                <a:cs typeface="Quantico"/>
-                <a:sym typeface="Quantico"/>
-              </a:rPr>
-              <a:t>/&gt;</a:t>
-            </a:r>
-            <a:endParaRPr sz="3600">
-              <a:solidFill>
-                <a:schemeClr val="dk1"/>
-              </a:solidFill>
-            </a:endParaRPr>
-          </a:p>
-        </p:txBody>
-      </p:sp>
-    </p:spTree>
   </p:cSld>
   <p:clrMapOvr>
     <a:masterClrMapping/>

--- a/Fase 2/Evidencias Proyecto/Presentacion Proyecto/Presentacion Sistema.pptx
+++ b/Fase 2/Evidencias Proyecto/Presentacion Proyecto/Presentacion Sistema.pptx
@@ -10790,64 +10790,6 @@
       </p:sp>
       <p:sp>
         <p:nvSpPr>
-          <p:cNvPr id="222" name="Google Shape;222;p27"/>
-          <p:cNvSpPr txBox="1"/>
-          <p:nvPr/>
-        </p:nvSpPr>
-        <p:spPr>
-          <a:xfrm>
-            <a:off x="536125" y="117311"/>
-            <a:ext cx="1999500" cy="180300"/>
-          </a:xfrm>
-          <a:prstGeom prst="rect">
-            <a:avLst/>
-          </a:prstGeom>
-          <a:noFill/>
-          <a:ln>
-            <a:noFill/>
-          </a:ln>
-        </p:spPr>
-        <p:txBody>
-          <a:bodyPr spcFirstLastPara="1" wrap="square" lIns="91425" tIns="91425" rIns="91425" bIns="91425" anchor="ctr" anchorCtr="0">
-            <a:noAutofit/>
-          </a:bodyPr>
-          <a:lstStyle/>
-          <a:p>
-            <a:pPr marL="0" lvl="0" indent="0" algn="l" rtl="0">
-              <a:spcBef>
-                <a:spcPts val="0"/>
-              </a:spcBef>
-              <a:spcAft>
-                <a:spcPts val="0"/>
-              </a:spcAft>
-              <a:buNone/>
-            </a:pPr>
-            <a:r>
-              <a:rPr lang="en" sz="1000">
-                <a:solidFill>
-                  <a:schemeClr val="dk1"/>
-                </a:solidFill>
-                <a:latin typeface="Source Code Pro"/>
-                <a:ea typeface="Source Code Pro"/>
-                <a:cs typeface="Source Code Pro"/>
-                <a:sym typeface="Source Code Pro"/>
-              </a:rPr>
-              <a:t>Pitch Deck</a:t>
-            </a:r>
-            <a:endParaRPr sz="1000">
-              <a:solidFill>
-                <a:schemeClr val="dk1"/>
-              </a:solidFill>
-              <a:latin typeface="Source Code Pro"/>
-              <a:ea typeface="Source Code Pro"/>
-              <a:cs typeface="Source Code Pro"/>
-              <a:sym typeface="Source Code Pro"/>
-            </a:endParaRPr>
-          </a:p>
-        </p:txBody>
-      </p:sp>
-      <p:sp>
-        <p:nvSpPr>
           <p:cNvPr id="223" name="Google Shape;223;p27"/>
           <p:cNvSpPr txBox="1"/>
           <p:nvPr/>
@@ -10881,7 +10823,7 @@
               <a:buNone/>
             </a:pPr>
             <a:r>
-              <a:rPr lang="en" sz="1000">
+              <a:rPr lang="en" sz="1000" dirty="0">
                 <a:solidFill>
                   <a:schemeClr val="dk1"/>
                 </a:solidFill>
@@ -10890,9 +10832,9 @@
                 <a:cs typeface="Source Code Pro"/>
                 <a:sym typeface="Source Code Pro"/>
               </a:rPr>
-              <a:t>20xx</a:t>
+              <a:t>2024</a:t>
             </a:r>
-            <a:endParaRPr sz="1000">
+            <a:endParaRPr sz="1000" dirty="0">
               <a:solidFill>
                 <a:schemeClr val="dk1"/>
               </a:solidFill>
@@ -11187,64 +11129,6 @@
       </p:sp>
       <p:sp>
         <p:nvSpPr>
-          <p:cNvPr id="547" name="Google Shape;547;p46"/>
-          <p:cNvSpPr txBox="1"/>
-          <p:nvPr/>
-        </p:nvSpPr>
-        <p:spPr>
-          <a:xfrm>
-            <a:off x="536125" y="117311"/>
-            <a:ext cx="1999500" cy="180300"/>
-          </a:xfrm>
-          <a:prstGeom prst="rect">
-            <a:avLst/>
-          </a:prstGeom>
-          <a:noFill/>
-          <a:ln>
-            <a:noFill/>
-          </a:ln>
-        </p:spPr>
-        <p:txBody>
-          <a:bodyPr spcFirstLastPara="1" wrap="square" lIns="91425" tIns="91425" rIns="91425" bIns="91425" anchor="ctr" anchorCtr="0">
-            <a:noAutofit/>
-          </a:bodyPr>
-          <a:lstStyle/>
-          <a:p>
-            <a:pPr marL="0" lvl="0" indent="0" algn="l" rtl="0">
-              <a:spcBef>
-                <a:spcPts val="0"/>
-              </a:spcBef>
-              <a:spcAft>
-                <a:spcPts val="0"/>
-              </a:spcAft>
-              <a:buNone/>
-            </a:pPr>
-            <a:r>
-              <a:rPr lang="en" sz="1000">
-                <a:solidFill>
-                  <a:schemeClr val="dk1"/>
-                </a:solidFill>
-                <a:latin typeface="Source Code Pro"/>
-                <a:ea typeface="Source Code Pro"/>
-                <a:cs typeface="Source Code Pro"/>
-                <a:sym typeface="Source Code Pro"/>
-              </a:rPr>
-              <a:t>Pitch Deck</a:t>
-            </a:r>
-            <a:endParaRPr sz="1000">
-              <a:solidFill>
-                <a:schemeClr val="dk1"/>
-              </a:solidFill>
-              <a:latin typeface="Source Code Pro"/>
-              <a:ea typeface="Source Code Pro"/>
-              <a:cs typeface="Source Code Pro"/>
-              <a:sym typeface="Source Code Pro"/>
-            </a:endParaRPr>
-          </a:p>
-        </p:txBody>
-      </p:sp>
-      <p:sp>
-        <p:nvSpPr>
           <p:cNvPr id="548" name="Google Shape;548;p46"/>
           <p:cNvSpPr txBox="1"/>
           <p:nvPr/>
@@ -11278,7 +11162,7 @@
               <a:buNone/>
             </a:pPr>
             <a:r>
-              <a:rPr lang="en" sz="1000">
+              <a:rPr lang="en" sz="1000" dirty="0">
                 <a:solidFill>
                   <a:schemeClr val="dk1"/>
                 </a:solidFill>
@@ -11287,9 +11171,9 @@
                 <a:cs typeface="Source Code Pro"/>
                 <a:sym typeface="Source Code Pro"/>
               </a:rPr>
-              <a:t>20xx</a:t>
+              <a:t>2024</a:t>
             </a:r>
-            <a:endParaRPr sz="1000">
+            <a:endParaRPr sz="1000" dirty="0">
               <a:solidFill>
                 <a:schemeClr val="dk1"/>
               </a:solidFill>
@@ -11698,7 +11582,7 @@
             </a:pPr>
             <a:r>
               <a:rPr lang="en" dirty="0"/>
-              <a:t>Role</a:t>
+              <a:t>Roles</a:t>
             </a:r>
             <a:endParaRPr dirty="0"/>
           </a:p>
@@ -11785,10 +11669,10 @@
               <a:buNone/>
             </a:pPr>
             <a:r>
-              <a:rPr lang="en"/>
+              <a:rPr lang="en" dirty="0"/>
               <a:t>{04}</a:t>
             </a:r>
-            <a:endParaRPr>
+            <a:endParaRPr dirty="0">
               <a:solidFill>
                 <a:schemeClr val="accent2"/>
               </a:solidFill>
@@ -11832,7 +11716,7 @@
             </a:pPr>
             <a:r>
               <a:rPr lang="en" dirty="0"/>
-              <a:t>Productos</a:t>
+              <a:t>Demo Sitio Web</a:t>
             </a:r>
             <a:endParaRPr dirty="0"/>
           </a:p>
@@ -11920,7 +11804,7 @@
             </a:pPr>
             <a:r>
               <a:rPr lang="en" dirty="0"/>
-              <a:t>Demo</a:t>
+              <a:t>Fin</a:t>
             </a:r>
             <a:endParaRPr dirty="0"/>
           </a:p>
@@ -11977,94 +11861,6 @@
                 <a:schemeClr val="accent2"/>
               </a:solidFill>
             </a:endParaRPr>
-          </a:p>
-        </p:txBody>
-      </p:sp>
-      <p:sp>
-        <p:nvSpPr>
-          <p:cNvPr id="248" name="Google Shape;248;p29"/>
-          <p:cNvSpPr txBox="1">
-            <a:spLocks noGrp="1"/>
-          </p:cNvSpPr>
-          <p:nvPr>
-            <p:ph type="title" idx="15"/>
-          </p:nvPr>
-        </p:nvSpPr>
-        <p:spPr>
-          <a:xfrm>
-            <a:off x="4965997" y="3298125"/>
-            <a:ext cx="1298700" cy="609000"/>
-          </a:xfrm>
-          <a:prstGeom prst="rect">
-            <a:avLst/>
-          </a:prstGeom>
-        </p:spPr>
-        <p:txBody>
-          <a:bodyPr spcFirstLastPara="1" wrap="square" lIns="91425" tIns="91425" rIns="91425" bIns="91425" anchor="b" anchorCtr="0">
-            <a:noAutofit/>
-          </a:bodyPr>
-          <a:lstStyle/>
-          <a:p>
-            <a:pPr marL="0" lvl="0" indent="0" algn="l" rtl="0">
-              <a:spcBef>
-                <a:spcPts val="0"/>
-              </a:spcBef>
-              <a:spcAft>
-                <a:spcPts val="0"/>
-              </a:spcAft>
-              <a:buNone/>
-            </a:pPr>
-            <a:r>
-              <a:rPr lang="en"/>
-              <a:t>{06}</a:t>
-            </a:r>
-            <a:endParaRPr>
-              <a:solidFill>
-                <a:schemeClr val="accent2"/>
-              </a:solidFill>
-            </a:endParaRPr>
-          </a:p>
-        </p:txBody>
-      </p:sp>
-      <p:sp>
-        <p:nvSpPr>
-          <p:cNvPr id="249" name="Google Shape;249;p29"/>
-          <p:cNvSpPr txBox="1">
-            <a:spLocks noGrp="1"/>
-          </p:cNvSpPr>
-          <p:nvPr>
-            <p:ph type="ctrTitle" idx="16"/>
-          </p:nvPr>
-        </p:nvSpPr>
-        <p:spPr>
-          <a:xfrm>
-            <a:off x="4966007" y="3908750"/>
-            <a:ext cx="3065100" cy="404100"/>
-          </a:xfrm>
-          <a:prstGeom prst="rect">
-            <a:avLst/>
-          </a:prstGeom>
-        </p:spPr>
-        <p:txBody>
-          <a:bodyPr spcFirstLastPara="1" wrap="square" lIns="91425" tIns="91425" rIns="91425" bIns="91425" anchor="b" anchorCtr="0">
-            <a:noAutofit/>
-          </a:bodyPr>
-          <a:lstStyle/>
-          <a:p>
-            <a:pPr marL="0" lvl="0" indent="0" algn="l" rtl="0">
-              <a:spcBef>
-                <a:spcPts val="0"/>
-              </a:spcBef>
-              <a:spcAft>
-                <a:spcPts val="0"/>
-              </a:spcAft>
-              <a:buNone/>
-            </a:pPr>
-            <a:r>
-              <a:rPr lang="en" dirty="0"/>
-              <a:t>Fin</a:t>
-            </a:r>
-            <a:endParaRPr dirty="0"/>
           </a:p>
         </p:txBody>
       </p:sp>

--- a/Fase 2/Evidencias Proyecto/Presentacion Proyecto/Presentacion Sistema.pptx
+++ b/Fase 2/Evidencias Proyecto/Presentacion Proyecto/Presentacion Sistema.pptx
@@ -5,7 +5,7 @@
     <p:sldMasterId id="2147483672" r:id="rId1"/>
   </p:sldMasterIdLst>
   <p:notesMasterIdLst>
-    <p:notesMasterId r:id="rId13"/>
+    <p:notesMasterId r:id="rId14"/>
   </p:notesMasterIdLst>
   <p:sldIdLst>
     <p:sldId id="256" r:id="rId2"/>
@@ -16,42 +16,43 @@
     <p:sldId id="276" r:id="rId7"/>
     <p:sldId id="279" r:id="rId8"/>
     <p:sldId id="269" r:id="rId9"/>
-    <p:sldId id="280" r:id="rId10"/>
-    <p:sldId id="277" r:id="rId11"/>
-    <p:sldId id="275" r:id="rId12"/>
+    <p:sldId id="282" r:id="rId10"/>
+    <p:sldId id="280" r:id="rId11"/>
+    <p:sldId id="277" r:id="rId12"/>
+    <p:sldId id="275" r:id="rId13"/>
   </p:sldIdLst>
   <p:sldSz cx="9144000" cy="5143500" type="screen16x9"/>
   <p:notesSz cx="6858000" cy="9144000"/>
   <p:embeddedFontLst>
     <p:embeddedFont>
       <p:font typeface="Denk One" panose="020B0604020202020204" charset="0"/>
-      <p:regular r:id="rId14"/>
+      <p:regular r:id="rId15"/>
     </p:embeddedFont>
     <p:embeddedFont>
       <p:font typeface="Fira Sans Extra Condensed" panose="020B0503050000020004" pitchFamily="34" charset="0"/>
-      <p:regular r:id="rId15"/>
-      <p:bold r:id="rId16"/>
-      <p:italic r:id="rId17"/>
-      <p:boldItalic r:id="rId18"/>
+      <p:regular r:id="rId16"/>
+      <p:bold r:id="rId17"/>
+      <p:italic r:id="rId18"/>
+      <p:boldItalic r:id="rId19"/>
     </p:embeddedFont>
     <p:embeddedFont>
       <p:font typeface="Nunito Light" pitchFamily="2" charset="0"/>
-      <p:regular r:id="rId19"/>
-      <p:italic r:id="rId20"/>
+      <p:regular r:id="rId20"/>
+      <p:italic r:id="rId21"/>
     </p:embeddedFont>
     <p:embeddedFont>
       <p:font typeface="Quantico" panose="020B0604020202020204" charset="0"/>
-      <p:regular r:id="rId21"/>
-      <p:bold r:id="rId22"/>
-      <p:italic r:id="rId23"/>
-      <p:boldItalic r:id="rId24"/>
+      <p:regular r:id="rId22"/>
+      <p:bold r:id="rId23"/>
+      <p:italic r:id="rId24"/>
+      <p:boldItalic r:id="rId25"/>
     </p:embeddedFont>
     <p:embeddedFont>
       <p:font typeface="Source Code Pro" panose="020B0509030403020204" pitchFamily="49" charset="0"/>
-      <p:regular r:id="rId25"/>
-      <p:bold r:id="rId26"/>
-      <p:italic r:id="rId27"/>
-      <p:boldItalic r:id="rId28"/>
+      <p:regular r:id="rId26"/>
+      <p:bold r:id="rId27"/>
+      <p:italic r:id="rId28"/>
+      <p:boldItalic r:id="rId29"/>
     </p:embeddedFont>
   </p:embeddedFontLst>
   <p:defaultTextStyle>
@@ -935,6 +936,115 @@
     </p:spTree>
     <p:extLst>
       <p:ext uri="{BB962C8B-B14F-4D97-AF65-F5344CB8AC3E}">
+        <p14:creationId xmlns:p14="http://schemas.microsoft.com/office/powerpoint/2010/main" val="2461382997"/>
+      </p:ext>
+    </p:extLst>
+  </p:cSld>
+  <p:clrMapOvr>
+    <a:masterClrMapping/>
+  </p:clrMapOvr>
+</p:notes>
+</file>
+
+<file path=ppt/notesSlides/notesSlide11.xml><?xml version="1.0" encoding="utf-8"?>
+<p:notes xmlns:a="http://schemas.openxmlformats.org/drawingml/2006/main" xmlns:r="http://schemas.openxmlformats.org/officeDocument/2006/relationships" xmlns:p="http://schemas.openxmlformats.org/presentationml/2006/main" showMasterSp="0" showMasterPhAnim="0">
+  <p:cSld>
+    <p:spTree>
+      <p:nvGrpSpPr>
+        <p:cNvPr id="1" name="Shape 393"/>
+        <p:cNvGrpSpPr/>
+        <p:nvPr/>
+      </p:nvGrpSpPr>
+      <p:grpSpPr>
+        <a:xfrm>
+          <a:off x="0" y="0"/>
+          <a:ext cx="0" cy="0"/>
+          <a:chOff x="0" y="0"/>
+          <a:chExt cx="0" cy="0"/>
+        </a:xfrm>
+      </p:grpSpPr>
+      <p:sp>
+        <p:nvSpPr>
+          <p:cNvPr id="394" name="Google Shape;394;g210f7c66770_0_132:notes"/>
+          <p:cNvSpPr>
+            <a:spLocks noGrp="1" noRot="1" noChangeAspect="1"/>
+          </p:cNvSpPr>
+          <p:nvPr>
+            <p:ph type="sldImg" idx="2"/>
+          </p:nvPr>
+        </p:nvSpPr>
+        <p:spPr>
+          <a:xfrm>
+            <a:off x="381000" y="685800"/>
+            <a:ext cx="6096000" cy="3429000"/>
+          </a:xfrm>
+          <a:custGeom>
+            <a:avLst/>
+            <a:gdLst/>
+            <a:ahLst/>
+            <a:cxnLst/>
+            <a:rect l="l" t="t" r="r" b="b"/>
+            <a:pathLst>
+              <a:path w="120000" h="120000" extrusionOk="0">
+                <a:moveTo>
+                  <a:pt x="0" y="0"/>
+                </a:moveTo>
+                <a:lnTo>
+                  <a:pt x="120000" y="0"/>
+                </a:lnTo>
+                <a:lnTo>
+                  <a:pt x="120000" y="120000"/>
+                </a:lnTo>
+                <a:lnTo>
+                  <a:pt x="0" y="120000"/>
+                </a:lnTo>
+                <a:close/>
+              </a:path>
+            </a:pathLst>
+          </a:custGeom>
+        </p:spPr>
+      </p:sp>
+      <p:sp>
+        <p:nvSpPr>
+          <p:cNvPr id="395" name="Google Shape;395;g210f7c66770_0_132:notes"/>
+          <p:cNvSpPr txBox="1">
+            <a:spLocks noGrp="1"/>
+          </p:cNvSpPr>
+          <p:nvPr>
+            <p:ph type="body" idx="1"/>
+          </p:nvPr>
+        </p:nvSpPr>
+        <p:spPr>
+          <a:xfrm>
+            <a:off x="685800" y="4343400"/>
+            <a:ext cx="5486400" cy="4114800"/>
+          </a:xfrm>
+          <a:prstGeom prst="rect">
+            <a:avLst/>
+          </a:prstGeom>
+        </p:spPr>
+        <p:txBody>
+          <a:bodyPr spcFirstLastPara="1" wrap="square" lIns="91425" tIns="91425" rIns="91425" bIns="91425" anchor="t" anchorCtr="0">
+            <a:noAutofit/>
+          </a:bodyPr>
+          <a:lstStyle/>
+          <a:p>
+            <a:pPr marL="0" lvl="0" indent="0" algn="l" rtl="0">
+              <a:spcBef>
+                <a:spcPts val="0"/>
+              </a:spcBef>
+              <a:spcAft>
+                <a:spcPts val="0"/>
+              </a:spcAft>
+              <a:buNone/>
+            </a:pPr>
+            <a:endParaRPr/>
+          </a:p>
+        </p:txBody>
+      </p:sp>
+    </p:spTree>
+    <p:extLst>
+      <p:ext uri="{BB962C8B-B14F-4D97-AF65-F5344CB8AC3E}">
         <p14:creationId xmlns:p14="http://schemas.microsoft.com/office/powerpoint/2010/main" val="3900705686"/>
       </p:ext>
     </p:extLst>
@@ -945,7 +1055,7 @@
 </p:notes>
 </file>
 
-<file path=ppt/notesSlides/notesSlide11.xml><?xml version="1.0" encoding="utf-8"?>
+<file path=ppt/notesSlides/notesSlide12.xml><?xml version="1.0" encoding="utf-8"?>
 <p:notes xmlns:a="http://schemas.openxmlformats.org/drawingml/2006/main" xmlns:r="http://schemas.openxmlformats.org/officeDocument/2006/relationships" xmlns:p="http://schemas.openxmlformats.org/presentationml/2006/main" showMasterSp="0" showMasterPhAnim="0">
   <p:cSld>
     <p:spTree>
@@ -1797,7 +1907,13 @@
   <p:cSld>
     <p:spTree>
       <p:nvGrpSpPr>
-        <p:cNvPr id="1" name="Shape 393"/>
+        <p:cNvPr id="1" name="Shape 393">
+          <a:extLst>
+            <a:ext uri="{FF2B5EF4-FFF2-40B4-BE49-F238E27FC236}">
+              <a16:creationId xmlns:a16="http://schemas.microsoft.com/office/drawing/2014/main" id="{7174C30B-5E44-988C-4A64-D9A169A7767A}"/>
+            </a:ext>
+          </a:extLst>
+        </p:cNvPr>
         <p:cNvGrpSpPr/>
         <p:nvPr/>
       </p:nvGrpSpPr>
@@ -1811,7 +1927,13 @@
       </p:grpSpPr>
       <p:sp>
         <p:nvSpPr>
-          <p:cNvPr id="394" name="Google Shape;394;g210f7c66770_0_132:notes"/>
+          <p:cNvPr id="394" name="Google Shape;394;g210f7c66770_0_132:notes">
+            <a:extLst>
+              <a:ext uri="{FF2B5EF4-FFF2-40B4-BE49-F238E27FC236}">
+                <a16:creationId xmlns:a16="http://schemas.microsoft.com/office/drawing/2014/main" id="{5B33E2B0-CE61-4D1A-E2D7-A0F8A28BD6CB}"/>
+              </a:ext>
+            </a:extLst>
+          </p:cNvPr>
           <p:cNvSpPr>
             <a:spLocks noGrp="1" noRot="1" noChangeAspect="1"/>
           </p:cNvSpPr>
@@ -1852,7 +1974,13 @@
       </p:sp>
       <p:sp>
         <p:nvSpPr>
-          <p:cNvPr id="395" name="Google Shape;395;g210f7c66770_0_132:notes"/>
+          <p:cNvPr id="395" name="Google Shape;395;g210f7c66770_0_132:notes">
+            <a:extLst>
+              <a:ext uri="{FF2B5EF4-FFF2-40B4-BE49-F238E27FC236}">
+                <a16:creationId xmlns:a16="http://schemas.microsoft.com/office/drawing/2014/main" id="{5856B146-5B77-DBD0-D05D-12D8B2E8F33F}"/>
+              </a:ext>
+            </a:extLst>
+          </p:cNvPr>
           <p:cNvSpPr txBox="1">
             <a:spLocks noGrp="1"/>
           </p:cNvSpPr>
@@ -1891,7 +2019,7 @@
     </p:spTree>
     <p:extLst>
       <p:ext uri="{BB962C8B-B14F-4D97-AF65-F5344CB8AC3E}">
-        <p14:creationId xmlns:p14="http://schemas.microsoft.com/office/powerpoint/2010/main" val="2461382997"/>
+        <p14:creationId xmlns:p14="http://schemas.microsoft.com/office/powerpoint/2010/main" val="404435523"/>
       </p:ext>
     </p:extLst>
   </p:cSld>
@@ -10911,6 +11039,176 @@
                   <a:schemeClr val="accent2"/>
                 </a:solidFill>
               </a:rPr>
+              <a:t>&lt;/ Demo </a:t>
+            </a:r>
+            <a:r>
+              <a:rPr lang="en" dirty="0"/>
+              <a:t>Carrito </a:t>
+            </a:r>
+            <a:endParaRPr dirty="0"/>
+          </a:p>
+        </p:txBody>
+      </p:sp>
+      <p:pic>
+        <p:nvPicPr>
+          <p:cNvPr id="3" name="Imagen 2">
+            <a:extLst>
+              <a:ext uri="{FF2B5EF4-FFF2-40B4-BE49-F238E27FC236}">
+                <a16:creationId xmlns:a16="http://schemas.microsoft.com/office/drawing/2014/main" id="{25CE0355-779F-6921-E3FB-2A5BA6F5AC21}"/>
+              </a:ext>
+            </a:extLst>
+          </p:cNvPr>
+          <p:cNvPicPr>
+            <a:picLocks noChangeAspect="1"/>
+          </p:cNvPicPr>
+          <p:nvPr/>
+        </p:nvPicPr>
+        <p:blipFill>
+          <a:blip r:embed="rId3"/>
+          <a:stretch>
+            <a:fillRect/>
+          </a:stretch>
+        </p:blipFill>
+        <p:spPr>
+          <a:xfrm>
+            <a:off x="513638" y="1105497"/>
+            <a:ext cx="3214992" cy="1170978"/>
+          </a:xfrm>
+          <a:prstGeom prst="rect">
+            <a:avLst/>
+          </a:prstGeom>
+        </p:spPr>
+      </p:pic>
+      <p:pic>
+        <p:nvPicPr>
+          <p:cNvPr id="5" name="Imagen 4">
+            <a:extLst>
+              <a:ext uri="{FF2B5EF4-FFF2-40B4-BE49-F238E27FC236}">
+                <a16:creationId xmlns:a16="http://schemas.microsoft.com/office/drawing/2014/main" id="{44DFA87E-1D03-5878-0486-E65535551BD3}"/>
+              </a:ext>
+            </a:extLst>
+          </p:cNvPr>
+          <p:cNvPicPr>
+            <a:picLocks noChangeAspect="1"/>
+          </p:cNvPicPr>
+          <p:nvPr/>
+        </p:nvPicPr>
+        <p:blipFill>
+          <a:blip r:embed="rId4"/>
+          <a:stretch>
+            <a:fillRect/>
+          </a:stretch>
+        </p:blipFill>
+        <p:spPr>
+          <a:xfrm>
+            <a:off x="635539" y="2416107"/>
+            <a:ext cx="2393805" cy="1508512"/>
+          </a:xfrm>
+          <a:prstGeom prst="rect">
+            <a:avLst/>
+          </a:prstGeom>
+        </p:spPr>
+      </p:pic>
+      <p:pic>
+        <p:nvPicPr>
+          <p:cNvPr id="7" name="Imagen 6">
+            <a:extLst>
+              <a:ext uri="{FF2B5EF4-FFF2-40B4-BE49-F238E27FC236}">
+                <a16:creationId xmlns:a16="http://schemas.microsoft.com/office/drawing/2014/main" id="{F5AEFC10-4A07-1438-83B3-DC5A77D98283}"/>
+              </a:ext>
+            </a:extLst>
+          </p:cNvPr>
+          <p:cNvPicPr>
+            <a:picLocks noChangeAspect="1"/>
+          </p:cNvPicPr>
+          <p:nvPr/>
+        </p:nvPicPr>
+        <p:blipFill>
+          <a:blip r:embed="rId5"/>
+          <a:stretch>
+            <a:fillRect/>
+          </a:stretch>
+        </p:blipFill>
+        <p:spPr>
+          <a:xfrm>
+            <a:off x="3800272" y="1078714"/>
+            <a:ext cx="3972818" cy="2986071"/>
+          </a:xfrm>
+          <a:prstGeom prst="rect">
+            <a:avLst/>
+          </a:prstGeom>
+        </p:spPr>
+      </p:pic>
+    </p:spTree>
+    <p:extLst>
+      <p:ext uri="{BB962C8B-B14F-4D97-AF65-F5344CB8AC3E}">
+        <p14:creationId xmlns:p14="http://schemas.microsoft.com/office/powerpoint/2010/main" val="804380435"/>
+      </p:ext>
+    </p:extLst>
+  </p:cSld>
+  <p:clrMapOvr>
+    <a:masterClrMapping/>
+  </p:clrMapOvr>
+</p:sld>
+</file>
+
+<file path=ppt/slides/slide11.xml><?xml version="1.0" encoding="utf-8"?>
+<p:sld xmlns:a="http://schemas.openxmlformats.org/drawingml/2006/main" xmlns:r="http://schemas.openxmlformats.org/officeDocument/2006/relationships" xmlns:p="http://schemas.openxmlformats.org/presentationml/2006/main">
+  <p:cSld>
+    <p:spTree>
+      <p:nvGrpSpPr>
+        <p:cNvPr id="1" name="Shape 396"/>
+        <p:cNvGrpSpPr/>
+        <p:nvPr/>
+      </p:nvGrpSpPr>
+      <p:grpSpPr>
+        <a:xfrm>
+          <a:off x="0" y="0"/>
+          <a:ext cx="0" cy="0"/>
+          <a:chOff x="0" y="0"/>
+          <a:chExt cx="0" cy="0"/>
+        </a:xfrm>
+      </p:grpSpPr>
+      <p:sp>
+        <p:nvSpPr>
+          <p:cNvPr id="424" name="Google Shape;424;p40"/>
+          <p:cNvSpPr txBox="1">
+            <a:spLocks noGrp="1"/>
+          </p:cNvSpPr>
+          <p:nvPr>
+            <p:ph type="title"/>
+          </p:nvPr>
+        </p:nvSpPr>
+        <p:spPr>
+          <a:xfrm>
+            <a:off x="719988" y="459128"/>
+            <a:ext cx="7704000" cy="572700"/>
+          </a:xfrm>
+          <a:prstGeom prst="rect">
+            <a:avLst/>
+          </a:prstGeom>
+        </p:spPr>
+        <p:txBody>
+          <a:bodyPr spcFirstLastPara="1" wrap="square" lIns="91425" tIns="91425" rIns="91425" bIns="91425" anchor="t" anchorCtr="0">
+            <a:noAutofit/>
+          </a:bodyPr>
+          <a:lstStyle/>
+          <a:p>
+            <a:pPr marL="0" lvl="0" indent="0" algn="l" rtl="0">
+              <a:spcBef>
+                <a:spcPts val="0"/>
+              </a:spcBef>
+              <a:spcAft>
+                <a:spcPts val="0"/>
+              </a:spcAft>
+              <a:buNone/>
+            </a:pPr>
+            <a:r>
+              <a:rPr lang="en" dirty="0">
+                <a:solidFill>
+                  <a:schemeClr val="accent2"/>
+                </a:solidFill>
+              </a:rPr>
               <a:t>&lt;/ </a:t>
             </a:r>
             <a:r>
@@ -10918,6 +11216,118 @@
               <a:t>Demo</a:t>
             </a:r>
             <a:endParaRPr dirty="0"/>
+          </a:p>
+        </p:txBody>
+      </p:sp>
+      <p:pic>
+        <p:nvPicPr>
+          <p:cNvPr id="9" name="Imagen 8">
+            <a:extLst>
+              <a:ext uri="{FF2B5EF4-FFF2-40B4-BE49-F238E27FC236}">
+                <a16:creationId xmlns:a16="http://schemas.microsoft.com/office/drawing/2014/main" id="{B323E7C5-536F-1023-8107-99D474B2A0C6}"/>
+              </a:ext>
+            </a:extLst>
+          </p:cNvPr>
+          <p:cNvPicPr>
+            <a:picLocks noChangeAspect="1"/>
+          </p:cNvPicPr>
+          <p:nvPr/>
+        </p:nvPicPr>
+        <p:blipFill>
+          <a:blip r:embed="rId3"/>
+          <a:stretch>
+            <a:fillRect/>
+          </a:stretch>
+        </p:blipFill>
+        <p:spPr>
+          <a:xfrm>
+            <a:off x="492855" y="1031828"/>
+            <a:ext cx="3683541" cy="3272108"/>
+          </a:xfrm>
+          <a:prstGeom prst="rect">
+            <a:avLst/>
+          </a:prstGeom>
+        </p:spPr>
+      </p:pic>
+      <p:pic>
+        <p:nvPicPr>
+          <p:cNvPr id="3" name="Imagen 2">
+            <a:extLst>
+              <a:ext uri="{FF2B5EF4-FFF2-40B4-BE49-F238E27FC236}">
+                <a16:creationId xmlns:a16="http://schemas.microsoft.com/office/drawing/2014/main" id="{5DC04798-AB59-EBE6-5BC4-80B3BE7E3088}"/>
+              </a:ext>
+            </a:extLst>
+          </p:cNvPr>
+          <p:cNvPicPr>
+            <a:picLocks noChangeAspect="1"/>
+          </p:cNvPicPr>
+          <p:nvPr/>
+        </p:nvPicPr>
+        <p:blipFill>
+          <a:blip r:embed="rId4"/>
+          <a:stretch>
+            <a:fillRect/>
+          </a:stretch>
+        </p:blipFill>
+        <p:spPr>
+          <a:xfrm>
+            <a:off x="4261635" y="1859877"/>
+            <a:ext cx="4337615" cy="1732741"/>
+          </a:xfrm>
+          <a:prstGeom prst="rect">
+            <a:avLst/>
+          </a:prstGeom>
+        </p:spPr>
+      </p:pic>
+      <p:sp>
+        <p:nvSpPr>
+          <p:cNvPr id="4" name="Rectángulo 3">
+            <a:extLst>
+              <a:ext uri="{FF2B5EF4-FFF2-40B4-BE49-F238E27FC236}">
+                <a16:creationId xmlns:a16="http://schemas.microsoft.com/office/drawing/2014/main" id="{2EC8409A-0E14-6A59-428B-C027E6408CC8}"/>
+              </a:ext>
+            </a:extLst>
+          </p:cNvPr>
+          <p:cNvSpPr/>
+          <p:nvPr/>
+        </p:nvSpPr>
+        <p:spPr>
+          <a:xfrm>
+            <a:off x="1416982" y="1785298"/>
+            <a:ext cx="1835285" cy="653102"/>
+          </a:xfrm>
+          <a:prstGeom prst="rect">
+            <a:avLst/>
+          </a:prstGeom>
+          <a:noFill/>
+          <a:ln>
+            <a:solidFill>
+              <a:srgbClr val="FF0000"/>
+            </a:solidFill>
+          </a:ln>
+        </p:spPr>
+        <p:style>
+          <a:lnRef idx="2">
+            <a:schemeClr val="accent1">
+              <a:shade val="15000"/>
+            </a:schemeClr>
+          </a:lnRef>
+          <a:fillRef idx="1">
+            <a:schemeClr val="accent1"/>
+          </a:fillRef>
+          <a:effectRef idx="0">
+            <a:schemeClr val="accent1"/>
+          </a:effectRef>
+          <a:fontRef idx="minor">
+            <a:schemeClr val="lt1"/>
+          </a:fontRef>
+        </p:style>
+        <p:txBody>
+          <a:bodyPr rtlCol="0" anchor="ctr"/>
+          <a:lstStyle/>
+          <a:p>
+            <a:pPr algn="ctr"/>
+            <a:endParaRPr lang="es-MX"/>
           </a:p>
         </p:txBody>
       </p:sp>
@@ -10934,7 +11344,7 @@
 </p:sld>
 </file>
 
-<file path=ppt/slides/slide11.xml><?xml version="1.0" encoding="utf-8"?>
+<file path=ppt/slides/slide12.xml><?xml version="1.0" encoding="utf-8"?>
 <p:sld xmlns:a="http://schemas.openxmlformats.org/drawingml/2006/main" xmlns:r="http://schemas.openxmlformats.org/officeDocument/2006/relationships" xmlns:p="http://schemas.openxmlformats.org/presentationml/2006/main">
   <p:cSld>
     <p:spTree>
@@ -14374,6 +14784,36 @@
           </a:p>
         </p:txBody>
       </p:sp>
+      <p:pic>
+        <p:nvPicPr>
+          <p:cNvPr id="3" name="Imagen 2">
+            <a:extLst>
+              <a:ext uri="{FF2B5EF4-FFF2-40B4-BE49-F238E27FC236}">
+                <a16:creationId xmlns:a16="http://schemas.microsoft.com/office/drawing/2014/main" id="{642510EC-8BB5-F336-1C5D-2C89A8EA4CB8}"/>
+              </a:ext>
+            </a:extLst>
+          </p:cNvPr>
+          <p:cNvPicPr>
+            <a:picLocks noChangeAspect="1"/>
+          </p:cNvPicPr>
+          <p:nvPr/>
+        </p:nvPicPr>
+        <p:blipFill>
+          <a:blip r:embed="rId3"/>
+          <a:stretch>
+            <a:fillRect/>
+          </a:stretch>
+        </p:blipFill>
+        <p:spPr>
+          <a:xfrm>
+            <a:off x="1299441" y="1095983"/>
+            <a:ext cx="6545094" cy="3152883"/>
+          </a:xfrm>
+          <a:prstGeom prst="rect">
+            <a:avLst/>
+          </a:prstGeom>
+        </p:spPr>
+      </p:pic>
     </p:spTree>
     <p:extLst>
       <p:ext uri="{BB962C8B-B14F-4D97-AF65-F5344CB8AC3E}">
@@ -14454,6 +14894,66 @@
           </a:p>
         </p:txBody>
       </p:sp>
+      <p:pic>
+        <p:nvPicPr>
+          <p:cNvPr id="3" name="Imagen 2">
+            <a:extLst>
+              <a:ext uri="{FF2B5EF4-FFF2-40B4-BE49-F238E27FC236}">
+                <a16:creationId xmlns:a16="http://schemas.microsoft.com/office/drawing/2014/main" id="{A96BA06C-8328-D683-AF8C-26EAAF7EC5FB}"/>
+              </a:ext>
+            </a:extLst>
+          </p:cNvPr>
+          <p:cNvPicPr>
+            <a:picLocks noChangeAspect="1"/>
+          </p:cNvPicPr>
+          <p:nvPr/>
+        </p:nvPicPr>
+        <p:blipFill>
+          <a:blip r:embed="rId3"/>
+          <a:stretch>
+            <a:fillRect/>
+          </a:stretch>
+        </p:blipFill>
+        <p:spPr>
+          <a:xfrm>
+            <a:off x="5304687" y="1031828"/>
+            <a:ext cx="2009790" cy="3294935"/>
+          </a:xfrm>
+          <a:prstGeom prst="rect">
+            <a:avLst/>
+          </a:prstGeom>
+        </p:spPr>
+      </p:pic>
+      <p:pic>
+        <p:nvPicPr>
+          <p:cNvPr id="5" name="Imagen 4">
+            <a:extLst>
+              <a:ext uri="{FF2B5EF4-FFF2-40B4-BE49-F238E27FC236}">
+                <a16:creationId xmlns:a16="http://schemas.microsoft.com/office/drawing/2014/main" id="{B9F1822F-75BD-E58B-DEBA-C102205B4334}"/>
+              </a:ext>
+            </a:extLst>
+          </p:cNvPr>
+          <p:cNvPicPr>
+            <a:picLocks noChangeAspect="1"/>
+          </p:cNvPicPr>
+          <p:nvPr/>
+        </p:nvPicPr>
+        <p:blipFill>
+          <a:blip r:embed="rId4"/>
+          <a:stretch>
+            <a:fillRect/>
+          </a:stretch>
+        </p:blipFill>
+        <p:spPr>
+          <a:xfrm>
+            <a:off x="1996722" y="1556426"/>
+            <a:ext cx="2334128" cy="2509553"/>
+          </a:xfrm>
+          <a:prstGeom prst="rect">
+            <a:avLst/>
+          </a:prstGeom>
+        </p:spPr>
+      </p:pic>
     </p:spTree>
     <p:extLst>
       <p:ext uri="{BB962C8B-B14F-4D97-AF65-F5344CB8AC3E}">
@@ -14492,7 +14992,7 @@
         </p:nvGrpSpPr>
         <p:grpSpPr>
           <a:xfrm>
-            <a:off x="3125360" y="2463091"/>
+            <a:off x="2741647" y="2216185"/>
             <a:ext cx="399435" cy="365698"/>
             <a:chOff x="1731523" y="2422616"/>
             <a:chExt cx="399435" cy="365698"/>
@@ -15360,7 +15860,7 @@
         </p:nvGrpSpPr>
         <p:grpSpPr>
           <a:xfrm>
-            <a:off x="3125361" y="1341120"/>
+            <a:off x="2777103" y="1687308"/>
             <a:ext cx="348257" cy="346188"/>
             <a:chOff x="3541011" y="3367320"/>
             <a:chExt cx="348257" cy="346188"/>
@@ -16001,7 +16501,7 @@
         </p:nvGrpSpPr>
         <p:grpSpPr>
           <a:xfrm>
-            <a:off x="3141082" y="3604572"/>
+            <a:off x="2757019" y="2864575"/>
             <a:ext cx="367990" cy="351312"/>
             <a:chOff x="1299146" y="3806507"/>
             <a:chExt cx="367990" cy="351312"/>
@@ -16582,8 +17082,8 @@
         </p:nvSpPr>
         <p:spPr>
           <a:xfrm>
-            <a:off x="723900" y="1255650"/>
-            <a:ext cx="2193000" cy="419700"/>
+            <a:off x="719988" y="1709587"/>
+            <a:ext cx="2193000" cy="1775376"/>
           </a:xfrm>
           <a:prstGeom prst="rect">
             <a:avLst/>
@@ -16599,14 +17099,15 @@
           </a:bodyPr>
           <a:lstStyle/>
           <a:p>
-            <a:pPr marL="0" lvl="0" indent="0" algn="l" rtl="0">
-              <a:spcBef>
-                <a:spcPts val="0"/>
-              </a:spcBef>
-              <a:spcAft>
-                <a:spcPts val="0"/>
-              </a:spcAft>
-              <a:buNone/>
+            <a:pPr marL="285750" lvl="0" indent="-285750" algn="l" rtl="0">
+              <a:spcBef>
+                <a:spcPts val="0"/>
+              </a:spcBef>
+              <a:spcAft>
+                <a:spcPts val="0"/>
+              </a:spcAft>
+              <a:buFont typeface="Arial" panose="020B0604020202020204" pitchFamily="34" charset="0"/>
+              <a:buChar char="•"/>
             </a:pPr>
             <a:r>
               <a:rPr lang="en" sz="1800" dirty="0">
@@ -16620,51 +17121,41 @@
               </a:rPr>
               <a:t>Titulo</a:t>
             </a:r>
-            <a:endParaRPr sz="1800" dirty="0">
-              <a:solidFill>
-                <a:schemeClr val="dk1"/>
-              </a:solidFill>
-              <a:latin typeface="Quantico"/>
-              <a:ea typeface="Quantico"/>
-              <a:cs typeface="Quantico"/>
-              <a:sym typeface="Quantico"/>
-            </a:endParaRPr>
           </a:p>
-        </p:txBody>
-      </p:sp>
-      <p:sp>
-        <p:nvSpPr>
-          <p:cNvPr id="426" name="Google Shape;426;p40"/>
-          <p:cNvSpPr txBox="1"/>
-          <p:nvPr/>
-        </p:nvSpPr>
-        <p:spPr>
-          <a:xfrm>
-            <a:off x="723900" y="2397102"/>
-            <a:ext cx="2193000" cy="419700"/>
-          </a:xfrm>
-          <a:prstGeom prst="rect">
-            <a:avLst/>
-          </a:prstGeom>
-          <a:noFill/>
-          <a:ln>
-            <a:noFill/>
-          </a:ln>
-        </p:spPr>
-        <p:txBody>
-          <a:bodyPr spcFirstLastPara="1" wrap="square" lIns="91425" tIns="91425" rIns="91425" bIns="91425" anchor="b" anchorCtr="0">
-            <a:noAutofit/>
-          </a:bodyPr>
-          <a:lstStyle/>
           <a:p>
-            <a:pPr marL="0" lvl="0" indent="0" algn="l" rtl="0">
-              <a:spcBef>
-                <a:spcPts val="0"/>
-              </a:spcBef>
-              <a:spcAft>
-                <a:spcPts val="0"/>
-              </a:spcAft>
-              <a:buNone/>
+            <a:pPr marL="285750" lvl="0" indent="-285750" algn="l" rtl="0">
+              <a:spcBef>
+                <a:spcPts val="0"/>
+              </a:spcBef>
+              <a:spcAft>
+                <a:spcPts val="0"/>
+              </a:spcAft>
+              <a:buFont typeface="Arial" panose="020B0604020202020204" pitchFamily="34" charset="0"/>
+              <a:buChar char="•"/>
+            </a:pPr>
+            <a:r>
+              <a:rPr lang="en" sz="1800" dirty="0">
+                <a:solidFill>
+                  <a:schemeClr val="dk1"/>
+                </a:solidFill>
+                <a:latin typeface="Quantico"/>
+                <a:ea typeface="Quantico"/>
+                <a:cs typeface="Quantico"/>
+                <a:sym typeface="Quantico"/>
+              </a:rPr>
+              <a:t>Url Pago</a:t>
+            </a:r>
+          </a:p>
+          <a:p>
+            <a:pPr marL="285750" lvl="0" indent="-285750" algn="l" rtl="0">
+              <a:spcBef>
+                <a:spcPts val="0"/>
+              </a:spcBef>
+              <a:spcAft>
+                <a:spcPts val="0"/>
+              </a:spcAft>
+              <a:buFont typeface="Arial" panose="020B0604020202020204" pitchFamily="34" charset="0"/>
+              <a:buChar char="•"/>
             </a:pPr>
             <a:r>
               <a:rPr lang="en" sz="1800" dirty="0">
@@ -16678,51 +17169,17 @@
               </a:rPr>
               <a:t>Precio</a:t>
             </a:r>
-            <a:endParaRPr sz="1800" dirty="0">
-              <a:solidFill>
-                <a:schemeClr val="dk1"/>
-              </a:solidFill>
-              <a:latin typeface="Quantico"/>
-              <a:ea typeface="Quantico"/>
-              <a:cs typeface="Quantico"/>
-              <a:sym typeface="Quantico"/>
-            </a:endParaRPr>
           </a:p>
-        </p:txBody>
-      </p:sp>
-      <p:sp>
-        <p:nvSpPr>
-          <p:cNvPr id="428" name="Google Shape;428;p40"/>
-          <p:cNvSpPr txBox="1"/>
-          <p:nvPr/>
-        </p:nvSpPr>
-        <p:spPr>
-          <a:xfrm>
-            <a:off x="609980" y="3536184"/>
-            <a:ext cx="1383760" cy="419700"/>
-          </a:xfrm>
-          <a:prstGeom prst="rect">
-            <a:avLst/>
-          </a:prstGeom>
-          <a:noFill/>
-          <a:ln>
-            <a:noFill/>
-          </a:ln>
-        </p:spPr>
-        <p:txBody>
-          <a:bodyPr spcFirstLastPara="1" wrap="square" lIns="91425" tIns="91425" rIns="91425" bIns="91425" anchor="b" anchorCtr="0">
-            <a:noAutofit/>
-          </a:bodyPr>
-          <a:lstStyle/>
           <a:p>
-            <a:pPr marL="0" lvl="0" indent="0" algn="r" rtl="0">
-              <a:spcBef>
-                <a:spcPts val="0"/>
-              </a:spcBef>
-              <a:spcAft>
-                <a:spcPts val="0"/>
-              </a:spcAft>
-              <a:buNone/>
+            <a:pPr marL="285750" lvl="0" indent="-285750" algn="l" rtl="0">
+              <a:spcBef>
+                <a:spcPts val="0"/>
+              </a:spcBef>
+              <a:spcAft>
+                <a:spcPts val="0"/>
+              </a:spcAft>
+              <a:buFont typeface="Arial" panose="020B0604020202020204" pitchFamily="34" charset="0"/>
+              <a:buChar char="•"/>
             </a:pPr>
             <a:r>
               <a:rPr lang="en" sz="1800" dirty="0">
@@ -16734,7 +17191,55 @@
                 <a:cs typeface="Quantico"/>
                 <a:sym typeface="Quantico"/>
               </a:rPr>
-              <a:t>Pago Flow</a:t>
+              <a:t>Descripcion</a:t>
+            </a:r>
+          </a:p>
+          <a:p>
+            <a:pPr marL="285750" lvl="0" indent="-285750" algn="l" rtl="0">
+              <a:spcBef>
+                <a:spcPts val="0"/>
+              </a:spcBef>
+              <a:spcAft>
+                <a:spcPts val="0"/>
+              </a:spcAft>
+              <a:buFont typeface="Arial" panose="020B0604020202020204" pitchFamily="34" charset="0"/>
+              <a:buChar char="•"/>
+            </a:pPr>
+            <a:r>
+              <a:rPr lang="en" sz="1800" dirty="0">
+                <a:solidFill>
+                  <a:schemeClr val="dk1"/>
+                </a:solidFill>
+                <a:latin typeface="Quantico"/>
+                <a:ea typeface="Quantico"/>
+                <a:cs typeface="Quantico"/>
+                <a:sym typeface="Quantico"/>
+              </a:rPr>
+              <a:t>Categoria</a:t>
+            </a:r>
+          </a:p>
+          <a:p>
+            <a:pPr marL="285750" lvl="0" indent="-285750" algn="l" rtl="0">
+              <a:spcBef>
+                <a:spcPts val="0"/>
+              </a:spcBef>
+              <a:spcAft>
+                <a:spcPts val="0"/>
+              </a:spcAft>
+              <a:buFont typeface="Arial" panose="020B0604020202020204" pitchFamily="34" charset="0"/>
+              <a:buChar char="•"/>
+            </a:pPr>
+            <a:r>
+              <a:rPr lang="en" sz="1800" dirty="0">
+                <a:solidFill>
+                  <a:schemeClr val="dk1"/>
+                </a:solidFill>
+                <a:latin typeface="Quantico"/>
+                <a:ea typeface="Quantico"/>
+                <a:cs typeface="Quantico"/>
+                <a:sym typeface="Quantico"/>
+              </a:rPr>
+              <a:t>Imagen</a:t>
             </a:r>
             <a:endParaRPr sz="1800" dirty="0">
               <a:solidFill>
@@ -16748,61 +17253,115 @@
           </a:p>
         </p:txBody>
       </p:sp>
+      <p:pic>
+        <p:nvPicPr>
+          <p:cNvPr id="9" name="Imagen 8">
+            <a:extLst>
+              <a:ext uri="{FF2B5EF4-FFF2-40B4-BE49-F238E27FC236}">
+                <a16:creationId xmlns:a16="http://schemas.microsoft.com/office/drawing/2014/main" id="{94F0F5A7-E036-139A-E8C1-48F85C838512}"/>
+              </a:ext>
+            </a:extLst>
+          </p:cNvPr>
+          <p:cNvPicPr>
+            <a:picLocks noChangeAspect="1"/>
+          </p:cNvPicPr>
+          <p:nvPr/>
+        </p:nvPicPr>
+        <p:blipFill>
+          <a:blip r:embed="rId3"/>
+          <a:stretch>
+            <a:fillRect/>
+          </a:stretch>
+        </p:blipFill>
+        <p:spPr>
+          <a:xfrm>
+            <a:off x="4169112" y="2463091"/>
+            <a:ext cx="4250988" cy="2043744"/>
+          </a:xfrm>
+          <a:prstGeom prst="rect">
+            <a:avLst/>
+          </a:prstGeom>
+        </p:spPr>
+      </p:pic>
+      <p:pic>
+        <p:nvPicPr>
+          <p:cNvPr id="10" name="Imagen 9">
+            <a:extLst>
+              <a:ext uri="{FF2B5EF4-FFF2-40B4-BE49-F238E27FC236}">
+                <a16:creationId xmlns:a16="http://schemas.microsoft.com/office/drawing/2014/main" id="{0A3D2ED5-371B-3FAC-BFB3-B6D64FB2B319}"/>
+              </a:ext>
+            </a:extLst>
+          </p:cNvPr>
+          <p:cNvPicPr>
+            <a:picLocks noChangeAspect="1"/>
+          </p:cNvPicPr>
+          <p:nvPr/>
+        </p:nvPicPr>
+        <p:blipFill>
+          <a:blip r:embed="rId4"/>
+          <a:stretch>
+            <a:fillRect/>
+          </a:stretch>
+        </p:blipFill>
+        <p:spPr>
+          <a:xfrm>
+            <a:off x="4831405" y="576994"/>
+            <a:ext cx="3071433" cy="1820108"/>
+          </a:xfrm>
+          <a:prstGeom prst="rect">
+            <a:avLst/>
+          </a:prstGeom>
+        </p:spPr>
+      </p:pic>
       <p:sp>
         <p:nvSpPr>
-          <p:cNvPr id="429" name="Google Shape;429;p40"/>
-          <p:cNvSpPr txBox="1"/>
+          <p:cNvPr id="11" name="Rectángulo 10">
+            <a:extLst>
+              <a:ext uri="{FF2B5EF4-FFF2-40B4-BE49-F238E27FC236}">
+                <a16:creationId xmlns:a16="http://schemas.microsoft.com/office/drawing/2014/main" id="{057981E1-8BA3-0365-268C-3CD82B116169}"/>
+              </a:ext>
+            </a:extLst>
+          </p:cNvPr>
+          <p:cNvSpPr/>
           <p:nvPr/>
         </p:nvSpPr>
         <p:spPr>
           <a:xfrm>
-            <a:off x="719988" y="1648714"/>
-            <a:ext cx="2193000" cy="419700"/>
+            <a:off x="5051899" y="576994"/>
+            <a:ext cx="1147864" cy="1354017"/>
           </a:xfrm>
           <a:prstGeom prst="rect">
             <a:avLst/>
           </a:prstGeom>
           <a:noFill/>
           <a:ln>
-            <a:noFill/>
+            <a:solidFill>
+              <a:srgbClr val="FF0000"/>
+            </a:solidFill>
           </a:ln>
         </p:spPr>
+        <p:style>
+          <a:lnRef idx="2">
+            <a:schemeClr val="accent1">
+              <a:shade val="15000"/>
+            </a:schemeClr>
+          </a:lnRef>
+          <a:fillRef idx="1">
+            <a:schemeClr val="accent1"/>
+          </a:fillRef>
+          <a:effectRef idx="0">
+            <a:schemeClr val="accent1"/>
+          </a:effectRef>
+          <a:fontRef idx="minor">
+            <a:schemeClr val="lt1"/>
+          </a:fontRef>
+        </p:style>
         <p:txBody>
-          <a:bodyPr spcFirstLastPara="1" wrap="square" lIns="91425" tIns="91425" rIns="91425" bIns="91425" anchor="b" anchorCtr="0">
-            <a:noAutofit/>
-          </a:bodyPr>
+          <a:bodyPr rtlCol="0" anchor="ctr"/>
           <a:lstStyle/>
           <a:p>
-            <a:pPr marL="0" lvl="0" indent="0" rtl="0">
-              <a:spcBef>
-                <a:spcPts val="0"/>
-              </a:spcBef>
-              <a:spcAft>
-                <a:spcPts val="0"/>
-              </a:spcAft>
-              <a:buNone/>
-            </a:pPr>
-            <a:r>
-              <a:rPr lang="en" sz="1800" dirty="0">
-                <a:solidFill>
-                  <a:schemeClr val="dk1"/>
-                </a:solidFill>
-                <a:latin typeface="Quantico"/>
-                <a:ea typeface="Quantico"/>
-                <a:cs typeface="Quantico"/>
-                <a:sym typeface="Quantico"/>
-              </a:rPr>
-              <a:t>Descripcion</a:t>
-            </a:r>
-            <a:endParaRPr sz="1800" dirty="0">
-              <a:solidFill>
-                <a:schemeClr val="dk1"/>
-              </a:solidFill>
-              <a:latin typeface="Quantico"/>
-              <a:ea typeface="Quantico"/>
-              <a:cs typeface="Quantico"/>
-              <a:sym typeface="Quantico"/>
-            </a:endParaRPr>
+            <a:pPr algn="ctr"/>
+            <a:endParaRPr lang="es-MX"/>
           </a:p>
         </p:txBody>
       </p:sp>
@@ -16819,7 +17378,13 @@
   <p:cSld>
     <p:spTree>
       <p:nvGrpSpPr>
-        <p:cNvPr id="1" name="Shape 396"/>
+        <p:cNvPr id="1" name="Shape 396">
+          <a:extLst>
+            <a:ext uri="{FF2B5EF4-FFF2-40B4-BE49-F238E27FC236}">
+              <a16:creationId xmlns:a16="http://schemas.microsoft.com/office/drawing/2014/main" id="{E0295153-E0AA-B865-CFA6-3A699E847EAF}"/>
+            </a:ext>
+          </a:extLst>
+        </p:cNvPr>
         <p:cNvGrpSpPr/>
         <p:nvPr/>
       </p:nvGrpSpPr>
@@ -16833,7 +17398,13 @@
       </p:grpSpPr>
       <p:sp>
         <p:nvSpPr>
-          <p:cNvPr id="424" name="Google Shape;424;p40"/>
+          <p:cNvPr id="424" name="Google Shape;424;p40">
+            <a:extLst>
+              <a:ext uri="{FF2B5EF4-FFF2-40B4-BE49-F238E27FC236}">
+                <a16:creationId xmlns:a16="http://schemas.microsoft.com/office/drawing/2014/main" id="{A64FC271-2240-21D0-A80F-47460EDE0909}"/>
+              </a:ext>
+            </a:extLst>
+          </p:cNvPr>
           <p:cNvSpPr txBox="1">
             <a:spLocks noGrp="1"/>
           </p:cNvSpPr>
@@ -16875,16 +17446,180 @@
             </a:r>
             <a:r>
               <a:rPr lang="en" dirty="0"/>
-              <a:t>Carrito </a:t>
+              <a:t>Flow</a:t>
             </a:r>
             <a:endParaRPr dirty="0"/>
+          </a:p>
+        </p:txBody>
+      </p:sp>
+      <p:pic>
+        <p:nvPicPr>
+          <p:cNvPr id="3" name="Imagen 2">
+            <a:extLst>
+              <a:ext uri="{FF2B5EF4-FFF2-40B4-BE49-F238E27FC236}">
+                <a16:creationId xmlns:a16="http://schemas.microsoft.com/office/drawing/2014/main" id="{8FE9418C-1E75-DDAF-ADA0-AADA61F69A21}"/>
+              </a:ext>
+            </a:extLst>
+          </p:cNvPr>
+          <p:cNvPicPr>
+            <a:picLocks noChangeAspect="1"/>
+          </p:cNvPicPr>
+          <p:nvPr/>
+        </p:nvPicPr>
+        <p:blipFill>
+          <a:blip r:embed="rId3"/>
+          <a:stretch>
+            <a:fillRect/>
+          </a:stretch>
+        </p:blipFill>
+        <p:spPr>
+          <a:xfrm>
+            <a:off x="561312" y="1264596"/>
+            <a:ext cx="3699639" cy="2478120"/>
+          </a:xfrm>
+          <a:prstGeom prst="rect">
+            <a:avLst/>
+          </a:prstGeom>
+        </p:spPr>
+      </p:pic>
+      <p:pic>
+        <p:nvPicPr>
+          <p:cNvPr id="5" name="Imagen 4">
+            <a:extLst>
+              <a:ext uri="{FF2B5EF4-FFF2-40B4-BE49-F238E27FC236}">
+                <a16:creationId xmlns:a16="http://schemas.microsoft.com/office/drawing/2014/main" id="{EF6EE229-ADF5-E9CC-1395-FFC92BB013D8}"/>
+              </a:ext>
+            </a:extLst>
+          </p:cNvPr>
+          <p:cNvPicPr>
+            <a:picLocks noChangeAspect="1"/>
+          </p:cNvPicPr>
+          <p:nvPr/>
+        </p:nvPicPr>
+        <p:blipFill>
+          <a:blip r:embed="rId4"/>
+          <a:stretch>
+            <a:fillRect/>
+          </a:stretch>
+        </p:blipFill>
+        <p:spPr>
+          <a:xfrm>
+            <a:off x="4460779" y="1673157"/>
+            <a:ext cx="4034710" cy="1628372"/>
+          </a:xfrm>
+          <a:prstGeom prst="rect">
+            <a:avLst/>
+          </a:prstGeom>
+        </p:spPr>
+      </p:pic>
+      <p:sp>
+        <p:nvSpPr>
+          <p:cNvPr id="6" name="Rectángulo 5">
+            <a:extLst>
+              <a:ext uri="{FF2B5EF4-FFF2-40B4-BE49-F238E27FC236}">
+                <a16:creationId xmlns:a16="http://schemas.microsoft.com/office/drawing/2014/main" id="{9CDFBD00-EFFE-B765-D535-5D13BCA7F325}"/>
+              </a:ext>
+            </a:extLst>
+          </p:cNvPr>
+          <p:cNvSpPr/>
+          <p:nvPr/>
+        </p:nvSpPr>
+        <p:spPr>
+          <a:xfrm>
+            <a:off x="616085" y="2127115"/>
+            <a:ext cx="1835285" cy="149157"/>
+          </a:xfrm>
+          <a:prstGeom prst="rect">
+            <a:avLst/>
+          </a:prstGeom>
+          <a:noFill/>
+          <a:ln>
+            <a:solidFill>
+              <a:srgbClr val="FF0000"/>
+            </a:solidFill>
+          </a:ln>
+        </p:spPr>
+        <p:style>
+          <a:lnRef idx="2">
+            <a:schemeClr val="accent1">
+              <a:shade val="15000"/>
+            </a:schemeClr>
+          </a:lnRef>
+          <a:fillRef idx="1">
+            <a:schemeClr val="accent1"/>
+          </a:fillRef>
+          <a:effectRef idx="0">
+            <a:schemeClr val="accent1"/>
+          </a:effectRef>
+          <a:fontRef idx="minor">
+            <a:schemeClr val="lt1"/>
+          </a:fontRef>
+        </p:style>
+        <p:txBody>
+          <a:bodyPr rtlCol="0" anchor="ctr"/>
+          <a:lstStyle/>
+          <a:p>
+            <a:pPr algn="ctr"/>
+            <a:endParaRPr lang="es-MX"/>
+          </a:p>
+        </p:txBody>
+      </p:sp>
+      <p:sp>
+        <p:nvSpPr>
+          <p:cNvPr id="7" name="Rectángulo 6">
+            <a:extLst>
+              <a:ext uri="{FF2B5EF4-FFF2-40B4-BE49-F238E27FC236}">
+                <a16:creationId xmlns:a16="http://schemas.microsoft.com/office/drawing/2014/main" id="{794BD288-8FE3-2908-B984-1031F2B5AD37}"/>
+              </a:ext>
+            </a:extLst>
+          </p:cNvPr>
+          <p:cNvSpPr/>
+          <p:nvPr/>
+        </p:nvSpPr>
+        <p:spPr>
+          <a:xfrm>
+            <a:off x="4717914" y="1987685"/>
+            <a:ext cx="3570052" cy="210766"/>
+          </a:xfrm>
+          <a:prstGeom prst="rect">
+            <a:avLst/>
+          </a:prstGeom>
+          <a:noFill/>
+          <a:ln>
+            <a:solidFill>
+              <a:srgbClr val="FF0000"/>
+            </a:solidFill>
+          </a:ln>
+        </p:spPr>
+        <p:style>
+          <a:lnRef idx="2">
+            <a:schemeClr val="accent1">
+              <a:shade val="15000"/>
+            </a:schemeClr>
+          </a:lnRef>
+          <a:fillRef idx="1">
+            <a:schemeClr val="accent1"/>
+          </a:fillRef>
+          <a:effectRef idx="0">
+            <a:schemeClr val="accent1"/>
+          </a:effectRef>
+          <a:fontRef idx="minor">
+            <a:schemeClr val="lt1"/>
+          </a:fontRef>
+        </p:style>
+        <p:txBody>
+          <a:bodyPr rtlCol="0" anchor="ctr"/>
+          <a:lstStyle/>
+          <a:p>
+            <a:pPr algn="ctr"/>
+            <a:endParaRPr lang="es-MX"/>
           </a:p>
         </p:txBody>
       </p:sp>
     </p:spTree>
     <p:extLst>
       <p:ext uri="{BB962C8B-B14F-4D97-AF65-F5344CB8AC3E}">
-        <p14:creationId xmlns:p14="http://schemas.microsoft.com/office/powerpoint/2010/main" val="804380435"/>
+        <p14:creationId xmlns:p14="http://schemas.microsoft.com/office/powerpoint/2010/main" val="4061297044"/>
       </p:ext>
     </p:extLst>
   </p:cSld>

--- a/Fase 2/Evidencias Proyecto/Presentacion Proyecto/Presentacion Sistema.pptx
+++ b/Fase 2/Evidencias Proyecto/Presentacion Proyecto/Presentacion Sistema.pptx
@@ -5,7 +5,7 @@
     <p:sldMasterId id="2147483672" r:id="rId1"/>
   </p:sldMasterIdLst>
   <p:notesMasterIdLst>
-    <p:notesMasterId r:id="rId14"/>
+    <p:notesMasterId r:id="rId16"/>
   </p:notesMasterIdLst>
   <p:sldIdLst>
     <p:sldId id="256" r:id="rId2"/>
@@ -16,43 +16,45 @@
     <p:sldId id="276" r:id="rId7"/>
     <p:sldId id="279" r:id="rId8"/>
     <p:sldId id="269" r:id="rId9"/>
-    <p:sldId id="282" r:id="rId10"/>
-    <p:sldId id="280" r:id="rId11"/>
-    <p:sldId id="277" r:id="rId12"/>
-    <p:sldId id="275" r:id="rId13"/>
+    <p:sldId id="284" r:id="rId10"/>
+    <p:sldId id="282" r:id="rId11"/>
+    <p:sldId id="280" r:id="rId12"/>
+    <p:sldId id="277" r:id="rId13"/>
+    <p:sldId id="283" r:id="rId14"/>
+    <p:sldId id="275" r:id="rId15"/>
   </p:sldIdLst>
   <p:sldSz cx="9144000" cy="5143500" type="screen16x9"/>
   <p:notesSz cx="6858000" cy="9144000"/>
   <p:embeddedFontLst>
     <p:embeddedFont>
       <p:font typeface="Denk One" panose="020B0604020202020204" charset="0"/>
-      <p:regular r:id="rId15"/>
+      <p:regular r:id="rId17"/>
     </p:embeddedFont>
     <p:embeddedFont>
       <p:font typeface="Fira Sans Extra Condensed" panose="020B0503050000020004" pitchFamily="34" charset="0"/>
-      <p:regular r:id="rId16"/>
-      <p:bold r:id="rId17"/>
-      <p:italic r:id="rId18"/>
-      <p:boldItalic r:id="rId19"/>
+      <p:regular r:id="rId18"/>
+      <p:bold r:id="rId19"/>
+      <p:italic r:id="rId20"/>
+      <p:boldItalic r:id="rId21"/>
     </p:embeddedFont>
     <p:embeddedFont>
       <p:font typeface="Nunito Light" pitchFamily="2" charset="0"/>
-      <p:regular r:id="rId20"/>
-      <p:italic r:id="rId21"/>
+      <p:regular r:id="rId22"/>
+      <p:italic r:id="rId23"/>
     </p:embeddedFont>
     <p:embeddedFont>
       <p:font typeface="Quantico" panose="020B0604020202020204" charset="0"/>
-      <p:regular r:id="rId22"/>
-      <p:bold r:id="rId23"/>
-      <p:italic r:id="rId24"/>
-      <p:boldItalic r:id="rId25"/>
+      <p:regular r:id="rId24"/>
+      <p:bold r:id="rId25"/>
+      <p:italic r:id="rId26"/>
+      <p:boldItalic r:id="rId27"/>
     </p:embeddedFont>
     <p:embeddedFont>
       <p:font typeface="Source Code Pro" panose="020B0509030403020204" pitchFamily="49" charset="0"/>
-      <p:regular r:id="rId26"/>
-      <p:bold r:id="rId27"/>
-      <p:italic r:id="rId28"/>
-      <p:boldItalic r:id="rId29"/>
+      <p:regular r:id="rId28"/>
+      <p:bold r:id="rId29"/>
+      <p:italic r:id="rId30"/>
+      <p:boldItalic r:id="rId31"/>
     </p:embeddedFont>
   </p:embeddedFontLst>
   <p:defaultTextStyle>
@@ -842,7 +844,13 @@
   <p:cSld>
     <p:spTree>
       <p:nvGrpSpPr>
-        <p:cNvPr id="1" name="Shape 393"/>
+        <p:cNvPr id="1" name="Shape 393">
+          <a:extLst>
+            <a:ext uri="{FF2B5EF4-FFF2-40B4-BE49-F238E27FC236}">
+              <a16:creationId xmlns:a16="http://schemas.microsoft.com/office/drawing/2014/main" id="{7174C30B-5E44-988C-4A64-D9A169A7767A}"/>
+            </a:ext>
+          </a:extLst>
+        </p:cNvPr>
         <p:cNvGrpSpPr/>
         <p:nvPr/>
       </p:nvGrpSpPr>
@@ -856,7 +864,13 @@
       </p:grpSpPr>
       <p:sp>
         <p:nvSpPr>
-          <p:cNvPr id="394" name="Google Shape;394;g210f7c66770_0_132:notes"/>
+          <p:cNvPr id="394" name="Google Shape;394;g210f7c66770_0_132:notes">
+            <a:extLst>
+              <a:ext uri="{FF2B5EF4-FFF2-40B4-BE49-F238E27FC236}">
+                <a16:creationId xmlns:a16="http://schemas.microsoft.com/office/drawing/2014/main" id="{5B33E2B0-CE61-4D1A-E2D7-A0F8A28BD6CB}"/>
+              </a:ext>
+            </a:extLst>
+          </p:cNvPr>
           <p:cNvSpPr>
             <a:spLocks noGrp="1" noRot="1" noChangeAspect="1"/>
           </p:cNvSpPr>
@@ -897,7 +911,13 @@
       </p:sp>
       <p:sp>
         <p:nvSpPr>
-          <p:cNvPr id="395" name="Google Shape;395;g210f7c66770_0_132:notes"/>
+          <p:cNvPr id="395" name="Google Shape;395;g210f7c66770_0_132:notes">
+            <a:extLst>
+              <a:ext uri="{FF2B5EF4-FFF2-40B4-BE49-F238E27FC236}">
+                <a16:creationId xmlns:a16="http://schemas.microsoft.com/office/drawing/2014/main" id="{5856B146-5B77-DBD0-D05D-12D8B2E8F33F}"/>
+              </a:ext>
+            </a:extLst>
+          </p:cNvPr>
           <p:cNvSpPr txBox="1">
             <a:spLocks noGrp="1"/>
           </p:cNvSpPr>
@@ -936,7 +956,7 @@
     </p:spTree>
     <p:extLst>
       <p:ext uri="{BB962C8B-B14F-4D97-AF65-F5344CB8AC3E}">
-        <p14:creationId xmlns:p14="http://schemas.microsoft.com/office/powerpoint/2010/main" val="2461382997"/>
+        <p14:creationId xmlns:p14="http://schemas.microsoft.com/office/powerpoint/2010/main" val="404435523"/>
       </p:ext>
     </p:extLst>
   </p:cSld>
@@ -1045,6 +1065,115 @@
     </p:spTree>
     <p:extLst>
       <p:ext uri="{BB962C8B-B14F-4D97-AF65-F5344CB8AC3E}">
+        <p14:creationId xmlns:p14="http://schemas.microsoft.com/office/powerpoint/2010/main" val="2461382997"/>
+      </p:ext>
+    </p:extLst>
+  </p:cSld>
+  <p:clrMapOvr>
+    <a:masterClrMapping/>
+  </p:clrMapOvr>
+</p:notes>
+</file>
+
+<file path=ppt/notesSlides/notesSlide12.xml><?xml version="1.0" encoding="utf-8"?>
+<p:notes xmlns:a="http://schemas.openxmlformats.org/drawingml/2006/main" xmlns:r="http://schemas.openxmlformats.org/officeDocument/2006/relationships" xmlns:p="http://schemas.openxmlformats.org/presentationml/2006/main" showMasterSp="0" showMasterPhAnim="0">
+  <p:cSld>
+    <p:spTree>
+      <p:nvGrpSpPr>
+        <p:cNvPr id="1" name="Shape 393"/>
+        <p:cNvGrpSpPr/>
+        <p:nvPr/>
+      </p:nvGrpSpPr>
+      <p:grpSpPr>
+        <a:xfrm>
+          <a:off x="0" y="0"/>
+          <a:ext cx="0" cy="0"/>
+          <a:chOff x="0" y="0"/>
+          <a:chExt cx="0" cy="0"/>
+        </a:xfrm>
+      </p:grpSpPr>
+      <p:sp>
+        <p:nvSpPr>
+          <p:cNvPr id="394" name="Google Shape;394;g210f7c66770_0_132:notes"/>
+          <p:cNvSpPr>
+            <a:spLocks noGrp="1" noRot="1" noChangeAspect="1"/>
+          </p:cNvSpPr>
+          <p:nvPr>
+            <p:ph type="sldImg" idx="2"/>
+          </p:nvPr>
+        </p:nvSpPr>
+        <p:spPr>
+          <a:xfrm>
+            <a:off x="381000" y="685800"/>
+            <a:ext cx="6096000" cy="3429000"/>
+          </a:xfrm>
+          <a:custGeom>
+            <a:avLst/>
+            <a:gdLst/>
+            <a:ahLst/>
+            <a:cxnLst/>
+            <a:rect l="l" t="t" r="r" b="b"/>
+            <a:pathLst>
+              <a:path w="120000" h="120000" extrusionOk="0">
+                <a:moveTo>
+                  <a:pt x="0" y="0"/>
+                </a:moveTo>
+                <a:lnTo>
+                  <a:pt x="120000" y="0"/>
+                </a:lnTo>
+                <a:lnTo>
+                  <a:pt x="120000" y="120000"/>
+                </a:lnTo>
+                <a:lnTo>
+                  <a:pt x="0" y="120000"/>
+                </a:lnTo>
+                <a:close/>
+              </a:path>
+            </a:pathLst>
+          </a:custGeom>
+        </p:spPr>
+      </p:sp>
+      <p:sp>
+        <p:nvSpPr>
+          <p:cNvPr id="395" name="Google Shape;395;g210f7c66770_0_132:notes"/>
+          <p:cNvSpPr txBox="1">
+            <a:spLocks noGrp="1"/>
+          </p:cNvSpPr>
+          <p:nvPr>
+            <p:ph type="body" idx="1"/>
+          </p:nvPr>
+        </p:nvSpPr>
+        <p:spPr>
+          <a:xfrm>
+            <a:off x="685800" y="4343400"/>
+            <a:ext cx="5486400" cy="4114800"/>
+          </a:xfrm>
+          <a:prstGeom prst="rect">
+            <a:avLst/>
+          </a:prstGeom>
+        </p:spPr>
+        <p:txBody>
+          <a:bodyPr spcFirstLastPara="1" wrap="square" lIns="91425" tIns="91425" rIns="91425" bIns="91425" anchor="t" anchorCtr="0">
+            <a:noAutofit/>
+          </a:bodyPr>
+          <a:lstStyle/>
+          <a:p>
+            <a:pPr marL="0" lvl="0" indent="0" algn="l" rtl="0">
+              <a:spcBef>
+                <a:spcPts val="0"/>
+              </a:spcBef>
+              <a:spcAft>
+                <a:spcPts val="0"/>
+              </a:spcAft>
+              <a:buNone/>
+            </a:pPr>
+            <a:endParaRPr/>
+          </a:p>
+        </p:txBody>
+      </p:sp>
+    </p:spTree>
+    <p:extLst>
+      <p:ext uri="{BB962C8B-B14F-4D97-AF65-F5344CB8AC3E}">
         <p14:creationId xmlns:p14="http://schemas.microsoft.com/office/powerpoint/2010/main" val="3900705686"/>
       </p:ext>
     </p:extLst>
@@ -1055,7 +1184,134 @@
 </p:notes>
 </file>
 
-<file path=ppt/notesSlides/notesSlide12.xml><?xml version="1.0" encoding="utf-8"?>
+<file path=ppt/notesSlides/notesSlide13.xml><?xml version="1.0" encoding="utf-8"?>
+<p:notes xmlns:a="http://schemas.openxmlformats.org/drawingml/2006/main" xmlns:r="http://schemas.openxmlformats.org/officeDocument/2006/relationships" xmlns:p="http://schemas.openxmlformats.org/presentationml/2006/main" showMasterSp="0" showMasterPhAnim="0">
+  <p:cSld>
+    <p:spTree>
+      <p:nvGrpSpPr>
+        <p:cNvPr id="1" name="Shape 393">
+          <a:extLst>
+            <a:ext uri="{FF2B5EF4-FFF2-40B4-BE49-F238E27FC236}">
+              <a16:creationId xmlns:a16="http://schemas.microsoft.com/office/drawing/2014/main" id="{B8976DF7-16E4-3492-198E-BB938E38294D}"/>
+            </a:ext>
+          </a:extLst>
+        </p:cNvPr>
+        <p:cNvGrpSpPr/>
+        <p:nvPr/>
+      </p:nvGrpSpPr>
+      <p:grpSpPr>
+        <a:xfrm>
+          <a:off x="0" y="0"/>
+          <a:ext cx="0" cy="0"/>
+          <a:chOff x="0" y="0"/>
+          <a:chExt cx="0" cy="0"/>
+        </a:xfrm>
+      </p:grpSpPr>
+      <p:sp>
+        <p:nvSpPr>
+          <p:cNvPr id="394" name="Google Shape;394;g210f7c66770_0_132:notes">
+            <a:extLst>
+              <a:ext uri="{FF2B5EF4-FFF2-40B4-BE49-F238E27FC236}">
+                <a16:creationId xmlns:a16="http://schemas.microsoft.com/office/drawing/2014/main" id="{DF2E4357-9AA0-086D-DC3B-097FDE48F06C}"/>
+              </a:ext>
+            </a:extLst>
+          </p:cNvPr>
+          <p:cNvSpPr>
+            <a:spLocks noGrp="1" noRot="1" noChangeAspect="1"/>
+          </p:cNvSpPr>
+          <p:nvPr>
+            <p:ph type="sldImg" idx="2"/>
+          </p:nvPr>
+        </p:nvSpPr>
+        <p:spPr>
+          <a:xfrm>
+            <a:off x="381000" y="685800"/>
+            <a:ext cx="6096000" cy="3429000"/>
+          </a:xfrm>
+          <a:custGeom>
+            <a:avLst/>
+            <a:gdLst/>
+            <a:ahLst/>
+            <a:cxnLst/>
+            <a:rect l="l" t="t" r="r" b="b"/>
+            <a:pathLst>
+              <a:path w="120000" h="120000" extrusionOk="0">
+                <a:moveTo>
+                  <a:pt x="0" y="0"/>
+                </a:moveTo>
+                <a:lnTo>
+                  <a:pt x="120000" y="0"/>
+                </a:lnTo>
+                <a:lnTo>
+                  <a:pt x="120000" y="120000"/>
+                </a:lnTo>
+                <a:lnTo>
+                  <a:pt x="0" y="120000"/>
+                </a:lnTo>
+                <a:close/>
+              </a:path>
+            </a:pathLst>
+          </a:custGeom>
+        </p:spPr>
+      </p:sp>
+      <p:sp>
+        <p:nvSpPr>
+          <p:cNvPr id="395" name="Google Shape;395;g210f7c66770_0_132:notes">
+            <a:extLst>
+              <a:ext uri="{FF2B5EF4-FFF2-40B4-BE49-F238E27FC236}">
+                <a16:creationId xmlns:a16="http://schemas.microsoft.com/office/drawing/2014/main" id="{CB83FA44-D35C-1CEF-EA4C-77A09D15C23B}"/>
+              </a:ext>
+            </a:extLst>
+          </p:cNvPr>
+          <p:cNvSpPr txBox="1">
+            <a:spLocks noGrp="1"/>
+          </p:cNvSpPr>
+          <p:nvPr>
+            <p:ph type="body" idx="1"/>
+          </p:nvPr>
+        </p:nvSpPr>
+        <p:spPr>
+          <a:xfrm>
+            <a:off x="685800" y="4343400"/>
+            <a:ext cx="5486400" cy="4114800"/>
+          </a:xfrm>
+          <a:prstGeom prst="rect">
+            <a:avLst/>
+          </a:prstGeom>
+        </p:spPr>
+        <p:txBody>
+          <a:bodyPr spcFirstLastPara="1" wrap="square" lIns="91425" tIns="91425" rIns="91425" bIns="91425" anchor="t" anchorCtr="0">
+            <a:noAutofit/>
+          </a:bodyPr>
+          <a:lstStyle/>
+          <a:p>
+            <a:pPr marL="0" lvl="0" indent="0" algn="l" rtl="0">
+              <a:spcBef>
+                <a:spcPts val="0"/>
+              </a:spcBef>
+              <a:spcAft>
+                <a:spcPts val="0"/>
+              </a:spcAft>
+              <a:buNone/>
+            </a:pPr>
+            <a:endParaRPr/>
+          </a:p>
+        </p:txBody>
+      </p:sp>
+    </p:spTree>
+    <p:extLst>
+      <p:ext uri="{BB962C8B-B14F-4D97-AF65-F5344CB8AC3E}">
+        <p14:creationId xmlns:p14="http://schemas.microsoft.com/office/powerpoint/2010/main" val="3475569592"/>
+      </p:ext>
+    </p:extLst>
+  </p:cSld>
+  <p:clrMapOvr>
+    <a:masterClrMapping/>
+  </p:clrMapOvr>
+</p:notes>
+</file>
+
+<file path=ppt/notesSlides/notesSlide14.xml><?xml version="1.0" encoding="utf-8"?>
 <p:notes xmlns:a="http://schemas.openxmlformats.org/drawingml/2006/main" xmlns:r="http://schemas.openxmlformats.org/officeDocument/2006/relationships" xmlns:p="http://schemas.openxmlformats.org/presentationml/2006/main" showMasterSp="0" showMasterPhAnim="0">
   <p:cSld>
     <p:spTree>
@@ -1910,7 +2166,7 @@
         <p:cNvPr id="1" name="Shape 393">
           <a:extLst>
             <a:ext uri="{FF2B5EF4-FFF2-40B4-BE49-F238E27FC236}">
-              <a16:creationId xmlns:a16="http://schemas.microsoft.com/office/drawing/2014/main" id="{7174C30B-5E44-988C-4A64-D9A169A7767A}"/>
+              <a16:creationId xmlns:a16="http://schemas.microsoft.com/office/drawing/2014/main" id="{9546D82B-A931-D4E9-A198-6C5FCE985A0B}"/>
             </a:ext>
           </a:extLst>
         </p:cNvPr>
@@ -1930,7 +2186,7 @@
           <p:cNvPr id="394" name="Google Shape;394;g210f7c66770_0_132:notes">
             <a:extLst>
               <a:ext uri="{FF2B5EF4-FFF2-40B4-BE49-F238E27FC236}">
-                <a16:creationId xmlns:a16="http://schemas.microsoft.com/office/drawing/2014/main" id="{5B33E2B0-CE61-4D1A-E2D7-A0F8A28BD6CB}"/>
+                <a16:creationId xmlns:a16="http://schemas.microsoft.com/office/drawing/2014/main" id="{FA45AAE6-C5BC-B6A5-5F9F-C0E81C071389}"/>
               </a:ext>
             </a:extLst>
           </p:cNvPr>
@@ -1977,7 +2233,7 @@
           <p:cNvPr id="395" name="Google Shape;395;g210f7c66770_0_132:notes">
             <a:extLst>
               <a:ext uri="{FF2B5EF4-FFF2-40B4-BE49-F238E27FC236}">
-                <a16:creationId xmlns:a16="http://schemas.microsoft.com/office/drawing/2014/main" id="{5856B146-5B77-DBD0-D05D-12D8B2E8F33F}"/>
+                <a16:creationId xmlns:a16="http://schemas.microsoft.com/office/drawing/2014/main" id="{C847DAD4-2FB6-7394-8D13-C8892BA77021}"/>
               </a:ext>
             </a:extLst>
           </p:cNvPr>
@@ -2019,7 +2275,7 @@
     </p:spTree>
     <p:extLst>
       <p:ext uri="{BB962C8B-B14F-4D97-AF65-F5344CB8AC3E}">
-        <p14:creationId xmlns:p14="http://schemas.microsoft.com/office/powerpoint/2010/main" val="404435523"/>
+        <p14:creationId xmlns:p14="http://schemas.microsoft.com/office/powerpoint/2010/main" val="1183985884"/>
       </p:ext>
     </p:extLst>
   </p:cSld>
@@ -10987,6 +11243,262 @@
   <p:cSld>
     <p:spTree>
       <p:nvGrpSpPr>
+        <p:cNvPr id="1" name="Shape 396">
+          <a:extLst>
+            <a:ext uri="{FF2B5EF4-FFF2-40B4-BE49-F238E27FC236}">
+              <a16:creationId xmlns:a16="http://schemas.microsoft.com/office/drawing/2014/main" id="{E0295153-E0AA-B865-CFA6-3A699E847EAF}"/>
+            </a:ext>
+          </a:extLst>
+        </p:cNvPr>
+        <p:cNvGrpSpPr/>
+        <p:nvPr/>
+      </p:nvGrpSpPr>
+      <p:grpSpPr>
+        <a:xfrm>
+          <a:off x="0" y="0"/>
+          <a:ext cx="0" cy="0"/>
+          <a:chOff x="0" y="0"/>
+          <a:chExt cx="0" cy="0"/>
+        </a:xfrm>
+      </p:grpSpPr>
+      <p:sp>
+        <p:nvSpPr>
+          <p:cNvPr id="424" name="Google Shape;424;p40">
+            <a:extLst>
+              <a:ext uri="{FF2B5EF4-FFF2-40B4-BE49-F238E27FC236}">
+                <a16:creationId xmlns:a16="http://schemas.microsoft.com/office/drawing/2014/main" id="{A64FC271-2240-21D0-A80F-47460EDE0909}"/>
+              </a:ext>
+            </a:extLst>
+          </p:cNvPr>
+          <p:cNvSpPr txBox="1">
+            <a:spLocks noGrp="1"/>
+          </p:cNvSpPr>
+          <p:nvPr>
+            <p:ph type="title"/>
+          </p:nvPr>
+        </p:nvSpPr>
+        <p:spPr>
+          <a:xfrm>
+            <a:off x="719988" y="459128"/>
+            <a:ext cx="7704000" cy="572700"/>
+          </a:xfrm>
+          <a:prstGeom prst="rect">
+            <a:avLst/>
+          </a:prstGeom>
+        </p:spPr>
+        <p:txBody>
+          <a:bodyPr spcFirstLastPara="1" wrap="square" lIns="91425" tIns="91425" rIns="91425" bIns="91425" anchor="t" anchorCtr="0">
+            <a:noAutofit/>
+          </a:bodyPr>
+          <a:lstStyle/>
+          <a:p>
+            <a:pPr marL="0" lvl="0" indent="0" algn="l" rtl="0">
+              <a:spcBef>
+                <a:spcPts val="0"/>
+              </a:spcBef>
+              <a:spcAft>
+                <a:spcPts val="0"/>
+              </a:spcAft>
+              <a:buNone/>
+            </a:pPr>
+            <a:r>
+              <a:rPr lang="en" dirty="0">
+                <a:solidFill>
+                  <a:schemeClr val="accent2"/>
+                </a:solidFill>
+              </a:rPr>
+              <a:t>&lt;/ Demo </a:t>
+            </a:r>
+            <a:r>
+              <a:rPr lang="en" dirty="0"/>
+              <a:t>Flow</a:t>
+            </a:r>
+            <a:endParaRPr dirty="0"/>
+          </a:p>
+        </p:txBody>
+      </p:sp>
+      <p:pic>
+        <p:nvPicPr>
+          <p:cNvPr id="3" name="Imagen 2">
+            <a:extLst>
+              <a:ext uri="{FF2B5EF4-FFF2-40B4-BE49-F238E27FC236}">
+                <a16:creationId xmlns:a16="http://schemas.microsoft.com/office/drawing/2014/main" id="{8FE9418C-1E75-DDAF-ADA0-AADA61F69A21}"/>
+              </a:ext>
+            </a:extLst>
+          </p:cNvPr>
+          <p:cNvPicPr>
+            <a:picLocks noChangeAspect="1"/>
+          </p:cNvPicPr>
+          <p:nvPr/>
+        </p:nvPicPr>
+        <p:blipFill>
+          <a:blip r:embed="rId3"/>
+          <a:stretch>
+            <a:fillRect/>
+          </a:stretch>
+        </p:blipFill>
+        <p:spPr>
+          <a:xfrm>
+            <a:off x="561312" y="1264596"/>
+            <a:ext cx="3699639" cy="2478120"/>
+          </a:xfrm>
+          <a:prstGeom prst="rect">
+            <a:avLst/>
+          </a:prstGeom>
+        </p:spPr>
+      </p:pic>
+      <p:pic>
+        <p:nvPicPr>
+          <p:cNvPr id="5" name="Imagen 4">
+            <a:extLst>
+              <a:ext uri="{FF2B5EF4-FFF2-40B4-BE49-F238E27FC236}">
+                <a16:creationId xmlns:a16="http://schemas.microsoft.com/office/drawing/2014/main" id="{EF6EE229-ADF5-E9CC-1395-FFC92BB013D8}"/>
+              </a:ext>
+            </a:extLst>
+          </p:cNvPr>
+          <p:cNvPicPr>
+            <a:picLocks noChangeAspect="1"/>
+          </p:cNvPicPr>
+          <p:nvPr/>
+        </p:nvPicPr>
+        <p:blipFill>
+          <a:blip r:embed="rId4"/>
+          <a:stretch>
+            <a:fillRect/>
+          </a:stretch>
+        </p:blipFill>
+        <p:spPr>
+          <a:xfrm>
+            <a:off x="4460779" y="1673157"/>
+            <a:ext cx="4034710" cy="1628372"/>
+          </a:xfrm>
+          <a:prstGeom prst="rect">
+            <a:avLst/>
+          </a:prstGeom>
+        </p:spPr>
+      </p:pic>
+      <p:sp>
+        <p:nvSpPr>
+          <p:cNvPr id="6" name="Rectángulo 5">
+            <a:extLst>
+              <a:ext uri="{FF2B5EF4-FFF2-40B4-BE49-F238E27FC236}">
+                <a16:creationId xmlns:a16="http://schemas.microsoft.com/office/drawing/2014/main" id="{9CDFBD00-EFFE-B765-D535-5D13BCA7F325}"/>
+              </a:ext>
+            </a:extLst>
+          </p:cNvPr>
+          <p:cNvSpPr/>
+          <p:nvPr/>
+        </p:nvSpPr>
+        <p:spPr>
+          <a:xfrm>
+            <a:off x="616085" y="2127115"/>
+            <a:ext cx="1835285" cy="149157"/>
+          </a:xfrm>
+          <a:prstGeom prst="rect">
+            <a:avLst/>
+          </a:prstGeom>
+          <a:noFill/>
+          <a:ln>
+            <a:solidFill>
+              <a:srgbClr val="FF0000"/>
+            </a:solidFill>
+          </a:ln>
+        </p:spPr>
+        <p:style>
+          <a:lnRef idx="2">
+            <a:schemeClr val="accent1">
+              <a:shade val="15000"/>
+            </a:schemeClr>
+          </a:lnRef>
+          <a:fillRef idx="1">
+            <a:schemeClr val="accent1"/>
+          </a:fillRef>
+          <a:effectRef idx="0">
+            <a:schemeClr val="accent1"/>
+          </a:effectRef>
+          <a:fontRef idx="minor">
+            <a:schemeClr val="lt1"/>
+          </a:fontRef>
+        </p:style>
+        <p:txBody>
+          <a:bodyPr rtlCol="0" anchor="ctr"/>
+          <a:lstStyle/>
+          <a:p>
+            <a:pPr algn="ctr"/>
+            <a:endParaRPr lang="es-MX"/>
+          </a:p>
+        </p:txBody>
+      </p:sp>
+      <p:sp>
+        <p:nvSpPr>
+          <p:cNvPr id="7" name="Rectángulo 6">
+            <a:extLst>
+              <a:ext uri="{FF2B5EF4-FFF2-40B4-BE49-F238E27FC236}">
+                <a16:creationId xmlns:a16="http://schemas.microsoft.com/office/drawing/2014/main" id="{794BD288-8FE3-2908-B984-1031F2B5AD37}"/>
+              </a:ext>
+            </a:extLst>
+          </p:cNvPr>
+          <p:cNvSpPr/>
+          <p:nvPr/>
+        </p:nvSpPr>
+        <p:spPr>
+          <a:xfrm>
+            <a:off x="4717914" y="1987685"/>
+            <a:ext cx="3570052" cy="210766"/>
+          </a:xfrm>
+          <a:prstGeom prst="rect">
+            <a:avLst/>
+          </a:prstGeom>
+          <a:noFill/>
+          <a:ln>
+            <a:solidFill>
+              <a:srgbClr val="FF0000"/>
+            </a:solidFill>
+          </a:ln>
+        </p:spPr>
+        <p:style>
+          <a:lnRef idx="2">
+            <a:schemeClr val="accent1">
+              <a:shade val="15000"/>
+            </a:schemeClr>
+          </a:lnRef>
+          <a:fillRef idx="1">
+            <a:schemeClr val="accent1"/>
+          </a:fillRef>
+          <a:effectRef idx="0">
+            <a:schemeClr val="accent1"/>
+          </a:effectRef>
+          <a:fontRef idx="minor">
+            <a:schemeClr val="lt1"/>
+          </a:fontRef>
+        </p:style>
+        <p:txBody>
+          <a:bodyPr rtlCol="0" anchor="ctr"/>
+          <a:lstStyle/>
+          <a:p>
+            <a:pPr algn="ctr"/>
+            <a:endParaRPr lang="es-MX"/>
+          </a:p>
+        </p:txBody>
+      </p:sp>
+    </p:spTree>
+    <p:extLst>
+      <p:ext uri="{BB962C8B-B14F-4D97-AF65-F5344CB8AC3E}">
+        <p14:creationId xmlns:p14="http://schemas.microsoft.com/office/powerpoint/2010/main" val="4061297044"/>
+      </p:ext>
+    </p:extLst>
+  </p:cSld>
+  <p:clrMapOvr>
+    <a:masterClrMapping/>
+  </p:clrMapOvr>
+</p:sld>
+</file>
+
+<file path=ppt/slides/slide11.xml><?xml version="1.0" encoding="utf-8"?>
+<p:sld xmlns:a="http://schemas.openxmlformats.org/drawingml/2006/main" xmlns:r="http://schemas.openxmlformats.org/officeDocument/2006/relationships" xmlns:p="http://schemas.openxmlformats.org/presentationml/2006/main">
+  <p:cSld>
+    <p:spTree>
+      <p:nvGrpSpPr>
         <p:cNvPr id="1" name="Shape 396"/>
         <p:cNvGrpSpPr/>
         <p:nvPr/>
@@ -11152,7 +11664,7 @@
 </p:sld>
 </file>
 
-<file path=ppt/slides/slide11.xml><?xml version="1.0" encoding="utf-8"?>
+<file path=ppt/slides/slide12.xml><?xml version="1.0" encoding="utf-8"?>
 <p:sld xmlns:a="http://schemas.openxmlformats.org/drawingml/2006/main" xmlns:r="http://schemas.openxmlformats.org/officeDocument/2006/relationships" xmlns:p="http://schemas.openxmlformats.org/presentationml/2006/main">
   <p:cSld>
     <p:spTree>
@@ -11243,36 +11755,6 @@
           <a:xfrm>
             <a:off x="492855" y="1031828"/>
             <a:ext cx="3683541" cy="3272108"/>
-          </a:xfrm>
-          <a:prstGeom prst="rect">
-            <a:avLst/>
-          </a:prstGeom>
-        </p:spPr>
-      </p:pic>
-      <p:pic>
-        <p:nvPicPr>
-          <p:cNvPr id="3" name="Imagen 2">
-            <a:extLst>
-              <a:ext uri="{FF2B5EF4-FFF2-40B4-BE49-F238E27FC236}">
-                <a16:creationId xmlns:a16="http://schemas.microsoft.com/office/drawing/2014/main" id="{5DC04798-AB59-EBE6-5BC4-80B3BE7E3088}"/>
-              </a:ext>
-            </a:extLst>
-          </p:cNvPr>
-          <p:cNvPicPr>
-            <a:picLocks noChangeAspect="1"/>
-          </p:cNvPicPr>
-          <p:nvPr/>
-        </p:nvPicPr>
-        <p:blipFill>
-          <a:blip r:embed="rId4"/>
-          <a:stretch>
-            <a:fillRect/>
-          </a:stretch>
-        </p:blipFill>
-        <p:spPr>
-          <a:xfrm>
-            <a:off x="4261635" y="1859877"/>
-            <a:ext cx="4337615" cy="1732741"/>
           </a:xfrm>
           <a:prstGeom prst="rect">
             <a:avLst/>
@@ -11331,6 +11813,36 @@
           </a:p>
         </p:txBody>
       </p:sp>
+      <p:pic>
+        <p:nvPicPr>
+          <p:cNvPr id="6" name="Imagen 5">
+            <a:extLst>
+              <a:ext uri="{FF2B5EF4-FFF2-40B4-BE49-F238E27FC236}">
+                <a16:creationId xmlns:a16="http://schemas.microsoft.com/office/drawing/2014/main" id="{F59BE718-5BAB-DC93-B919-71E1673BAC10}"/>
+              </a:ext>
+            </a:extLst>
+          </p:cNvPr>
+          <p:cNvPicPr>
+            <a:picLocks noChangeAspect="1"/>
+          </p:cNvPicPr>
+          <p:nvPr/>
+        </p:nvPicPr>
+        <p:blipFill>
+          <a:blip r:embed="rId4"/>
+          <a:stretch>
+            <a:fillRect/>
+          </a:stretch>
+        </p:blipFill>
+        <p:spPr>
+          <a:xfrm>
+            <a:off x="4246520" y="1609880"/>
+            <a:ext cx="4107344" cy="1657040"/>
+          </a:xfrm>
+          <a:prstGeom prst="rect">
+            <a:avLst/>
+          </a:prstGeom>
+        </p:spPr>
+      </p:pic>
     </p:spTree>
     <p:extLst>
       <p:ext uri="{BB962C8B-B14F-4D97-AF65-F5344CB8AC3E}">
@@ -11344,7 +11856,211 @@
 </p:sld>
 </file>
 
-<file path=ppt/slides/slide12.xml><?xml version="1.0" encoding="utf-8"?>
+<file path=ppt/slides/slide13.xml><?xml version="1.0" encoding="utf-8"?>
+<p:sld xmlns:a="http://schemas.openxmlformats.org/drawingml/2006/main" xmlns:r="http://schemas.openxmlformats.org/officeDocument/2006/relationships" xmlns:p="http://schemas.openxmlformats.org/presentationml/2006/main">
+  <p:cSld>
+    <p:spTree>
+      <p:nvGrpSpPr>
+        <p:cNvPr id="1" name="Shape 396">
+          <a:extLst>
+            <a:ext uri="{FF2B5EF4-FFF2-40B4-BE49-F238E27FC236}">
+              <a16:creationId xmlns:a16="http://schemas.microsoft.com/office/drawing/2014/main" id="{FE08AC5A-7EDA-DD1B-E807-5C9B05F4D015}"/>
+            </a:ext>
+          </a:extLst>
+        </p:cNvPr>
+        <p:cNvGrpSpPr/>
+        <p:nvPr/>
+      </p:nvGrpSpPr>
+      <p:grpSpPr>
+        <a:xfrm>
+          <a:off x="0" y="0"/>
+          <a:ext cx="0" cy="0"/>
+          <a:chOff x="0" y="0"/>
+          <a:chExt cx="0" cy="0"/>
+        </a:xfrm>
+      </p:grpSpPr>
+      <p:sp>
+        <p:nvSpPr>
+          <p:cNvPr id="424" name="Google Shape;424;p40">
+            <a:extLst>
+              <a:ext uri="{FF2B5EF4-FFF2-40B4-BE49-F238E27FC236}">
+                <a16:creationId xmlns:a16="http://schemas.microsoft.com/office/drawing/2014/main" id="{CE3D23E0-E0E0-9BEF-F882-54E05EAE9075}"/>
+              </a:ext>
+            </a:extLst>
+          </p:cNvPr>
+          <p:cNvSpPr txBox="1">
+            <a:spLocks noGrp="1"/>
+          </p:cNvSpPr>
+          <p:nvPr>
+            <p:ph type="title"/>
+          </p:nvPr>
+        </p:nvSpPr>
+        <p:spPr>
+          <a:xfrm>
+            <a:off x="719988" y="459128"/>
+            <a:ext cx="7704000" cy="572700"/>
+          </a:xfrm>
+          <a:prstGeom prst="rect">
+            <a:avLst/>
+          </a:prstGeom>
+        </p:spPr>
+        <p:txBody>
+          <a:bodyPr spcFirstLastPara="1" wrap="square" lIns="91425" tIns="91425" rIns="91425" bIns="91425" anchor="t" anchorCtr="0">
+            <a:noAutofit/>
+          </a:bodyPr>
+          <a:lstStyle/>
+          <a:p>
+            <a:pPr marL="0" lvl="0" indent="0" algn="l" rtl="0">
+              <a:spcBef>
+                <a:spcPts val="0"/>
+              </a:spcBef>
+              <a:spcAft>
+                <a:spcPts val="0"/>
+              </a:spcAft>
+              <a:buNone/>
+            </a:pPr>
+            <a:r>
+              <a:rPr lang="en" dirty="0">
+                <a:solidFill>
+                  <a:schemeClr val="accent2"/>
+                </a:solidFill>
+              </a:rPr>
+              <a:t>&lt;/ </a:t>
+            </a:r>
+            <a:r>
+              <a:rPr lang="en" dirty="0"/>
+              <a:t>Demo</a:t>
+            </a:r>
+            <a:endParaRPr dirty="0"/>
+          </a:p>
+        </p:txBody>
+      </p:sp>
+      <p:pic>
+        <p:nvPicPr>
+          <p:cNvPr id="6" name="Imagen 5">
+            <a:extLst>
+              <a:ext uri="{FF2B5EF4-FFF2-40B4-BE49-F238E27FC236}">
+                <a16:creationId xmlns:a16="http://schemas.microsoft.com/office/drawing/2014/main" id="{6A7A1935-360F-CAC9-7483-2A5C4E477C09}"/>
+              </a:ext>
+            </a:extLst>
+          </p:cNvPr>
+          <p:cNvPicPr>
+            <a:picLocks noChangeAspect="1"/>
+          </p:cNvPicPr>
+          <p:nvPr/>
+        </p:nvPicPr>
+        <p:blipFill>
+          <a:blip r:embed="rId3"/>
+          <a:stretch>
+            <a:fillRect/>
+          </a:stretch>
+        </p:blipFill>
+        <p:spPr>
+          <a:xfrm>
+            <a:off x="2409205" y="2734818"/>
+            <a:ext cx="4325566" cy="1657040"/>
+          </a:xfrm>
+          <a:prstGeom prst="rect">
+            <a:avLst/>
+          </a:prstGeom>
+        </p:spPr>
+      </p:pic>
+      <p:pic>
+        <p:nvPicPr>
+          <p:cNvPr id="14" name="Imagen 13">
+            <a:extLst>
+              <a:ext uri="{FF2B5EF4-FFF2-40B4-BE49-F238E27FC236}">
+                <a16:creationId xmlns:a16="http://schemas.microsoft.com/office/drawing/2014/main" id="{52911459-CD1A-CDC7-7698-2977CFFBB40B}"/>
+              </a:ext>
+            </a:extLst>
+          </p:cNvPr>
+          <p:cNvPicPr>
+            <a:picLocks noChangeAspect="1"/>
+          </p:cNvPicPr>
+          <p:nvPr/>
+        </p:nvPicPr>
+        <p:blipFill>
+          <a:blip r:embed="rId4"/>
+          <a:stretch>
+            <a:fillRect/>
+          </a:stretch>
+        </p:blipFill>
+        <p:spPr>
+          <a:xfrm>
+            <a:off x="3036271" y="810237"/>
+            <a:ext cx="3071433" cy="1820108"/>
+          </a:xfrm>
+          <a:prstGeom prst="rect">
+            <a:avLst/>
+          </a:prstGeom>
+        </p:spPr>
+      </p:pic>
+      <p:sp>
+        <p:nvSpPr>
+          <p:cNvPr id="15" name="Rectángulo 14">
+            <a:extLst>
+              <a:ext uri="{FF2B5EF4-FFF2-40B4-BE49-F238E27FC236}">
+                <a16:creationId xmlns:a16="http://schemas.microsoft.com/office/drawing/2014/main" id="{FF39BCC8-CD8A-1C2F-1D04-9A4CCA327B04}"/>
+              </a:ext>
+            </a:extLst>
+          </p:cNvPr>
+          <p:cNvSpPr/>
+          <p:nvPr/>
+        </p:nvSpPr>
+        <p:spPr>
+          <a:xfrm>
+            <a:off x="3294435" y="1136301"/>
+            <a:ext cx="1147864" cy="221591"/>
+          </a:xfrm>
+          <a:prstGeom prst="rect">
+            <a:avLst/>
+          </a:prstGeom>
+          <a:noFill/>
+          <a:ln>
+            <a:solidFill>
+              <a:srgbClr val="FF0000"/>
+            </a:solidFill>
+          </a:ln>
+        </p:spPr>
+        <p:style>
+          <a:lnRef idx="2">
+            <a:schemeClr val="accent1">
+              <a:shade val="15000"/>
+            </a:schemeClr>
+          </a:lnRef>
+          <a:fillRef idx="1">
+            <a:schemeClr val="accent1"/>
+          </a:fillRef>
+          <a:effectRef idx="0">
+            <a:schemeClr val="accent1"/>
+          </a:effectRef>
+          <a:fontRef idx="minor">
+            <a:schemeClr val="lt1"/>
+          </a:fontRef>
+        </p:style>
+        <p:txBody>
+          <a:bodyPr rtlCol="0" anchor="ctr"/>
+          <a:lstStyle/>
+          <a:p>
+            <a:pPr algn="ctr"/>
+            <a:endParaRPr lang="es-MX"/>
+          </a:p>
+        </p:txBody>
+      </p:sp>
+    </p:spTree>
+    <p:extLst>
+      <p:ext uri="{BB962C8B-B14F-4D97-AF65-F5344CB8AC3E}">
+        <p14:creationId xmlns:p14="http://schemas.microsoft.com/office/powerpoint/2010/main" val="1778434011"/>
+      </p:ext>
+    </p:extLst>
+  </p:cSld>
+  <p:clrMapOvr>
+    <a:masterClrMapping/>
+  </p:clrMapOvr>
+</p:sld>
+</file>
+
+<file path=ppt/slides/slide14.xml><?xml version="1.0" encoding="utf-8"?>
 <p:sld xmlns:a="http://schemas.openxmlformats.org/drawingml/2006/main" xmlns:r="http://schemas.openxmlformats.org/officeDocument/2006/relationships" xmlns:p="http://schemas.openxmlformats.org/presentationml/2006/main">
   <p:cSld>
     <p:spTree>
@@ -17381,7 +18097,7 @@
         <p:cNvPr id="1" name="Shape 396">
           <a:extLst>
             <a:ext uri="{FF2B5EF4-FFF2-40B4-BE49-F238E27FC236}">
-              <a16:creationId xmlns:a16="http://schemas.microsoft.com/office/drawing/2014/main" id="{E0295153-E0AA-B865-CFA6-3A699E847EAF}"/>
+              <a16:creationId xmlns:a16="http://schemas.microsoft.com/office/drawing/2014/main" id="{8DA81B85-FB43-986B-B129-16ED1C3DCBF0}"/>
             </a:ext>
           </a:extLst>
         </p:cNvPr>
@@ -17401,7 +18117,7 @@
           <p:cNvPr id="424" name="Google Shape;424;p40">
             <a:extLst>
               <a:ext uri="{FF2B5EF4-FFF2-40B4-BE49-F238E27FC236}">
-                <a16:creationId xmlns:a16="http://schemas.microsoft.com/office/drawing/2014/main" id="{A64FC271-2240-21D0-A80F-47460EDE0909}"/>
+                <a16:creationId xmlns:a16="http://schemas.microsoft.com/office/drawing/2014/main" id="{228224CE-7CBA-DDBD-95BF-BDAA3002A606}"/>
               </a:ext>
             </a:extLst>
           </p:cNvPr>
@@ -17446,7 +18162,7 @@
             </a:r>
             <a:r>
               <a:rPr lang="en" dirty="0"/>
-              <a:t>Flow</a:t>
+              <a:t>Catalogo</a:t>
             </a:r>
             <a:endParaRPr dirty="0"/>
           </a:p>
@@ -17457,7 +18173,7 @@
           <p:cNvPr id="3" name="Imagen 2">
             <a:extLst>
               <a:ext uri="{FF2B5EF4-FFF2-40B4-BE49-F238E27FC236}">
-                <a16:creationId xmlns:a16="http://schemas.microsoft.com/office/drawing/2014/main" id="{8FE9418C-1E75-DDAF-ADA0-AADA61F69A21}"/>
+                <a16:creationId xmlns:a16="http://schemas.microsoft.com/office/drawing/2014/main" id="{C3021F13-5050-22C1-CF36-E157EEA0478F}"/>
               </a:ext>
             </a:extLst>
           </p:cNvPr>
@@ -17474,8 +18190,8 @@
         </p:blipFill>
         <p:spPr>
           <a:xfrm>
-            <a:off x="561312" y="1264596"/>
-            <a:ext cx="3699639" cy="2478120"/>
+            <a:off x="1009115" y="1532199"/>
+            <a:ext cx="2382087" cy="2079102"/>
           </a:xfrm>
           <a:prstGeom prst="rect">
             <a:avLst/>
@@ -17487,7 +18203,7 @@
           <p:cNvPr id="5" name="Imagen 4">
             <a:extLst>
               <a:ext uri="{FF2B5EF4-FFF2-40B4-BE49-F238E27FC236}">
-                <a16:creationId xmlns:a16="http://schemas.microsoft.com/office/drawing/2014/main" id="{EF6EE229-ADF5-E9CC-1395-FFC92BB013D8}"/>
+                <a16:creationId xmlns:a16="http://schemas.microsoft.com/office/drawing/2014/main" id="{A85430E1-AA1C-7FEE-A551-ED2426359773}"/>
               </a:ext>
             </a:extLst>
           </p:cNvPr>
@@ -17504,122 +18220,18 @@
         </p:blipFill>
         <p:spPr>
           <a:xfrm>
-            <a:off x="4460779" y="1673157"/>
-            <a:ext cx="4034710" cy="1628372"/>
+            <a:off x="4572000" y="1182545"/>
+            <a:ext cx="3065911" cy="2981704"/>
           </a:xfrm>
           <a:prstGeom prst="rect">
             <a:avLst/>
           </a:prstGeom>
         </p:spPr>
       </p:pic>
-      <p:sp>
-        <p:nvSpPr>
-          <p:cNvPr id="6" name="Rectángulo 5">
-            <a:extLst>
-              <a:ext uri="{FF2B5EF4-FFF2-40B4-BE49-F238E27FC236}">
-                <a16:creationId xmlns:a16="http://schemas.microsoft.com/office/drawing/2014/main" id="{9CDFBD00-EFFE-B765-D535-5D13BCA7F325}"/>
-              </a:ext>
-            </a:extLst>
-          </p:cNvPr>
-          <p:cNvSpPr/>
-          <p:nvPr/>
-        </p:nvSpPr>
-        <p:spPr>
-          <a:xfrm>
-            <a:off x="616085" y="2127115"/>
-            <a:ext cx="1835285" cy="149157"/>
-          </a:xfrm>
-          <a:prstGeom prst="rect">
-            <a:avLst/>
-          </a:prstGeom>
-          <a:noFill/>
-          <a:ln>
-            <a:solidFill>
-              <a:srgbClr val="FF0000"/>
-            </a:solidFill>
-          </a:ln>
-        </p:spPr>
-        <p:style>
-          <a:lnRef idx="2">
-            <a:schemeClr val="accent1">
-              <a:shade val="15000"/>
-            </a:schemeClr>
-          </a:lnRef>
-          <a:fillRef idx="1">
-            <a:schemeClr val="accent1"/>
-          </a:fillRef>
-          <a:effectRef idx="0">
-            <a:schemeClr val="accent1"/>
-          </a:effectRef>
-          <a:fontRef idx="minor">
-            <a:schemeClr val="lt1"/>
-          </a:fontRef>
-        </p:style>
-        <p:txBody>
-          <a:bodyPr rtlCol="0" anchor="ctr"/>
-          <a:lstStyle/>
-          <a:p>
-            <a:pPr algn="ctr"/>
-            <a:endParaRPr lang="es-MX"/>
-          </a:p>
-        </p:txBody>
-      </p:sp>
-      <p:sp>
-        <p:nvSpPr>
-          <p:cNvPr id="7" name="Rectángulo 6">
-            <a:extLst>
-              <a:ext uri="{FF2B5EF4-FFF2-40B4-BE49-F238E27FC236}">
-                <a16:creationId xmlns:a16="http://schemas.microsoft.com/office/drawing/2014/main" id="{794BD288-8FE3-2908-B984-1031F2B5AD37}"/>
-              </a:ext>
-            </a:extLst>
-          </p:cNvPr>
-          <p:cNvSpPr/>
-          <p:nvPr/>
-        </p:nvSpPr>
-        <p:spPr>
-          <a:xfrm>
-            <a:off x="4717914" y="1987685"/>
-            <a:ext cx="3570052" cy="210766"/>
-          </a:xfrm>
-          <a:prstGeom prst="rect">
-            <a:avLst/>
-          </a:prstGeom>
-          <a:noFill/>
-          <a:ln>
-            <a:solidFill>
-              <a:srgbClr val="FF0000"/>
-            </a:solidFill>
-          </a:ln>
-        </p:spPr>
-        <p:style>
-          <a:lnRef idx="2">
-            <a:schemeClr val="accent1">
-              <a:shade val="15000"/>
-            </a:schemeClr>
-          </a:lnRef>
-          <a:fillRef idx="1">
-            <a:schemeClr val="accent1"/>
-          </a:fillRef>
-          <a:effectRef idx="0">
-            <a:schemeClr val="accent1"/>
-          </a:effectRef>
-          <a:fontRef idx="minor">
-            <a:schemeClr val="lt1"/>
-          </a:fontRef>
-        </p:style>
-        <p:txBody>
-          <a:bodyPr rtlCol="0" anchor="ctr"/>
-          <a:lstStyle/>
-          <a:p>
-            <a:pPr algn="ctr"/>
-            <a:endParaRPr lang="es-MX"/>
-          </a:p>
-        </p:txBody>
-      </p:sp>
     </p:spTree>
     <p:extLst>
       <p:ext uri="{BB962C8B-B14F-4D97-AF65-F5344CB8AC3E}">
-        <p14:creationId xmlns:p14="http://schemas.microsoft.com/office/powerpoint/2010/main" val="4061297044"/>
+        <p14:creationId xmlns:p14="http://schemas.microsoft.com/office/powerpoint/2010/main" val="2943874158"/>
       </p:ext>
     </p:extLst>
   </p:cSld>
